--- a/финансы_преза.pptx
+++ b/финансы_преза.pptx
@@ -5,17 +5,19 @@
     <p:sldMasterId id="2147483648" r:id="rId1"/>
   </p:sldMasterIdLst>
   <p:notesMasterIdLst>
-    <p:notesMasterId r:id="rId10"/>
+    <p:notesMasterId r:id="rId12"/>
   </p:notesMasterIdLst>
   <p:sldIdLst>
     <p:sldId id="256" r:id="rId2"/>
     <p:sldId id="259" r:id="rId3"/>
     <p:sldId id="260" r:id="rId4"/>
-    <p:sldId id="261" r:id="rId5"/>
-    <p:sldId id="262" r:id="rId6"/>
-    <p:sldId id="263" r:id="rId7"/>
-    <p:sldId id="264" r:id="rId8"/>
-    <p:sldId id="265" r:id="rId9"/>
+    <p:sldId id="268" r:id="rId5"/>
+    <p:sldId id="261" r:id="rId6"/>
+    <p:sldId id="262" r:id="rId7"/>
+    <p:sldId id="263" r:id="rId8"/>
+    <p:sldId id="264" r:id="rId9"/>
+    <p:sldId id="267" r:id="rId10"/>
+    <p:sldId id="265" r:id="rId11"/>
   </p:sldIdLst>
   <p:sldSz cx="12192000" cy="6858000"/>
   <p:notesSz cx="6858000" cy="9144000"/>
@@ -1447,13 +1449,1939 @@
 </c:chartSpace>
 </file>
 
+<file path=ppt/charts/chart2.xml><?xml version="1.0" encoding="utf-8"?>
+<c:chartSpace xmlns:c="http://schemas.openxmlformats.org/drawingml/2006/chart" xmlns:a="http://schemas.openxmlformats.org/drawingml/2006/main" xmlns:r="http://schemas.openxmlformats.org/officeDocument/2006/relationships" xmlns:c16r2="http://schemas.microsoft.com/office/drawing/2015/06/chart">
+  <c:date1904 val="0"/>
+  <c:lang val="ru-RU"/>
+  <c:roundedCorners val="0"/>
+  <mc:AlternateContent xmlns:mc="http://schemas.openxmlformats.org/markup-compatibility/2006">
+    <mc:Choice xmlns:c14="http://schemas.microsoft.com/office/drawing/2007/8/2/chart" Requires="c14">
+      <c14:style val="107"/>
+    </mc:Choice>
+    <mc:Fallback>
+      <c:style val="7"/>
+    </mc:Fallback>
+  </mc:AlternateContent>
+  <c:chart>
+    <c:autoTitleDeleted val="1"/>
+    <c:plotArea>
+      <c:layout/>
+      <c:pieChart>
+        <c:varyColors val="1"/>
+        <c:ser>
+          <c:idx val="0"/>
+          <c:order val="0"/>
+          <c:dPt>
+            <c:idx val="0"/>
+            <c:bubble3D val="0"/>
+            <c:spPr>
+              <a:solidFill>
+                <a:srgbClr val="2D2D9F"/>
+              </a:solidFill>
+              <a:ln w="19050">
+                <a:solidFill>
+                  <a:schemeClr val="lt1"/>
+                </a:solidFill>
+              </a:ln>
+              <a:effectLst/>
+            </c:spPr>
+            <c:extLst>
+              <c:ext xmlns:c16="http://schemas.microsoft.com/office/drawing/2014/chart" uri="{C3380CC4-5D6E-409C-BE32-E72D297353CC}">
+                <c16:uniqueId val="{00000001-AB8F-4FB1-BBB5-EC3AF3B7BB8B}"/>
+              </c:ext>
+            </c:extLst>
+          </c:dPt>
+          <c:dPt>
+            <c:idx val="1"/>
+            <c:bubble3D val="0"/>
+            <c:spPr>
+              <a:solidFill>
+                <a:srgbClr val="222278"/>
+              </a:solidFill>
+              <a:ln w="19050">
+                <a:solidFill>
+                  <a:schemeClr val="lt1"/>
+                </a:solidFill>
+              </a:ln>
+              <a:effectLst/>
+            </c:spPr>
+            <c:extLst>
+              <c:ext xmlns:c16="http://schemas.microsoft.com/office/drawing/2014/chart" uri="{C3380CC4-5D6E-409C-BE32-E72D297353CC}">
+                <c16:uniqueId val="{00000003-AB8F-4FB1-BBB5-EC3AF3B7BB8B}"/>
+              </c:ext>
+            </c:extLst>
+          </c:dPt>
+          <c:dPt>
+            <c:idx val="2"/>
+            <c:bubble3D val="0"/>
+            <c:spPr>
+              <a:solidFill>
+                <a:srgbClr val="252583"/>
+              </a:solidFill>
+              <a:ln w="19050">
+                <a:solidFill>
+                  <a:schemeClr val="lt1"/>
+                </a:solidFill>
+              </a:ln>
+              <a:effectLst/>
+            </c:spPr>
+            <c:extLst>
+              <c:ext xmlns:c16="http://schemas.microsoft.com/office/drawing/2014/chart" uri="{C3380CC4-5D6E-409C-BE32-E72D297353CC}">
+                <c16:uniqueId val="{00000005-AB8F-4FB1-BBB5-EC3AF3B7BB8B}"/>
+              </c:ext>
+            </c:extLst>
+          </c:dPt>
+          <c:dPt>
+            <c:idx val="3"/>
+            <c:bubble3D val="0"/>
+            <c:spPr>
+              <a:solidFill>
+                <a:srgbClr val="2A2A92"/>
+              </a:solidFill>
+              <a:ln w="19050">
+                <a:solidFill>
+                  <a:schemeClr val="lt1"/>
+                </a:solidFill>
+              </a:ln>
+              <a:effectLst/>
+            </c:spPr>
+            <c:extLst>
+              <c:ext xmlns:c16="http://schemas.microsoft.com/office/drawing/2014/chart" uri="{C3380CC4-5D6E-409C-BE32-E72D297353CC}">
+                <c16:uniqueId val="{00000007-AB8F-4FB1-BBB5-EC3AF3B7BB8B}"/>
+              </c:ext>
+            </c:extLst>
+          </c:dPt>
+          <c:dPt>
+            <c:idx val="4"/>
+            <c:bubble3D val="0"/>
+            <c:spPr>
+              <a:solidFill>
+                <a:srgbClr val="191957"/>
+              </a:solidFill>
+              <a:ln w="19050">
+                <a:solidFill>
+                  <a:schemeClr val="lt1"/>
+                </a:solidFill>
+              </a:ln>
+              <a:effectLst/>
+            </c:spPr>
+            <c:extLst>
+              <c:ext xmlns:c16="http://schemas.microsoft.com/office/drawing/2014/chart" uri="{C3380CC4-5D6E-409C-BE32-E72D297353CC}">
+                <c16:uniqueId val="{00000009-AB8F-4FB1-BBB5-EC3AF3B7BB8B}"/>
+              </c:ext>
+            </c:extLst>
+          </c:dPt>
+          <c:dPt>
+            <c:idx val="5"/>
+            <c:bubble3D val="0"/>
+            <c:spPr>
+              <a:solidFill>
+                <a:srgbClr val="B7B7EB"/>
+              </a:solidFill>
+              <a:ln w="19050">
+                <a:solidFill>
+                  <a:schemeClr val="lt1"/>
+                </a:solidFill>
+              </a:ln>
+              <a:effectLst/>
+            </c:spPr>
+            <c:extLst>
+              <c:ext xmlns:c16="http://schemas.microsoft.com/office/drawing/2014/chart" uri="{C3380CC4-5D6E-409C-BE32-E72D297353CC}">
+                <c16:uniqueId val="{0000000B-AB8F-4FB1-BBB5-EC3AF3B7BB8B}"/>
+              </c:ext>
+            </c:extLst>
+          </c:dPt>
+          <c:dPt>
+            <c:idx val="6"/>
+            <c:bubble3D val="0"/>
+            <c:spPr>
+              <a:solidFill>
+                <a:srgbClr val="7F7FDB"/>
+              </a:solidFill>
+              <a:ln w="19050">
+                <a:solidFill>
+                  <a:schemeClr val="lt1"/>
+                </a:solidFill>
+              </a:ln>
+              <a:effectLst/>
+            </c:spPr>
+            <c:extLst>
+              <c:ext xmlns:c16="http://schemas.microsoft.com/office/drawing/2014/chart" uri="{C3380CC4-5D6E-409C-BE32-E72D297353CC}">
+                <c16:uniqueId val="{0000000D-AB8F-4FB1-BBB5-EC3AF3B7BB8B}"/>
+              </c:ext>
+            </c:extLst>
+          </c:dPt>
+          <c:dPt>
+            <c:idx val="7"/>
+            <c:bubble3D val="0"/>
+            <c:spPr>
+              <a:solidFill>
+                <a:srgbClr val="7070D6"/>
+              </a:solidFill>
+              <a:ln w="19050">
+                <a:solidFill>
+                  <a:schemeClr val="lt1"/>
+                </a:solidFill>
+              </a:ln>
+              <a:effectLst/>
+            </c:spPr>
+            <c:extLst>
+              <c:ext xmlns:c16="http://schemas.microsoft.com/office/drawing/2014/chart" uri="{C3380CC4-5D6E-409C-BE32-E72D297353CC}">
+                <c16:uniqueId val="{0000000F-AB8F-4FB1-BBB5-EC3AF3B7BB8B}"/>
+              </c:ext>
+            </c:extLst>
+          </c:dPt>
+          <c:dPt>
+            <c:idx val="8"/>
+            <c:bubble3D val="0"/>
+            <c:spPr>
+              <a:solidFill>
+                <a:srgbClr val="4C4CCC"/>
+              </a:solidFill>
+              <a:ln w="19050">
+                <a:solidFill>
+                  <a:schemeClr val="lt1"/>
+                </a:solidFill>
+              </a:ln>
+              <a:effectLst/>
+            </c:spPr>
+            <c:extLst>
+              <c:ext xmlns:c16="http://schemas.microsoft.com/office/drawing/2014/chart" uri="{C3380CC4-5D6E-409C-BE32-E72D297353CC}">
+                <c16:uniqueId val="{00000011-AB8F-4FB1-BBB5-EC3AF3B7BB8B}"/>
+              </c:ext>
+            </c:extLst>
+          </c:dPt>
+          <c:dPt>
+            <c:idx val="9"/>
+            <c:bubble3D val="0"/>
+            <c:spPr>
+              <a:solidFill>
+                <a:srgbClr val="3333B2"/>
+              </a:solidFill>
+              <a:ln w="19050">
+                <a:solidFill>
+                  <a:schemeClr val="lt1"/>
+                </a:solidFill>
+              </a:ln>
+              <a:effectLst/>
+            </c:spPr>
+            <c:extLst>
+              <c:ext xmlns:c16="http://schemas.microsoft.com/office/drawing/2014/chart" uri="{C3380CC4-5D6E-409C-BE32-E72D297353CC}">
+                <c16:uniqueId val="{00000013-AB8F-4FB1-BBB5-EC3AF3B7BB8B}"/>
+              </c:ext>
+            </c:extLst>
+          </c:dPt>
+          <c:dLbls>
+            <c:dLbl>
+              <c:idx val="0"/>
+              <c:layout>
+                <c:manualLayout>
+                  <c:x val="-3.8546255506607931E-2"/>
+                  <c:y val="0.11755016471997602"/>
+                </c:manualLayout>
+              </c:layout>
+              <c:tx>
+                <c:rich>
+                  <a:bodyPr rot="0" spcFirstLastPara="1" vertOverflow="ellipsis" vert="horz" wrap="square" lIns="38100" tIns="19050" rIns="38100" bIns="19050" anchor="ctr" anchorCtr="1">
+                    <a:noAutofit/>
+                  </a:bodyPr>
+                  <a:lstStyle/>
+                  <a:p>
+                    <a:pPr>
+                      <a:defRPr sz="1600" b="0" i="0" u="none" strike="noStrike" kern="1200" baseline="0">
+                        <a:solidFill>
+                          <a:schemeClr val="tx1">
+                            <a:lumMod val="75000"/>
+                            <a:lumOff val="25000"/>
+                          </a:schemeClr>
+                        </a:solidFill>
+                        <a:latin typeface="+mn-lt"/>
+                        <a:ea typeface="+mn-ea"/>
+                        <a:cs typeface="+mn-cs"/>
+                      </a:defRPr>
+                    </a:pPr>
+                    <a:fld id="{19A89E0D-FC6C-47E3-95BE-2827FCDF8814}" type="CATEGORYNAME">
+                      <a:rPr lang="en-US" sz="1600" b="1">
+                        <a:solidFill>
+                          <a:schemeClr val="bg1"/>
+                        </a:solidFill>
+                      </a:rPr>
+                      <a:pPr>
+                        <a:defRPr sz="1600"/>
+                      </a:pPr>
+                      <a:t>[ИМЯ КАТЕГОРИИ]</a:t>
+                    </a:fld>
+                    <a:r>
+                      <a:rPr lang="en-US" sz="1600" b="1" baseline="0" dirty="0">
+                        <a:solidFill>
+                          <a:schemeClr val="bg1"/>
+                        </a:solidFill>
+                      </a:rPr>
+                      <a:t> </a:t>
+                    </a:r>
+                    <a:fld id="{D790898B-9AF9-4314-BA33-C7D2583A00EC}" type="PERCENTAGE">
+                      <a:rPr lang="en-US" sz="1600" b="1" baseline="0">
+                        <a:solidFill>
+                          <a:schemeClr val="bg1"/>
+                        </a:solidFill>
+                      </a:rPr>
+                      <a:pPr>
+                        <a:defRPr sz="1600"/>
+                      </a:pPr>
+                      <a:t>[ПРОЦЕНТ]</a:t>
+                    </a:fld>
+                    <a:endParaRPr lang="en-US" sz="1600" b="1" baseline="0" dirty="0">
+                      <a:solidFill>
+                        <a:schemeClr val="bg1"/>
+                      </a:solidFill>
+                    </a:endParaRPr>
+                  </a:p>
+                </c:rich>
+              </c:tx>
+              <c:spPr>
+                <a:noFill/>
+                <a:ln>
+                  <a:noFill/>
+                </a:ln>
+                <a:effectLst/>
+              </c:spPr>
+              <c:txPr>
+                <a:bodyPr rot="0" spcFirstLastPara="1" vertOverflow="ellipsis" vert="horz" wrap="square" lIns="38100" tIns="19050" rIns="38100" bIns="19050" anchor="ctr" anchorCtr="1">
+                  <a:noAutofit/>
+                </a:bodyPr>
+                <a:lstStyle/>
+                <a:p>
+                  <a:pPr>
+                    <a:defRPr sz="1600" b="0" i="0" u="none" strike="noStrike" kern="1200" baseline="0">
+                      <a:solidFill>
+                        <a:schemeClr val="tx1">
+                          <a:lumMod val="75000"/>
+                          <a:lumOff val="25000"/>
+                        </a:schemeClr>
+                      </a:solidFill>
+                      <a:latin typeface="+mn-lt"/>
+                      <a:ea typeface="+mn-ea"/>
+                      <a:cs typeface="+mn-cs"/>
+                    </a:defRPr>
+                  </a:pPr>
+                  <a:endParaRPr lang="ru-RU"/>
+                </a:p>
+              </c:txPr>
+              <c:dLblPos val="bestFit"/>
+              <c:showLegendKey val="0"/>
+              <c:showVal val="0"/>
+              <c:showCatName val="1"/>
+              <c:showSerName val="0"/>
+              <c:showPercent val="1"/>
+              <c:showBubbleSize val="0"/>
+              <c:separator> </c:separator>
+              <c:extLst>
+                <c:ext xmlns:c15="http://schemas.microsoft.com/office/drawing/2012/chart" uri="{CE6537A1-D6FC-4f65-9D91-7224C49458BB}">
+                  <c15:layout>
+                    <c:manualLayout>
+                      <c:w val="8.3516886930983844E-2"/>
+                      <c:h val="0.16696615753219526"/>
+                    </c:manualLayout>
+                  </c15:layout>
+                  <c15:dlblFieldTable/>
+                  <c15:showDataLabelsRange val="0"/>
+                </c:ext>
+                <c:ext xmlns:c16="http://schemas.microsoft.com/office/drawing/2014/chart" uri="{C3380CC4-5D6E-409C-BE32-E72D297353CC}">
+                  <c16:uniqueId val="{00000001-AB8F-4FB1-BBB5-EC3AF3B7BB8B}"/>
+                </c:ext>
+              </c:extLst>
+            </c:dLbl>
+            <c:dLbl>
+              <c:idx val="1"/>
+              <c:layout>
+                <c:manualLayout>
+                  <c:x val="-0.12031678171285858"/>
+                  <c:y val="-4.9953897272274929E-2"/>
+                </c:manualLayout>
+              </c:layout>
+              <c:tx>
+                <c:rich>
+                  <a:bodyPr rot="0" spcFirstLastPara="1" vertOverflow="ellipsis" vert="horz" wrap="square" lIns="38100" tIns="19050" rIns="38100" bIns="19050" anchor="ctr" anchorCtr="1">
+                    <a:spAutoFit/>
+                  </a:bodyPr>
+                  <a:lstStyle/>
+                  <a:p>
+                    <a:pPr>
+                      <a:defRPr sz="1600" b="0" i="0" u="none" strike="noStrike" kern="1200" baseline="0">
+                        <a:solidFill>
+                          <a:schemeClr val="tx1">
+                            <a:lumMod val="75000"/>
+                            <a:lumOff val="25000"/>
+                          </a:schemeClr>
+                        </a:solidFill>
+                        <a:latin typeface="+mn-lt"/>
+                        <a:ea typeface="+mn-ea"/>
+                        <a:cs typeface="+mn-cs"/>
+                      </a:defRPr>
+                    </a:pPr>
+                    <a:fld id="{CF950516-8635-4DC1-94E0-8981E80BB7F7}" type="CATEGORYNAME">
+                      <a:rPr lang="en-US" sz="1600" b="1"/>
+                      <a:pPr>
+                        <a:defRPr sz="1600"/>
+                      </a:pPr>
+                      <a:t>[ИМЯ КАТЕГОРИИ]</a:t>
+                    </a:fld>
+                    <a:r>
+                      <a:rPr lang="en-US" sz="1600" b="1" baseline="0" dirty="0"/>
+                      <a:t> </a:t>
+                    </a:r>
+                    <a:fld id="{38DFCD35-437C-4964-A770-D997C908D890}" type="PERCENTAGE">
+                      <a:rPr lang="en-US" sz="1600" b="1" baseline="0"/>
+                      <a:pPr>
+                        <a:defRPr sz="1600"/>
+                      </a:pPr>
+                      <a:t>[ПРОЦЕНТ]</a:t>
+                    </a:fld>
+                    <a:endParaRPr lang="en-US" sz="1600" b="1" baseline="0" dirty="0"/>
+                  </a:p>
+                </c:rich>
+              </c:tx>
+              <c:spPr>
+                <a:noFill/>
+                <a:ln>
+                  <a:noFill/>
+                </a:ln>
+                <a:effectLst/>
+              </c:spPr>
+              <c:txPr>
+                <a:bodyPr rot="0" spcFirstLastPara="1" vertOverflow="ellipsis" vert="horz" wrap="square" lIns="38100" tIns="19050" rIns="38100" bIns="19050" anchor="ctr" anchorCtr="1">
+                  <a:spAutoFit/>
+                </a:bodyPr>
+                <a:lstStyle/>
+                <a:p>
+                  <a:pPr>
+                    <a:defRPr sz="1600" b="0" i="0" u="none" strike="noStrike" kern="1200" baseline="0">
+                      <a:solidFill>
+                        <a:schemeClr val="tx1">
+                          <a:lumMod val="75000"/>
+                          <a:lumOff val="25000"/>
+                        </a:schemeClr>
+                      </a:solidFill>
+                      <a:latin typeface="+mn-lt"/>
+                      <a:ea typeface="+mn-ea"/>
+                      <a:cs typeface="+mn-cs"/>
+                    </a:defRPr>
+                  </a:pPr>
+                  <a:endParaRPr lang="ru-RU"/>
+                </a:p>
+              </c:txPr>
+              <c:dLblPos val="bestFit"/>
+              <c:showLegendKey val="0"/>
+              <c:showVal val="0"/>
+              <c:showCatName val="1"/>
+              <c:showSerName val="0"/>
+              <c:showPercent val="1"/>
+              <c:showBubbleSize val="0"/>
+              <c:separator> </c:separator>
+              <c:extLst>
+                <c:ext xmlns:c15="http://schemas.microsoft.com/office/drawing/2012/chart" uri="{CE6537A1-D6FC-4f65-9D91-7224C49458BB}">
+                  <c15:dlblFieldTable/>
+                  <c15:showDataLabelsRange val="0"/>
+                </c:ext>
+                <c:ext xmlns:c16="http://schemas.microsoft.com/office/drawing/2014/chart" uri="{C3380CC4-5D6E-409C-BE32-E72D297353CC}">
+                  <c16:uniqueId val="{00000003-AB8F-4FB1-BBB5-EC3AF3B7BB8B}"/>
+                </c:ext>
+              </c:extLst>
+            </c:dLbl>
+            <c:dLbl>
+              <c:idx val="2"/>
+              <c:tx>
+                <c:rich>
+                  <a:bodyPr rot="0" spcFirstLastPara="1" vertOverflow="ellipsis" vert="horz" wrap="square" lIns="38100" tIns="19050" rIns="38100" bIns="19050" anchor="ctr" anchorCtr="1">
+                    <a:spAutoFit/>
+                  </a:bodyPr>
+                  <a:lstStyle/>
+                  <a:p>
+                    <a:pPr>
+                      <a:defRPr sz="1600" b="0" i="0" u="none" strike="noStrike" kern="1200" baseline="0">
+                        <a:solidFill>
+                          <a:schemeClr val="tx1">
+                            <a:lumMod val="75000"/>
+                            <a:lumOff val="25000"/>
+                          </a:schemeClr>
+                        </a:solidFill>
+                        <a:latin typeface="+mn-lt"/>
+                        <a:ea typeface="+mn-ea"/>
+                        <a:cs typeface="+mn-cs"/>
+                      </a:defRPr>
+                    </a:pPr>
+                    <a:fld id="{4E8BFF6E-A94D-45E8-BFBC-F4295300B561}" type="CATEGORYNAME">
+                      <a:rPr lang="en-US" sz="1600" b="1"/>
+                      <a:pPr>
+                        <a:defRPr sz="1600"/>
+                      </a:pPr>
+                      <a:t>[ИМЯ КАТЕГОРИИ]</a:t>
+                    </a:fld>
+                    <a:r>
+                      <a:rPr lang="en-US" sz="1600" b="1" baseline="0" dirty="0"/>
+                      <a:t> </a:t>
+                    </a:r>
+                    <a:fld id="{7B452E59-2ADA-4B37-9410-3DA403742EBD}" type="PERCENTAGE">
+                      <a:rPr lang="en-US" sz="1600" b="1" baseline="0"/>
+                      <a:pPr>
+                        <a:defRPr sz="1600"/>
+                      </a:pPr>
+                      <a:t>[ПРОЦЕНТ]</a:t>
+                    </a:fld>
+                    <a:endParaRPr lang="en-US" sz="1600" b="1" baseline="0" dirty="0"/>
+                  </a:p>
+                </c:rich>
+              </c:tx>
+              <c:spPr>
+                <a:noFill/>
+                <a:ln>
+                  <a:noFill/>
+                </a:ln>
+                <a:effectLst/>
+              </c:spPr>
+              <c:txPr>
+                <a:bodyPr rot="0" spcFirstLastPara="1" vertOverflow="ellipsis" vert="horz" wrap="square" lIns="38100" tIns="19050" rIns="38100" bIns="19050" anchor="ctr" anchorCtr="1">
+                  <a:spAutoFit/>
+                </a:bodyPr>
+                <a:lstStyle/>
+                <a:p>
+                  <a:pPr>
+                    <a:defRPr sz="1600" b="0" i="0" u="none" strike="noStrike" kern="1200" baseline="0">
+                      <a:solidFill>
+                        <a:schemeClr val="tx1">
+                          <a:lumMod val="75000"/>
+                          <a:lumOff val="25000"/>
+                        </a:schemeClr>
+                      </a:solidFill>
+                      <a:latin typeface="+mn-lt"/>
+                      <a:ea typeface="+mn-ea"/>
+                      <a:cs typeface="+mn-cs"/>
+                    </a:defRPr>
+                  </a:pPr>
+                  <a:endParaRPr lang="ru-RU"/>
+                </a:p>
+              </c:txPr>
+              <c:dLblPos val="bestFit"/>
+              <c:showLegendKey val="0"/>
+              <c:showVal val="0"/>
+              <c:showCatName val="1"/>
+              <c:showSerName val="0"/>
+              <c:showPercent val="1"/>
+              <c:showBubbleSize val="0"/>
+              <c:separator> </c:separator>
+              <c:extLst>
+                <c:ext xmlns:c15="http://schemas.microsoft.com/office/drawing/2012/chart" uri="{CE6537A1-D6FC-4f65-9D91-7224C49458BB}">
+                  <c15:dlblFieldTable/>
+                  <c15:showDataLabelsRange val="0"/>
+                </c:ext>
+                <c:ext xmlns:c16="http://schemas.microsoft.com/office/drawing/2014/chart" uri="{C3380CC4-5D6E-409C-BE32-E72D297353CC}">
+                  <c16:uniqueId val="{00000005-AB8F-4FB1-BBB5-EC3AF3B7BB8B}"/>
+                </c:ext>
+              </c:extLst>
+            </c:dLbl>
+            <c:dLbl>
+              <c:idx val="3"/>
+              <c:layout>
+                <c:manualLayout>
+                  <c:x val="-6.8973227190213551E-2"/>
+                  <c:y val="0.14643476169252428"/>
+                </c:manualLayout>
+              </c:layout>
+              <c:spPr>
+                <a:noFill/>
+                <a:ln>
+                  <a:noFill/>
+                </a:ln>
+                <a:effectLst/>
+              </c:spPr>
+              <c:txPr>
+                <a:bodyPr rot="0" spcFirstLastPara="1" vertOverflow="ellipsis" vert="horz" wrap="square" lIns="38100" tIns="19050" rIns="38100" bIns="19050" anchor="ctr" anchorCtr="1">
+                  <a:noAutofit/>
+                </a:bodyPr>
+                <a:lstStyle/>
+                <a:p>
+                  <a:pPr>
+                    <a:defRPr sz="1400" b="1" i="0" u="none" strike="noStrike" kern="1200" baseline="0">
+                      <a:solidFill>
+                        <a:schemeClr val="bg1"/>
+                      </a:solidFill>
+                      <a:latin typeface="+mn-lt"/>
+                      <a:ea typeface="+mn-ea"/>
+                      <a:cs typeface="+mn-cs"/>
+                    </a:defRPr>
+                  </a:pPr>
+                  <a:endParaRPr lang="ru-RU"/>
+                </a:p>
+              </c:txPr>
+              <c:dLblPos val="bestFit"/>
+              <c:showLegendKey val="0"/>
+              <c:showVal val="0"/>
+              <c:showCatName val="1"/>
+              <c:showSerName val="0"/>
+              <c:showPercent val="1"/>
+              <c:showBubbleSize val="0"/>
+              <c:separator> </c:separator>
+              <c:extLst>
+                <c:ext xmlns:c15="http://schemas.microsoft.com/office/drawing/2012/chart" uri="{CE6537A1-D6FC-4f65-9D91-7224C49458BB}">
+                  <c15:layout>
+                    <c:manualLayout>
+                      <c:w val="6.4161232323933073E-2"/>
+                      <c:h val="0.16798442647499251"/>
+                    </c:manualLayout>
+                  </c15:layout>
+                </c:ext>
+                <c:ext xmlns:c16="http://schemas.microsoft.com/office/drawing/2014/chart" uri="{C3380CC4-5D6E-409C-BE32-E72D297353CC}">
+                  <c16:uniqueId val="{00000007-AB8F-4FB1-BBB5-EC3AF3B7BB8B}"/>
+                </c:ext>
+              </c:extLst>
+            </c:dLbl>
+            <c:dLbl>
+              <c:idx val="4"/>
+              <c:tx>
+                <c:rich>
+                  <a:bodyPr rot="0" spcFirstLastPara="1" vertOverflow="ellipsis" vert="horz" wrap="square" lIns="38100" tIns="19050" rIns="38100" bIns="19050" anchor="ctr" anchorCtr="1">
+                    <a:spAutoFit/>
+                  </a:bodyPr>
+                  <a:lstStyle/>
+                  <a:p>
+                    <a:pPr>
+                      <a:defRPr sz="1600" b="0" i="0" u="none" strike="noStrike" kern="1200" baseline="0">
+                        <a:solidFill>
+                          <a:schemeClr val="tx1">
+                            <a:lumMod val="75000"/>
+                            <a:lumOff val="25000"/>
+                          </a:schemeClr>
+                        </a:solidFill>
+                        <a:latin typeface="+mn-lt"/>
+                        <a:ea typeface="+mn-ea"/>
+                        <a:cs typeface="+mn-cs"/>
+                      </a:defRPr>
+                    </a:pPr>
+                    <a:fld id="{321766CD-EF6A-47C7-B8CB-E42634AA66CD}" type="CATEGORYNAME">
+                      <a:rPr lang="en-US" sz="1600" b="1"/>
+                      <a:pPr>
+                        <a:defRPr sz="1600"/>
+                      </a:pPr>
+                      <a:t>[ИМЯ КАТЕГОРИИ]</a:t>
+                    </a:fld>
+                    <a:r>
+                      <a:rPr lang="en-US" sz="1600" b="1" baseline="0" dirty="0"/>
+                      <a:t> </a:t>
+                    </a:r>
+                    <a:fld id="{07439304-B557-48E6-B1FE-9426A970D15E}" type="PERCENTAGE">
+                      <a:rPr lang="en-US" sz="1600" b="1" baseline="0"/>
+                      <a:pPr>
+                        <a:defRPr sz="1600"/>
+                      </a:pPr>
+                      <a:t>[ПРОЦЕНТ]</a:t>
+                    </a:fld>
+                    <a:endParaRPr lang="en-US" sz="1600" b="1" baseline="0" dirty="0"/>
+                  </a:p>
+                </c:rich>
+              </c:tx>
+              <c:spPr>
+                <a:noFill/>
+                <a:ln>
+                  <a:noFill/>
+                </a:ln>
+                <a:effectLst/>
+              </c:spPr>
+              <c:txPr>
+                <a:bodyPr rot="0" spcFirstLastPara="1" vertOverflow="ellipsis" vert="horz" wrap="square" lIns="38100" tIns="19050" rIns="38100" bIns="19050" anchor="ctr" anchorCtr="1">
+                  <a:spAutoFit/>
+                </a:bodyPr>
+                <a:lstStyle/>
+                <a:p>
+                  <a:pPr>
+                    <a:defRPr sz="1600" b="0" i="0" u="none" strike="noStrike" kern="1200" baseline="0">
+                      <a:solidFill>
+                        <a:schemeClr val="tx1">
+                          <a:lumMod val="75000"/>
+                          <a:lumOff val="25000"/>
+                        </a:schemeClr>
+                      </a:solidFill>
+                      <a:latin typeface="+mn-lt"/>
+                      <a:ea typeface="+mn-ea"/>
+                      <a:cs typeface="+mn-cs"/>
+                    </a:defRPr>
+                  </a:pPr>
+                  <a:endParaRPr lang="ru-RU"/>
+                </a:p>
+              </c:txPr>
+              <c:dLblPos val="bestFit"/>
+              <c:showLegendKey val="0"/>
+              <c:showVal val="0"/>
+              <c:showCatName val="1"/>
+              <c:showSerName val="0"/>
+              <c:showPercent val="1"/>
+              <c:showBubbleSize val="0"/>
+              <c:separator> </c:separator>
+              <c:extLst>
+                <c:ext xmlns:c15="http://schemas.microsoft.com/office/drawing/2012/chart" uri="{CE6537A1-D6FC-4f65-9D91-7224C49458BB}">
+                  <c15:dlblFieldTable/>
+                  <c15:showDataLabelsRange val="0"/>
+                </c:ext>
+                <c:ext xmlns:c16="http://schemas.microsoft.com/office/drawing/2014/chart" uri="{C3380CC4-5D6E-409C-BE32-E72D297353CC}">
+                  <c16:uniqueId val="{00000009-AB8F-4FB1-BBB5-EC3AF3B7BB8B}"/>
+                </c:ext>
+              </c:extLst>
+            </c:dLbl>
+            <c:dLbl>
+              <c:idx val="5"/>
+              <c:tx>
+                <c:rich>
+                  <a:bodyPr rot="0" spcFirstLastPara="1" vertOverflow="ellipsis" vert="horz" wrap="square" lIns="38100" tIns="19050" rIns="38100" bIns="19050" anchor="ctr" anchorCtr="1">
+                    <a:spAutoFit/>
+                  </a:bodyPr>
+                  <a:lstStyle/>
+                  <a:p>
+                    <a:pPr>
+                      <a:defRPr sz="1600" b="0" i="0" u="none" strike="noStrike" kern="1200" baseline="0">
+                        <a:solidFill>
+                          <a:schemeClr val="tx1">
+                            <a:lumMod val="75000"/>
+                            <a:lumOff val="25000"/>
+                          </a:schemeClr>
+                        </a:solidFill>
+                        <a:latin typeface="+mn-lt"/>
+                        <a:ea typeface="+mn-ea"/>
+                        <a:cs typeface="+mn-cs"/>
+                      </a:defRPr>
+                    </a:pPr>
+                    <a:fld id="{FCFFAF38-75F5-4948-8F2D-6D3C8D82443C}" type="CATEGORYNAME">
+                      <a:rPr lang="en-US" sz="1600" b="1"/>
+                      <a:pPr>
+                        <a:defRPr sz="1600"/>
+                      </a:pPr>
+                      <a:t>[ИМЯ КАТЕГОРИИ]</a:t>
+                    </a:fld>
+                    <a:r>
+                      <a:rPr lang="en-US" sz="1600" b="1" baseline="0" dirty="0"/>
+                      <a:t> </a:t>
+                    </a:r>
+                    <a:fld id="{276E3221-D451-433E-9258-9F704D80975E}" type="PERCENTAGE">
+                      <a:rPr lang="en-US" sz="1600" b="1" baseline="0"/>
+                      <a:pPr>
+                        <a:defRPr sz="1600"/>
+                      </a:pPr>
+                      <a:t>[ПРОЦЕНТ]</a:t>
+                    </a:fld>
+                    <a:endParaRPr lang="en-US" sz="1600" b="1" baseline="0" dirty="0"/>
+                  </a:p>
+                </c:rich>
+              </c:tx>
+              <c:spPr>
+                <a:noFill/>
+                <a:ln>
+                  <a:noFill/>
+                </a:ln>
+                <a:effectLst/>
+              </c:spPr>
+              <c:txPr>
+                <a:bodyPr rot="0" spcFirstLastPara="1" vertOverflow="ellipsis" vert="horz" wrap="square" lIns="38100" tIns="19050" rIns="38100" bIns="19050" anchor="ctr" anchorCtr="1">
+                  <a:spAutoFit/>
+                </a:bodyPr>
+                <a:lstStyle/>
+                <a:p>
+                  <a:pPr>
+                    <a:defRPr sz="1600" b="0" i="0" u="none" strike="noStrike" kern="1200" baseline="0">
+                      <a:solidFill>
+                        <a:schemeClr val="tx1">
+                          <a:lumMod val="75000"/>
+                          <a:lumOff val="25000"/>
+                        </a:schemeClr>
+                      </a:solidFill>
+                      <a:latin typeface="+mn-lt"/>
+                      <a:ea typeface="+mn-ea"/>
+                      <a:cs typeface="+mn-cs"/>
+                    </a:defRPr>
+                  </a:pPr>
+                  <a:endParaRPr lang="ru-RU"/>
+                </a:p>
+              </c:txPr>
+              <c:dLblPos val="bestFit"/>
+              <c:showLegendKey val="0"/>
+              <c:showVal val="0"/>
+              <c:showCatName val="1"/>
+              <c:showSerName val="0"/>
+              <c:showPercent val="1"/>
+              <c:showBubbleSize val="0"/>
+              <c:separator> </c:separator>
+              <c:extLst>
+                <c:ext xmlns:c15="http://schemas.microsoft.com/office/drawing/2012/chart" uri="{CE6537A1-D6FC-4f65-9D91-7224C49458BB}">
+                  <c15:dlblFieldTable/>
+                  <c15:showDataLabelsRange val="0"/>
+                </c:ext>
+                <c:ext xmlns:c16="http://schemas.microsoft.com/office/drawing/2014/chart" uri="{C3380CC4-5D6E-409C-BE32-E72D297353CC}">
+                  <c16:uniqueId val="{0000000B-AB8F-4FB1-BBB5-EC3AF3B7BB8B}"/>
+                </c:ext>
+              </c:extLst>
+            </c:dLbl>
+            <c:dLbl>
+              <c:idx val="6"/>
+              <c:tx>
+                <c:rich>
+                  <a:bodyPr rot="0" spcFirstLastPara="1" vertOverflow="ellipsis" vert="horz" wrap="square" lIns="38100" tIns="19050" rIns="38100" bIns="19050" anchor="ctr" anchorCtr="1">
+                    <a:spAutoFit/>
+                  </a:bodyPr>
+                  <a:lstStyle/>
+                  <a:p>
+                    <a:pPr>
+                      <a:defRPr sz="1600" b="0" i="0" u="none" strike="noStrike" kern="1200" baseline="0">
+                        <a:solidFill>
+                          <a:schemeClr val="tx1">
+                            <a:lumMod val="75000"/>
+                            <a:lumOff val="25000"/>
+                          </a:schemeClr>
+                        </a:solidFill>
+                        <a:latin typeface="+mn-lt"/>
+                        <a:ea typeface="+mn-ea"/>
+                        <a:cs typeface="+mn-cs"/>
+                      </a:defRPr>
+                    </a:pPr>
+                    <a:fld id="{7F1F01AE-92E4-4A61-BCC3-74B6227858E6}" type="CATEGORYNAME">
+                      <a:rPr lang="en-US" sz="1600" b="1"/>
+                      <a:pPr>
+                        <a:defRPr sz="1600"/>
+                      </a:pPr>
+                      <a:t>[ИМЯ КАТЕГОРИИ]</a:t>
+                    </a:fld>
+                    <a:r>
+                      <a:rPr lang="en-US" sz="1600" b="1" baseline="0" dirty="0"/>
+                      <a:t> </a:t>
+                    </a:r>
+                    <a:fld id="{CAA65160-1B60-4154-A943-A8BE502B96C5}" type="PERCENTAGE">
+                      <a:rPr lang="en-US" sz="1600" b="1" baseline="0"/>
+                      <a:pPr>
+                        <a:defRPr sz="1600"/>
+                      </a:pPr>
+                      <a:t>[ПРОЦЕНТ]</a:t>
+                    </a:fld>
+                    <a:endParaRPr lang="en-US" sz="1600" b="1" baseline="0" dirty="0"/>
+                  </a:p>
+                </c:rich>
+              </c:tx>
+              <c:spPr>
+                <a:noFill/>
+                <a:ln>
+                  <a:noFill/>
+                </a:ln>
+                <a:effectLst/>
+              </c:spPr>
+              <c:txPr>
+                <a:bodyPr rot="0" spcFirstLastPara="1" vertOverflow="ellipsis" vert="horz" wrap="square" lIns="38100" tIns="19050" rIns="38100" bIns="19050" anchor="ctr" anchorCtr="1">
+                  <a:spAutoFit/>
+                </a:bodyPr>
+                <a:lstStyle/>
+                <a:p>
+                  <a:pPr>
+                    <a:defRPr sz="1600" b="0" i="0" u="none" strike="noStrike" kern="1200" baseline="0">
+                      <a:solidFill>
+                        <a:schemeClr val="tx1">
+                          <a:lumMod val="75000"/>
+                          <a:lumOff val="25000"/>
+                        </a:schemeClr>
+                      </a:solidFill>
+                      <a:latin typeface="+mn-lt"/>
+                      <a:ea typeface="+mn-ea"/>
+                      <a:cs typeface="+mn-cs"/>
+                    </a:defRPr>
+                  </a:pPr>
+                  <a:endParaRPr lang="ru-RU"/>
+                </a:p>
+              </c:txPr>
+              <c:dLblPos val="bestFit"/>
+              <c:showLegendKey val="0"/>
+              <c:showVal val="0"/>
+              <c:showCatName val="1"/>
+              <c:showSerName val="0"/>
+              <c:showPercent val="1"/>
+              <c:showBubbleSize val="0"/>
+              <c:separator> </c:separator>
+              <c:extLst>
+                <c:ext xmlns:c15="http://schemas.microsoft.com/office/drawing/2012/chart" uri="{CE6537A1-D6FC-4f65-9D91-7224C49458BB}">
+                  <c15:dlblFieldTable/>
+                  <c15:showDataLabelsRange val="0"/>
+                </c:ext>
+                <c:ext xmlns:c16="http://schemas.microsoft.com/office/drawing/2014/chart" uri="{C3380CC4-5D6E-409C-BE32-E72D297353CC}">
+                  <c16:uniqueId val="{0000000D-AB8F-4FB1-BBB5-EC3AF3B7BB8B}"/>
+                </c:ext>
+              </c:extLst>
+            </c:dLbl>
+            <c:dLbl>
+              <c:idx val="7"/>
+              <c:layout>
+                <c:manualLayout>
+                  <c:x val="-0.15418502202643178"/>
+                  <c:y val="-0.15070286025567559"/>
+                </c:manualLayout>
+              </c:layout>
+              <c:tx>
+                <c:rich>
+                  <a:bodyPr rot="0" spcFirstLastPara="1" vertOverflow="ellipsis" vert="horz" wrap="square" lIns="38100" tIns="19050" rIns="38100" bIns="19050" anchor="ctr" anchorCtr="1">
+                    <a:noAutofit/>
+                  </a:bodyPr>
+                  <a:lstStyle/>
+                  <a:p>
+                    <a:pPr>
+                      <a:defRPr sz="2400" b="0" i="0" u="none" strike="noStrike" kern="1200" baseline="0">
+                        <a:solidFill>
+                          <a:schemeClr val="tx1">
+                            <a:lumMod val="75000"/>
+                            <a:lumOff val="25000"/>
+                          </a:schemeClr>
+                        </a:solidFill>
+                        <a:latin typeface="+mn-lt"/>
+                        <a:ea typeface="+mn-ea"/>
+                        <a:cs typeface="+mn-cs"/>
+                      </a:defRPr>
+                    </a:pPr>
+                    <a:fld id="{1ECC5FAB-6CB5-470A-8848-B1679771E764}" type="CATEGORYNAME">
+                      <a:rPr lang="en-US" sz="2400" b="1">
+                        <a:solidFill>
+                          <a:schemeClr val="bg1"/>
+                        </a:solidFill>
+                      </a:rPr>
+                      <a:pPr>
+                        <a:defRPr sz="2400"/>
+                      </a:pPr>
+                      <a:t>[ИМЯ КАТЕГОРИИ]</a:t>
+                    </a:fld>
+                    <a:r>
+                      <a:rPr lang="en-US" sz="2400" b="1" baseline="0" dirty="0">
+                        <a:solidFill>
+                          <a:schemeClr val="bg1"/>
+                        </a:solidFill>
+                      </a:rPr>
+                      <a:t> </a:t>
+                    </a:r>
+                    <a:fld id="{73D2FB3A-2299-42B6-B075-8DA7D3B50984}" type="PERCENTAGE">
+                      <a:rPr lang="en-US" sz="2400" b="1" baseline="0">
+                        <a:solidFill>
+                          <a:schemeClr val="bg1"/>
+                        </a:solidFill>
+                      </a:rPr>
+                      <a:pPr>
+                        <a:defRPr sz="2400"/>
+                      </a:pPr>
+                      <a:t>[ПРОЦЕНТ]</a:t>
+                    </a:fld>
+                    <a:endParaRPr lang="en-US" sz="2400" b="1" baseline="0" dirty="0">
+                      <a:solidFill>
+                        <a:schemeClr val="bg1"/>
+                      </a:solidFill>
+                    </a:endParaRPr>
+                  </a:p>
+                </c:rich>
+              </c:tx>
+              <c:spPr>
+                <a:noFill/>
+                <a:ln>
+                  <a:noFill/>
+                </a:ln>
+                <a:effectLst/>
+              </c:spPr>
+              <c:txPr>
+                <a:bodyPr rot="0" spcFirstLastPara="1" vertOverflow="ellipsis" vert="horz" wrap="square" lIns="38100" tIns="19050" rIns="38100" bIns="19050" anchor="ctr" anchorCtr="1">
+                  <a:noAutofit/>
+                </a:bodyPr>
+                <a:lstStyle/>
+                <a:p>
+                  <a:pPr>
+                    <a:defRPr sz="2400" b="0" i="0" u="none" strike="noStrike" kern="1200" baseline="0">
+                      <a:solidFill>
+                        <a:schemeClr val="tx1">
+                          <a:lumMod val="75000"/>
+                          <a:lumOff val="25000"/>
+                        </a:schemeClr>
+                      </a:solidFill>
+                      <a:latin typeface="+mn-lt"/>
+                      <a:ea typeface="+mn-ea"/>
+                      <a:cs typeface="+mn-cs"/>
+                    </a:defRPr>
+                  </a:pPr>
+                  <a:endParaRPr lang="ru-RU"/>
+                </a:p>
+              </c:txPr>
+              <c:dLblPos val="bestFit"/>
+              <c:showLegendKey val="0"/>
+              <c:showVal val="0"/>
+              <c:showCatName val="1"/>
+              <c:showSerName val="0"/>
+              <c:showPercent val="1"/>
+              <c:showBubbleSize val="0"/>
+              <c:separator> </c:separator>
+              <c:extLst>
+                <c:ext xmlns:c15="http://schemas.microsoft.com/office/drawing/2012/chart" uri="{CE6537A1-D6FC-4f65-9D91-7224C49458BB}">
+                  <c15:layout>
+                    <c:manualLayout>
+                      <c:w val="0.12665198237885464"/>
+                      <c:h val="0.19242288110212638"/>
+                    </c:manualLayout>
+                  </c15:layout>
+                  <c15:dlblFieldTable/>
+                  <c15:showDataLabelsRange val="0"/>
+                </c:ext>
+                <c:ext xmlns:c16="http://schemas.microsoft.com/office/drawing/2014/chart" uri="{C3380CC4-5D6E-409C-BE32-E72D297353CC}">
+                  <c16:uniqueId val="{0000000F-AB8F-4FB1-BBB5-EC3AF3B7BB8B}"/>
+                </c:ext>
+              </c:extLst>
+            </c:dLbl>
+            <c:dLbl>
+              <c:idx val="8"/>
+              <c:layout>
+                <c:manualLayout>
+                  <c:x val="-1.6519803607711252E-2"/>
+                  <c:y val="-0.14821843617815866"/>
+                </c:manualLayout>
+              </c:layout>
+              <c:tx>
+                <c:rich>
+                  <a:bodyPr rot="0" spcFirstLastPara="1" vertOverflow="ellipsis" vert="horz" wrap="square" lIns="38100" tIns="19050" rIns="38100" bIns="19050" anchor="ctr" anchorCtr="1">
+                    <a:noAutofit/>
+                  </a:bodyPr>
+                  <a:lstStyle/>
+                  <a:p>
+                    <a:pPr>
+                      <a:defRPr sz="2000" b="0" i="0" u="none" strike="noStrike" kern="1200" baseline="0">
+                        <a:solidFill>
+                          <a:schemeClr val="tx1">
+                            <a:lumMod val="75000"/>
+                            <a:lumOff val="25000"/>
+                          </a:schemeClr>
+                        </a:solidFill>
+                        <a:latin typeface="+mn-lt"/>
+                        <a:ea typeface="+mn-ea"/>
+                        <a:cs typeface="+mn-cs"/>
+                      </a:defRPr>
+                    </a:pPr>
+                    <a:fld id="{1F490570-1DE2-44DC-A474-ADE0F9247E05}" type="CATEGORYNAME">
+                      <a:rPr lang="en-US" sz="2000" b="1">
+                        <a:solidFill>
+                          <a:schemeClr val="bg1"/>
+                        </a:solidFill>
+                      </a:rPr>
+                      <a:pPr>
+                        <a:defRPr sz="2000"/>
+                      </a:pPr>
+                      <a:t>[ИМЯ КАТЕГОРИИ]</a:t>
+                    </a:fld>
+                    <a:r>
+                      <a:rPr lang="en-US" sz="2000" b="1" baseline="0" dirty="0"/>
+                      <a:t> </a:t>
+                    </a:r>
+                    <a:fld id="{1AD38CC4-F008-40A9-A778-73291AABFE4D}" type="PERCENTAGE">
+                      <a:rPr lang="en-US" sz="2000" b="1" baseline="0">
+                        <a:solidFill>
+                          <a:schemeClr val="bg1"/>
+                        </a:solidFill>
+                      </a:rPr>
+                      <a:pPr>
+                        <a:defRPr sz="2000"/>
+                      </a:pPr>
+                      <a:t>[ПРОЦЕНТ]</a:t>
+                    </a:fld>
+                    <a:endParaRPr lang="en-US" sz="2000" b="1" baseline="0" dirty="0"/>
+                  </a:p>
+                </c:rich>
+              </c:tx>
+              <c:spPr>
+                <a:noFill/>
+                <a:ln>
+                  <a:noFill/>
+                </a:ln>
+                <a:effectLst/>
+              </c:spPr>
+              <c:txPr>
+                <a:bodyPr rot="0" spcFirstLastPara="1" vertOverflow="ellipsis" vert="horz" wrap="square" lIns="38100" tIns="19050" rIns="38100" bIns="19050" anchor="ctr" anchorCtr="1">
+                  <a:noAutofit/>
+                </a:bodyPr>
+                <a:lstStyle/>
+                <a:p>
+                  <a:pPr>
+                    <a:defRPr sz="2000" b="0" i="0" u="none" strike="noStrike" kern="1200" baseline="0">
+                      <a:solidFill>
+                        <a:schemeClr val="tx1">
+                          <a:lumMod val="75000"/>
+                          <a:lumOff val="25000"/>
+                        </a:schemeClr>
+                      </a:solidFill>
+                      <a:latin typeface="+mn-lt"/>
+                      <a:ea typeface="+mn-ea"/>
+                      <a:cs typeface="+mn-cs"/>
+                    </a:defRPr>
+                  </a:pPr>
+                  <a:endParaRPr lang="ru-RU"/>
+                </a:p>
+              </c:txPr>
+              <c:dLblPos val="bestFit"/>
+              <c:showLegendKey val="0"/>
+              <c:showVal val="0"/>
+              <c:showCatName val="1"/>
+              <c:showSerName val="0"/>
+              <c:showPercent val="1"/>
+              <c:showBubbleSize val="0"/>
+              <c:separator> </c:separator>
+              <c:extLst>
+                <c:ext xmlns:c15="http://schemas.microsoft.com/office/drawing/2012/chart" uri="{CE6537A1-D6FC-4f65-9D91-7224C49458BB}">
+                  <c15:layout>
+                    <c:manualLayout>
+                      <c:w val="0.10242539626078567"/>
+                      <c:h val="0.16217433126624506"/>
+                    </c:manualLayout>
+                  </c15:layout>
+                  <c15:dlblFieldTable/>
+                  <c15:showDataLabelsRange val="0"/>
+                </c:ext>
+                <c:ext xmlns:c16="http://schemas.microsoft.com/office/drawing/2014/chart" uri="{C3380CC4-5D6E-409C-BE32-E72D297353CC}">
+                  <c16:uniqueId val="{00000011-AB8F-4FB1-BBB5-EC3AF3B7BB8B}"/>
+                </c:ext>
+              </c:extLst>
+            </c:dLbl>
+            <c:dLbl>
+              <c:idx val="9"/>
+              <c:layout>
+                <c:manualLayout>
+                  <c:x val="0.21693802648385591"/>
+                  <c:y val="1.8903655577076097E-2"/>
+                </c:manualLayout>
+              </c:layout>
+              <c:tx>
+                <c:rich>
+                  <a:bodyPr rot="0" spcFirstLastPara="1" vertOverflow="ellipsis" vert="horz" wrap="square" lIns="38100" tIns="19050" rIns="38100" bIns="19050" anchor="ctr" anchorCtr="1">
+                    <a:noAutofit/>
+                  </a:bodyPr>
+                  <a:lstStyle/>
+                  <a:p>
+                    <a:pPr>
+                      <a:defRPr sz="2800" b="0" i="0" u="none" strike="noStrike" kern="1200" baseline="0">
+                        <a:solidFill>
+                          <a:schemeClr val="tx1">
+                            <a:lumMod val="75000"/>
+                            <a:lumOff val="25000"/>
+                          </a:schemeClr>
+                        </a:solidFill>
+                        <a:latin typeface="+mn-lt"/>
+                        <a:ea typeface="+mn-ea"/>
+                        <a:cs typeface="+mn-cs"/>
+                      </a:defRPr>
+                    </a:pPr>
+                    <a:fld id="{BEB760AC-63EC-48AA-91EE-A9B1DD35D63C}" type="CATEGORYNAME">
+                      <a:rPr lang="en-US" sz="2800" b="1">
+                        <a:solidFill>
+                          <a:schemeClr val="bg1"/>
+                        </a:solidFill>
+                      </a:rPr>
+                      <a:pPr>
+                        <a:defRPr sz="2800"/>
+                      </a:pPr>
+                      <a:t>[ИМЯ КАТЕГОРИИ]</a:t>
+                    </a:fld>
+                    <a:r>
+                      <a:rPr lang="en-US" sz="2800" b="1" baseline="0" dirty="0">
+                        <a:solidFill>
+                          <a:schemeClr val="bg1"/>
+                        </a:solidFill>
+                      </a:rPr>
+                      <a:t> </a:t>
+                    </a:r>
+                    <a:fld id="{AB7A76A8-369A-41B3-BCD4-2B2F81DC7C1A}" type="PERCENTAGE">
+                      <a:rPr lang="en-US" sz="2800" b="1" baseline="0">
+                        <a:solidFill>
+                          <a:schemeClr val="bg1"/>
+                        </a:solidFill>
+                      </a:rPr>
+                      <a:pPr>
+                        <a:defRPr sz="2800"/>
+                      </a:pPr>
+                      <a:t>[ПРОЦЕНТ]</a:t>
+                    </a:fld>
+                    <a:endParaRPr lang="en-US" sz="2800" b="1" baseline="0" dirty="0">
+                      <a:solidFill>
+                        <a:schemeClr val="bg1"/>
+                      </a:solidFill>
+                    </a:endParaRPr>
+                  </a:p>
+                </c:rich>
+              </c:tx>
+              <c:spPr>
+                <a:noFill/>
+                <a:ln>
+                  <a:noFill/>
+                </a:ln>
+                <a:effectLst/>
+              </c:spPr>
+              <c:txPr>
+                <a:bodyPr rot="0" spcFirstLastPara="1" vertOverflow="ellipsis" vert="horz" wrap="square" lIns="38100" tIns="19050" rIns="38100" bIns="19050" anchor="ctr" anchorCtr="1">
+                  <a:noAutofit/>
+                </a:bodyPr>
+                <a:lstStyle/>
+                <a:p>
+                  <a:pPr>
+                    <a:defRPr sz="2800" b="0" i="0" u="none" strike="noStrike" kern="1200" baseline="0">
+                      <a:solidFill>
+                        <a:schemeClr val="tx1">
+                          <a:lumMod val="75000"/>
+                          <a:lumOff val="25000"/>
+                        </a:schemeClr>
+                      </a:solidFill>
+                      <a:latin typeface="+mn-lt"/>
+                      <a:ea typeface="+mn-ea"/>
+                      <a:cs typeface="+mn-cs"/>
+                    </a:defRPr>
+                  </a:pPr>
+                  <a:endParaRPr lang="ru-RU"/>
+                </a:p>
+              </c:txPr>
+              <c:dLblPos val="bestFit"/>
+              <c:showLegendKey val="0"/>
+              <c:showVal val="0"/>
+              <c:showCatName val="1"/>
+              <c:showSerName val="0"/>
+              <c:showPercent val="1"/>
+              <c:showBubbleSize val="0"/>
+              <c:separator> </c:separator>
+              <c:extLst>
+                <c:ext xmlns:c15="http://schemas.microsoft.com/office/drawing/2012/chart" uri="{CE6537A1-D6FC-4f65-9D91-7224C49458BB}">
+                  <c15:layout>
+                    <c:manualLayout>
+                      <c:w val="0.13519647461468198"/>
+                      <c:h val="0.20092842168313865"/>
+                    </c:manualLayout>
+                  </c15:layout>
+                  <c15:dlblFieldTable/>
+                  <c15:showDataLabelsRange val="0"/>
+                </c:ext>
+                <c:ext xmlns:c16="http://schemas.microsoft.com/office/drawing/2014/chart" uri="{C3380CC4-5D6E-409C-BE32-E72D297353CC}">
+                  <c16:uniqueId val="{00000013-AB8F-4FB1-BBB5-EC3AF3B7BB8B}"/>
+                </c:ext>
+              </c:extLst>
+            </c:dLbl>
+            <c:spPr>
+              <a:noFill/>
+              <a:ln>
+                <a:noFill/>
+              </a:ln>
+              <a:effectLst/>
+            </c:spPr>
+            <c:txPr>
+              <a:bodyPr rot="0" spcFirstLastPara="1" vertOverflow="ellipsis" vert="horz" wrap="square" lIns="38100" tIns="19050" rIns="38100" bIns="19050" anchor="ctr" anchorCtr="1">
+                <a:spAutoFit/>
+              </a:bodyPr>
+              <a:lstStyle/>
+              <a:p>
+                <a:pPr>
+                  <a:defRPr sz="1400" b="0" i="0" u="none" strike="noStrike" kern="1200" baseline="0">
+                    <a:solidFill>
+                      <a:schemeClr val="tx1">
+                        <a:lumMod val="75000"/>
+                        <a:lumOff val="25000"/>
+                      </a:schemeClr>
+                    </a:solidFill>
+                    <a:latin typeface="+mn-lt"/>
+                    <a:ea typeface="+mn-ea"/>
+                    <a:cs typeface="+mn-cs"/>
+                  </a:defRPr>
+                </a:pPr>
+                <a:endParaRPr lang="ru-RU"/>
+              </a:p>
+            </c:txPr>
+            <c:dLblPos val="bestFit"/>
+            <c:showLegendKey val="0"/>
+            <c:showVal val="0"/>
+            <c:showCatName val="1"/>
+            <c:showSerName val="0"/>
+            <c:showPercent val="1"/>
+            <c:showBubbleSize val="0"/>
+            <c:separator> </c:separator>
+            <c:showLeaderLines val="1"/>
+            <c:leaderLines>
+              <c:spPr>
+                <a:ln w="9525" cap="flat" cmpd="sng" algn="ctr">
+                  <a:solidFill>
+                    <a:schemeClr val="tx1">
+                      <a:lumMod val="35000"/>
+                      <a:lumOff val="65000"/>
+                    </a:schemeClr>
+                  </a:solidFill>
+                  <a:round/>
+                </a:ln>
+                <a:effectLst/>
+              </c:spPr>
+            </c:leaderLines>
+            <c:extLst>
+              <c:ext xmlns:c15="http://schemas.microsoft.com/office/drawing/2012/chart" uri="{CE6537A1-D6FC-4f65-9D91-7224C49458BB}"/>
+            </c:extLst>
+          </c:dLbls>
+          <c:cat>
+            <c:strRef>
+              <c:f>Лист1!$A$2:$A$11</c:f>
+              <c:strCache>
+                <c:ptCount val="10"/>
+                <c:pt idx="0">
+                  <c:v>UNAC</c:v>
+                </c:pt>
+                <c:pt idx="1">
+                  <c:v>NMTP</c:v>
+                </c:pt>
+                <c:pt idx="2">
+                  <c:v>FESH</c:v>
+                </c:pt>
+                <c:pt idx="3">
+                  <c:v>PIKK</c:v>
+                </c:pt>
+                <c:pt idx="4">
+                  <c:v>AFLT</c:v>
+                </c:pt>
+                <c:pt idx="5">
+                  <c:v>MGNT</c:v>
+                </c:pt>
+                <c:pt idx="6">
+                  <c:v>POLY</c:v>
+                </c:pt>
+                <c:pt idx="7">
+                  <c:v>PHOR</c:v>
+                </c:pt>
+                <c:pt idx="8">
+                  <c:v>ROSN</c:v>
+                </c:pt>
+                <c:pt idx="9">
+                  <c:v>Bond</c:v>
+                </c:pt>
+              </c:strCache>
+            </c:strRef>
+          </c:cat>
+          <c:val>
+            <c:numRef>
+              <c:f>Лист1!$B$2:$B$11</c:f>
+              <c:numCache>
+                <c:formatCode>General</c:formatCode>
+                <c:ptCount val="10"/>
+                <c:pt idx="0">
+                  <c:v>0.06</c:v>
+                </c:pt>
+                <c:pt idx="1">
+                  <c:v>0.01</c:v>
+                </c:pt>
+                <c:pt idx="2">
+                  <c:v>0.01</c:v>
+                </c:pt>
+                <c:pt idx="3">
+                  <c:v>0.05</c:v>
+                </c:pt>
+                <c:pt idx="4">
+                  <c:v>0.04</c:v>
+                </c:pt>
+                <c:pt idx="5">
+                  <c:v>0.02</c:v>
+                </c:pt>
+                <c:pt idx="6">
+                  <c:v>0.02</c:v>
+                </c:pt>
+                <c:pt idx="7">
+                  <c:v>0.23</c:v>
+                </c:pt>
+                <c:pt idx="8">
+                  <c:v>0.1</c:v>
+                </c:pt>
+                <c:pt idx="9">
+                  <c:v>0.46</c:v>
+                </c:pt>
+              </c:numCache>
+            </c:numRef>
+          </c:val>
+          <c:extLst>
+            <c:ext xmlns:c16="http://schemas.microsoft.com/office/drawing/2014/chart" uri="{C3380CC4-5D6E-409C-BE32-E72D297353CC}">
+              <c16:uniqueId val="{00000014-AB8F-4FB1-BBB5-EC3AF3B7BB8B}"/>
+            </c:ext>
+          </c:extLst>
+        </c:ser>
+        <c:dLbls>
+          <c:dLblPos val="bestFit"/>
+          <c:showLegendKey val="0"/>
+          <c:showVal val="1"/>
+          <c:showCatName val="0"/>
+          <c:showSerName val="0"/>
+          <c:showPercent val="0"/>
+          <c:showBubbleSize val="0"/>
+          <c:showLeaderLines val="1"/>
+        </c:dLbls>
+        <c:firstSliceAng val="0"/>
+      </c:pieChart>
+      <c:spPr>
+        <a:noFill/>
+        <a:ln>
+          <a:noFill/>
+        </a:ln>
+        <a:effectLst/>
+      </c:spPr>
+    </c:plotArea>
+    <c:plotVisOnly val="1"/>
+    <c:dispBlanksAs val="gap"/>
+    <c:extLst>
+      <c:ext xmlns:c16r3="http://schemas.microsoft.com/office/drawing/2017/03/chart" uri="{56B9EC1D-385E-4148-901F-78D8002777C0}">
+        <c16r3:dataDisplayOptions16>
+          <c16r3:dispNaAsBlank val="1"/>
+        </c16r3:dataDisplayOptions16>
+      </c:ext>
+    </c:extLst>
+    <c:showDLblsOverMax val="0"/>
+  </c:chart>
+  <c:spPr>
+    <a:noFill/>
+    <a:ln>
+      <a:noFill/>
+    </a:ln>
+    <a:effectLst/>
+  </c:spPr>
+  <c:txPr>
+    <a:bodyPr/>
+    <a:lstStyle/>
+    <a:p>
+      <a:pPr>
+        <a:defRPr/>
+      </a:pPr>
+      <a:endParaRPr lang="ru-RU"/>
+    </a:p>
+  </c:txPr>
+  <c:externalData r:id="rId3">
+    <c:autoUpdate val="0"/>
+  </c:externalData>
+</c:chartSpace>
+</file>
+
 <file path=ppt/charts/colors1.xml><?xml version="1.0" encoding="utf-8"?>
 <cs:colorStyle xmlns:cs="http://schemas.microsoft.com/office/drawing/2012/chartStyle" xmlns:a="http://schemas.openxmlformats.org/drawingml/2006/main" meth="withinLinearReversed" id="25">
   <a:schemeClr val="accent5"/>
 </cs:colorStyle>
 </file>
 
+<file path=ppt/charts/colors2.xml><?xml version="1.0" encoding="utf-8"?>
+<cs:colorStyle xmlns:cs="http://schemas.microsoft.com/office/drawing/2012/chartStyle" xmlns:a="http://schemas.openxmlformats.org/drawingml/2006/main" meth="withinLinearReversed" id="25">
+  <a:schemeClr val="accent5"/>
+</cs:colorStyle>
+</file>
+
 <file path=ppt/charts/style1.xml><?xml version="1.0" encoding="utf-8"?>
+<cs:chartStyle xmlns:cs="http://schemas.microsoft.com/office/drawing/2012/chartStyle" xmlns:a="http://schemas.openxmlformats.org/drawingml/2006/main" id="251">
+  <cs:axisTitle>
+    <cs:lnRef idx="0"/>
+    <cs:fillRef idx="0"/>
+    <cs:effectRef idx="0"/>
+    <cs:fontRef idx="minor">
+      <a:schemeClr val="tx1">
+        <a:lumMod val="65000"/>
+        <a:lumOff val="35000"/>
+      </a:schemeClr>
+    </cs:fontRef>
+    <cs:defRPr sz="1000" kern="1200"/>
+  </cs:axisTitle>
+  <cs:categoryAxis>
+    <cs:lnRef idx="0"/>
+    <cs:fillRef idx="0"/>
+    <cs:effectRef idx="0"/>
+    <cs:fontRef idx="minor">
+      <a:schemeClr val="tx1">
+        <a:lumMod val="65000"/>
+        <a:lumOff val="35000"/>
+      </a:schemeClr>
+    </cs:fontRef>
+    <cs:spPr>
+      <a:ln w="9525" cap="flat" cmpd="sng" algn="ctr">
+        <a:solidFill>
+          <a:schemeClr val="tx1">
+            <a:lumMod val="15000"/>
+            <a:lumOff val="85000"/>
+          </a:schemeClr>
+        </a:solidFill>
+        <a:round/>
+      </a:ln>
+    </cs:spPr>
+    <cs:defRPr sz="900" kern="1200"/>
+  </cs:categoryAxis>
+  <cs:chartArea mods="allowNoFillOverride allowNoLineOverride">
+    <cs:lnRef idx="0"/>
+    <cs:fillRef idx="0"/>
+    <cs:effectRef idx="0"/>
+    <cs:fontRef idx="minor">
+      <a:schemeClr val="tx1"/>
+    </cs:fontRef>
+    <cs:spPr>
+      <a:solidFill>
+        <a:schemeClr val="bg1"/>
+      </a:solidFill>
+      <a:ln w="9525" cap="flat" cmpd="sng" algn="ctr">
+        <a:solidFill>
+          <a:schemeClr val="tx1">
+            <a:lumMod val="15000"/>
+            <a:lumOff val="85000"/>
+          </a:schemeClr>
+        </a:solidFill>
+        <a:round/>
+      </a:ln>
+    </cs:spPr>
+    <cs:defRPr sz="900" kern="1200"/>
+  </cs:chartArea>
+  <cs:dataLabel>
+    <cs:lnRef idx="0"/>
+    <cs:fillRef idx="0"/>
+    <cs:effectRef idx="0"/>
+    <cs:fontRef idx="minor">
+      <a:schemeClr val="tx1">
+        <a:lumMod val="75000"/>
+        <a:lumOff val="25000"/>
+      </a:schemeClr>
+    </cs:fontRef>
+    <cs:defRPr sz="900" kern="1200"/>
+  </cs:dataLabel>
+  <cs:dataLabelCallout>
+    <cs:lnRef idx="0"/>
+    <cs:fillRef idx="0"/>
+    <cs:effectRef idx="0"/>
+    <cs:fontRef idx="minor">
+      <a:schemeClr val="dk1">
+        <a:lumMod val="65000"/>
+        <a:lumOff val="35000"/>
+      </a:schemeClr>
+    </cs:fontRef>
+    <cs:spPr>
+      <a:solidFill>
+        <a:schemeClr val="lt1"/>
+      </a:solidFill>
+      <a:ln>
+        <a:solidFill>
+          <a:schemeClr val="dk1">
+            <a:lumMod val="25000"/>
+            <a:lumOff val="75000"/>
+          </a:schemeClr>
+        </a:solidFill>
+      </a:ln>
+    </cs:spPr>
+    <cs:defRPr sz="900" kern="1200"/>
+    <cs:bodyPr rot="0" spcFirstLastPara="1" vertOverflow="clip" horzOverflow="clip" vert="horz" wrap="square" lIns="36576" tIns="18288" rIns="36576" bIns="18288" anchor="ctr" anchorCtr="1">
+      <a:spAutoFit/>
+    </cs:bodyPr>
+  </cs:dataLabelCallout>
+  <cs:dataPoint>
+    <cs:lnRef idx="0"/>
+    <cs:fillRef idx="1">
+      <cs:styleClr val="auto"/>
+    </cs:fillRef>
+    <cs:effectRef idx="0"/>
+    <cs:fontRef idx="minor">
+      <a:schemeClr val="tx1"/>
+    </cs:fontRef>
+    <cs:spPr>
+      <a:ln w="19050">
+        <a:solidFill>
+          <a:schemeClr val="lt1"/>
+        </a:solidFill>
+      </a:ln>
+    </cs:spPr>
+  </cs:dataPoint>
+  <cs:dataPoint3D>
+    <cs:lnRef idx="0"/>
+    <cs:fillRef idx="1">
+      <cs:styleClr val="auto"/>
+    </cs:fillRef>
+    <cs:effectRef idx="0"/>
+    <cs:fontRef idx="minor">
+      <a:schemeClr val="tx1"/>
+    </cs:fontRef>
+    <cs:spPr>
+      <a:ln w="25400">
+        <a:solidFill>
+          <a:schemeClr val="lt1"/>
+        </a:solidFill>
+      </a:ln>
+    </cs:spPr>
+  </cs:dataPoint3D>
+  <cs:dataPointLine>
+    <cs:lnRef idx="0">
+      <cs:styleClr val="auto"/>
+    </cs:lnRef>
+    <cs:fillRef idx="0"/>
+    <cs:effectRef idx="0"/>
+    <cs:fontRef idx="minor">
+      <a:schemeClr val="tx1"/>
+    </cs:fontRef>
+    <cs:spPr>
+      <a:ln w="28575" cap="rnd">
+        <a:solidFill>
+          <a:schemeClr val="phClr"/>
+        </a:solidFill>
+        <a:round/>
+      </a:ln>
+    </cs:spPr>
+  </cs:dataPointLine>
+  <cs:dataPointMarker>
+    <cs:lnRef idx="0">
+      <cs:styleClr val="auto"/>
+    </cs:lnRef>
+    <cs:fillRef idx="1">
+      <cs:styleClr val="auto"/>
+    </cs:fillRef>
+    <cs:effectRef idx="0"/>
+    <cs:fontRef idx="minor">
+      <a:schemeClr val="tx1"/>
+    </cs:fontRef>
+    <cs:spPr>
+      <a:ln w="9525">
+        <a:solidFill>
+          <a:schemeClr val="phClr"/>
+        </a:solidFill>
+      </a:ln>
+    </cs:spPr>
+  </cs:dataPointMarker>
+  <cs:dataPointMarkerLayout symbol="circle" size="5"/>
+  <cs:dataPointWireframe>
+    <cs:lnRef idx="0">
+      <cs:styleClr val="auto"/>
+    </cs:lnRef>
+    <cs:fillRef idx="0"/>
+    <cs:effectRef idx="0"/>
+    <cs:fontRef idx="minor">
+      <a:schemeClr val="tx1"/>
+    </cs:fontRef>
+    <cs:spPr>
+      <a:ln w="9525" cap="rnd">
+        <a:solidFill>
+          <a:schemeClr val="phClr"/>
+        </a:solidFill>
+        <a:round/>
+      </a:ln>
+    </cs:spPr>
+  </cs:dataPointWireframe>
+  <cs:dataTable>
+    <cs:lnRef idx="0"/>
+    <cs:fillRef idx="0"/>
+    <cs:effectRef idx="0"/>
+    <cs:fontRef idx="minor">
+      <a:schemeClr val="tx1">
+        <a:lumMod val="65000"/>
+        <a:lumOff val="35000"/>
+      </a:schemeClr>
+    </cs:fontRef>
+    <cs:spPr>
+      <a:noFill/>
+      <a:ln w="9525" cap="flat" cmpd="sng" algn="ctr">
+        <a:solidFill>
+          <a:schemeClr val="tx1">
+            <a:lumMod val="15000"/>
+            <a:lumOff val="85000"/>
+          </a:schemeClr>
+        </a:solidFill>
+        <a:round/>
+      </a:ln>
+    </cs:spPr>
+    <cs:defRPr sz="900" kern="1200"/>
+  </cs:dataTable>
+  <cs:downBar>
+    <cs:lnRef idx="0"/>
+    <cs:fillRef idx="0"/>
+    <cs:effectRef idx="0"/>
+    <cs:fontRef idx="minor">
+      <a:schemeClr val="tx1"/>
+    </cs:fontRef>
+    <cs:spPr>
+      <a:solidFill>
+        <a:schemeClr val="dk1">
+          <a:lumMod val="75000"/>
+          <a:lumOff val="25000"/>
+        </a:schemeClr>
+      </a:solidFill>
+      <a:ln w="9525" cap="flat" cmpd="sng" algn="ctr">
+        <a:solidFill>
+          <a:schemeClr val="tx1">
+            <a:lumMod val="65000"/>
+            <a:lumOff val="35000"/>
+          </a:schemeClr>
+        </a:solidFill>
+        <a:round/>
+      </a:ln>
+    </cs:spPr>
+  </cs:downBar>
+  <cs:dropLine>
+    <cs:lnRef idx="0"/>
+    <cs:fillRef idx="0"/>
+    <cs:effectRef idx="0"/>
+    <cs:fontRef idx="minor">
+      <a:schemeClr val="tx1"/>
+    </cs:fontRef>
+    <cs:spPr>
+      <a:ln w="9525" cap="flat" cmpd="sng" algn="ctr">
+        <a:solidFill>
+          <a:schemeClr val="tx1">
+            <a:lumMod val="35000"/>
+            <a:lumOff val="65000"/>
+          </a:schemeClr>
+        </a:solidFill>
+        <a:round/>
+      </a:ln>
+    </cs:spPr>
+  </cs:dropLine>
+  <cs:errorBar>
+    <cs:lnRef idx="0"/>
+    <cs:fillRef idx="0"/>
+    <cs:effectRef idx="0"/>
+    <cs:fontRef idx="minor">
+      <a:schemeClr val="tx1"/>
+    </cs:fontRef>
+    <cs:spPr>
+      <a:ln w="9525" cap="flat" cmpd="sng" algn="ctr">
+        <a:solidFill>
+          <a:schemeClr val="tx1">
+            <a:lumMod val="65000"/>
+            <a:lumOff val="35000"/>
+          </a:schemeClr>
+        </a:solidFill>
+        <a:round/>
+      </a:ln>
+    </cs:spPr>
+  </cs:errorBar>
+  <cs:floor>
+    <cs:lnRef idx="0"/>
+    <cs:fillRef idx="0"/>
+    <cs:effectRef idx="0"/>
+    <cs:fontRef idx="minor">
+      <a:schemeClr val="tx1"/>
+    </cs:fontRef>
+    <cs:spPr>
+      <a:noFill/>
+      <a:ln>
+        <a:noFill/>
+      </a:ln>
+    </cs:spPr>
+  </cs:floor>
+  <cs:gridlineMajor>
+    <cs:lnRef idx="0"/>
+    <cs:fillRef idx="0"/>
+    <cs:effectRef idx="0"/>
+    <cs:fontRef idx="minor">
+      <a:schemeClr val="tx1"/>
+    </cs:fontRef>
+    <cs:spPr>
+      <a:ln w="9525" cap="flat" cmpd="sng" algn="ctr">
+        <a:solidFill>
+          <a:schemeClr val="tx1">
+            <a:lumMod val="15000"/>
+            <a:lumOff val="85000"/>
+          </a:schemeClr>
+        </a:solidFill>
+        <a:round/>
+      </a:ln>
+    </cs:spPr>
+  </cs:gridlineMajor>
+  <cs:gridlineMinor>
+    <cs:lnRef idx="0"/>
+    <cs:fillRef idx="0"/>
+    <cs:effectRef idx="0"/>
+    <cs:fontRef idx="minor">
+      <a:schemeClr val="tx1"/>
+    </cs:fontRef>
+    <cs:spPr>
+      <a:ln w="9525" cap="flat" cmpd="sng" algn="ctr">
+        <a:solidFill>
+          <a:schemeClr val="tx1">
+            <a:lumMod val="5000"/>
+            <a:lumOff val="95000"/>
+          </a:schemeClr>
+        </a:solidFill>
+        <a:round/>
+      </a:ln>
+    </cs:spPr>
+  </cs:gridlineMinor>
+  <cs:hiLoLine>
+    <cs:lnRef idx="0"/>
+    <cs:fillRef idx="0"/>
+    <cs:effectRef idx="0"/>
+    <cs:fontRef idx="minor">
+      <a:schemeClr val="tx1"/>
+    </cs:fontRef>
+    <cs:spPr>
+      <a:ln w="9525" cap="flat" cmpd="sng" algn="ctr">
+        <a:solidFill>
+          <a:schemeClr val="tx1">
+            <a:lumMod val="50000"/>
+            <a:lumOff val="50000"/>
+          </a:schemeClr>
+        </a:solidFill>
+        <a:round/>
+      </a:ln>
+    </cs:spPr>
+  </cs:hiLoLine>
+  <cs:leaderLine>
+    <cs:lnRef idx="0"/>
+    <cs:fillRef idx="0"/>
+    <cs:effectRef idx="0"/>
+    <cs:fontRef idx="minor">
+      <a:schemeClr val="tx1"/>
+    </cs:fontRef>
+    <cs:spPr>
+      <a:ln w="9525" cap="flat" cmpd="sng" algn="ctr">
+        <a:solidFill>
+          <a:schemeClr val="tx1">
+            <a:lumMod val="35000"/>
+            <a:lumOff val="65000"/>
+          </a:schemeClr>
+        </a:solidFill>
+        <a:round/>
+      </a:ln>
+    </cs:spPr>
+  </cs:leaderLine>
+  <cs:legend>
+    <cs:lnRef idx="0"/>
+    <cs:fillRef idx="0"/>
+    <cs:effectRef idx="0"/>
+    <cs:fontRef idx="minor">
+      <a:schemeClr val="tx1">
+        <a:lumMod val="65000"/>
+        <a:lumOff val="35000"/>
+      </a:schemeClr>
+    </cs:fontRef>
+    <cs:defRPr sz="900" kern="1200"/>
+  </cs:legend>
+  <cs:plotArea mods="allowNoFillOverride allowNoLineOverride">
+    <cs:lnRef idx="0"/>
+    <cs:fillRef idx="0"/>
+    <cs:effectRef idx="0"/>
+    <cs:fontRef idx="minor">
+      <a:schemeClr val="tx1"/>
+    </cs:fontRef>
+  </cs:plotArea>
+  <cs:plotArea3D mods="allowNoFillOverride allowNoLineOverride">
+    <cs:lnRef idx="0"/>
+    <cs:fillRef idx="0"/>
+    <cs:effectRef idx="0"/>
+    <cs:fontRef idx="minor">
+      <a:schemeClr val="tx1"/>
+    </cs:fontRef>
+  </cs:plotArea3D>
+  <cs:seriesAxis>
+    <cs:lnRef idx="0"/>
+    <cs:fillRef idx="0"/>
+    <cs:effectRef idx="0"/>
+    <cs:fontRef idx="minor">
+      <a:schemeClr val="tx1">
+        <a:lumMod val="65000"/>
+        <a:lumOff val="35000"/>
+      </a:schemeClr>
+    </cs:fontRef>
+    <cs:defRPr sz="900" kern="1200"/>
+  </cs:seriesAxis>
+  <cs:seriesLine>
+    <cs:lnRef idx="0"/>
+    <cs:fillRef idx="0"/>
+    <cs:effectRef idx="0"/>
+    <cs:fontRef idx="minor">
+      <a:schemeClr val="tx1"/>
+    </cs:fontRef>
+    <cs:spPr>
+      <a:ln w="9525" cap="flat" cmpd="sng" algn="ctr">
+        <a:solidFill>
+          <a:schemeClr val="tx1">
+            <a:lumMod val="35000"/>
+            <a:lumOff val="65000"/>
+          </a:schemeClr>
+        </a:solidFill>
+        <a:round/>
+      </a:ln>
+    </cs:spPr>
+  </cs:seriesLine>
+  <cs:title>
+    <cs:lnRef idx="0"/>
+    <cs:fillRef idx="0"/>
+    <cs:effectRef idx="0"/>
+    <cs:fontRef idx="minor">
+      <a:schemeClr val="tx1">
+        <a:lumMod val="65000"/>
+        <a:lumOff val="35000"/>
+      </a:schemeClr>
+    </cs:fontRef>
+    <cs:defRPr sz="1400" b="0" kern="1200" spc="0" baseline="0"/>
+  </cs:title>
+  <cs:trendline>
+    <cs:lnRef idx="0">
+      <cs:styleClr val="auto"/>
+    </cs:lnRef>
+    <cs:fillRef idx="0"/>
+    <cs:effectRef idx="0"/>
+    <cs:fontRef idx="minor">
+      <a:schemeClr val="tx1"/>
+    </cs:fontRef>
+    <cs:spPr>
+      <a:ln w="19050" cap="rnd">
+        <a:solidFill>
+          <a:schemeClr val="phClr"/>
+        </a:solidFill>
+        <a:prstDash val="sysDot"/>
+      </a:ln>
+    </cs:spPr>
+  </cs:trendline>
+  <cs:trendlineLabel>
+    <cs:lnRef idx="0"/>
+    <cs:fillRef idx="0"/>
+    <cs:effectRef idx="0"/>
+    <cs:fontRef idx="minor">
+      <a:schemeClr val="tx1">
+        <a:lumMod val="65000"/>
+        <a:lumOff val="35000"/>
+      </a:schemeClr>
+    </cs:fontRef>
+    <cs:defRPr sz="900" kern="1200"/>
+  </cs:trendlineLabel>
+  <cs:upBar>
+    <cs:lnRef idx="0"/>
+    <cs:fillRef idx="0"/>
+    <cs:effectRef idx="0"/>
+    <cs:fontRef idx="minor">
+      <a:schemeClr val="tx1"/>
+    </cs:fontRef>
+    <cs:spPr>
+      <a:solidFill>
+        <a:schemeClr val="lt1"/>
+      </a:solidFill>
+      <a:ln w="9525" cap="flat" cmpd="sng" algn="ctr">
+        <a:solidFill>
+          <a:schemeClr val="tx1">
+            <a:lumMod val="65000"/>
+            <a:lumOff val="35000"/>
+          </a:schemeClr>
+        </a:solidFill>
+        <a:round/>
+      </a:ln>
+    </cs:spPr>
+  </cs:upBar>
+  <cs:valueAxis>
+    <cs:lnRef idx="0"/>
+    <cs:fillRef idx="0"/>
+    <cs:effectRef idx="0"/>
+    <cs:fontRef idx="minor">
+      <a:schemeClr val="tx1">
+        <a:lumMod val="65000"/>
+        <a:lumOff val="35000"/>
+      </a:schemeClr>
+    </cs:fontRef>
+    <cs:defRPr sz="900" kern="1200"/>
+  </cs:valueAxis>
+  <cs:wall>
+    <cs:lnRef idx="0"/>
+    <cs:fillRef idx="0"/>
+    <cs:effectRef idx="0"/>
+    <cs:fontRef idx="minor">
+      <a:schemeClr val="tx1"/>
+    </cs:fontRef>
+    <cs:spPr>
+      <a:noFill/>
+      <a:ln>
+        <a:noFill/>
+      </a:ln>
+    </cs:spPr>
+  </cs:wall>
+</cs:chartStyle>
+</file>
+
+<file path=ppt/charts/style2.xml><?xml version="1.0" encoding="utf-8"?>
 <cs:chartStyle xmlns:cs="http://schemas.microsoft.com/office/drawing/2012/chartStyle" xmlns:a="http://schemas.openxmlformats.org/drawingml/2006/main" id="251">
   <cs:axisTitle>
     <cs:lnRef idx="0"/>
@@ -2054,7 +3982,7 @@
           <a:p>
             <a:fld id="{BE5E6102-A834-4E57-A77D-BDB91558C840}" type="datetimeFigureOut">
               <a:rPr lang="ru-RU" smtClean="0"/>
-              <a:t>08.12.2023</a:t>
+              <a:t>10.12.2023</a:t>
             </a:fld>
             <a:endParaRPr lang="ru-RU"/>
           </a:p>
@@ -2470,7 +4398,7 @@
           <a:p>
             <a:fld id="{FA1E429D-3033-484B-917B-EAFF16F3F329}" type="slidenum">
               <a:rPr lang="ru-RU" smtClean="0"/>
-              <a:t>4</a:t>
+              <a:t>5</a:t>
             </a:fld>
             <a:endParaRPr lang="ru-RU"/>
           </a:p>
@@ -2554,7 +4482,7 @@
           <a:p>
             <a:fld id="{FA1E429D-3033-484B-917B-EAFF16F3F329}" type="slidenum">
               <a:rPr lang="ru-RU" smtClean="0"/>
-              <a:t>7</a:t>
+              <a:t>8</a:t>
             </a:fld>
             <a:endParaRPr lang="ru-RU"/>
           </a:p>
@@ -2564,6 +4492,90 @@
     <p:extLst>
       <p:ext uri="{BB962C8B-B14F-4D97-AF65-F5344CB8AC3E}">
         <p14:creationId xmlns:p14="http://schemas.microsoft.com/office/powerpoint/2010/main" val="1618735927"/>
+      </p:ext>
+    </p:extLst>
+  </p:cSld>
+  <p:clrMapOvr>
+    <a:masterClrMapping/>
+  </p:clrMapOvr>
+</p:notes>
+</file>
+
+<file path=ppt/notesSlides/notesSlide4.xml><?xml version="1.0" encoding="utf-8"?>
+<p:notes xmlns:a="http://schemas.openxmlformats.org/drawingml/2006/main" xmlns:r="http://schemas.openxmlformats.org/officeDocument/2006/relationships" xmlns:p="http://schemas.openxmlformats.org/presentationml/2006/main">
+  <p:cSld>
+    <p:spTree>
+      <p:nvGrpSpPr>
+        <p:cNvPr id="1" name=""/>
+        <p:cNvGrpSpPr/>
+        <p:nvPr/>
+      </p:nvGrpSpPr>
+      <p:grpSpPr>
+        <a:xfrm>
+          <a:off x="0" y="0"/>
+          <a:ext cx="0" cy="0"/>
+          <a:chOff x="0" y="0"/>
+          <a:chExt cx="0" cy="0"/>
+        </a:xfrm>
+      </p:grpSpPr>
+      <p:sp>
+        <p:nvSpPr>
+          <p:cNvPr id="2" name="Образ слайда 1"/>
+          <p:cNvSpPr>
+            <a:spLocks noGrp="1" noRot="1" noChangeAspect="1"/>
+          </p:cNvSpPr>
+          <p:nvPr>
+            <p:ph type="sldImg"/>
+          </p:nvPr>
+        </p:nvSpPr>
+        <p:spPr/>
+      </p:sp>
+      <p:sp>
+        <p:nvSpPr>
+          <p:cNvPr id="3" name="Заметки 2"/>
+          <p:cNvSpPr>
+            <a:spLocks noGrp="1"/>
+          </p:cNvSpPr>
+          <p:nvPr>
+            <p:ph type="body" idx="1"/>
+          </p:nvPr>
+        </p:nvSpPr>
+        <p:spPr/>
+        <p:txBody>
+          <a:bodyPr/>
+          <a:lstStyle/>
+          <a:p>
+            <a:endParaRPr lang="ru-RU" dirty="0"/>
+          </a:p>
+        </p:txBody>
+      </p:sp>
+      <p:sp>
+        <p:nvSpPr>
+          <p:cNvPr id="4" name="Номер слайда 3"/>
+          <p:cNvSpPr>
+            <a:spLocks noGrp="1"/>
+          </p:cNvSpPr>
+          <p:nvPr>
+            <p:ph type="sldNum" sz="quarter" idx="5"/>
+          </p:nvPr>
+        </p:nvSpPr>
+        <p:spPr/>
+        <p:txBody>
+          <a:bodyPr/>
+          <a:lstStyle/>
+          <a:p>
+            <a:fld id="{FA1E429D-3033-484B-917B-EAFF16F3F329}" type="slidenum">
+              <a:rPr lang="ru-RU" smtClean="0"/>
+              <a:t>9</a:t>
+            </a:fld>
+            <a:endParaRPr lang="ru-RU"/>
+          </a:p>
+        </p:txBody>
+      </p:sp>
+    </p:spTree>
+    <p:extLst>
+      <p:ext uri="{BB962C8B-B14F-4D97-AF65-F5344CB8AC3E}">
+        <p14:creationId xmlns:p14="http://schemas.microsoft.com/office/powerpoint/2010/main" val="3272241561"/>
       </p:ext>
     </p:extLst>
   </p:cSld>
@@ -2720,7 +4732,7 @@
           <a:p>
             <a:fld id="{31C91156-B0EA-47B4-9CE6-FFB0431D6F54}" type="datetimeFigureOut">
               <a:rPr lang="ru-RU" smtClean="0"/>
-              <a:t>08.12.2023</a:t>
+              <a:t>10.12.2023</a:t>
             </a:fld>
             <a:endParaRPr lang="ru-RU"/>
           </a:p>
@@ -2918,7 +4930,7 @@
           <a:p>
             <a:fld id="{31C91156-B0EA-47B4-9CE6-FFB0431D6F54}" type="datetimeFigureOut">
               <a:rPr lang="ru-RU" smtClean="0"/>
-              <a:t>08.12.2023</a:t>
+              <a:t>10.12.2023</a:t>
             </a:fld>
             <a:endParaRPr lang="ru-RU"/>
           </a:p>
@@ -3126,7 +5138,7 @@
           <a:p>
             <a:fld id="{31C91156-B0EA-47B4-9CE6-FFB0431D6F54}" type="datetimeFigureOut">
               <a:rPr lang="ru-RU" smtClean="0"/>
-              <a:t>08.12.2023</a:t>
+              <a:t>10.12.2023</a:t>
             </a:fld>
             <a:endParaRPr lang="ru-RU"/>
           </a:p>
@@ -3324,7 +5336,7 @@
           <a:p>
             <a:fld id="{31C91156-B0EA-47B4-9CE6-FFB0431D6F54}" type="datetimeFigureOut">
               <a:rPr lang="ru-RU" smtClean="0"/>
-              <a:t>08.12.2023</a:t>
+              <a:t>10.12.2023</a:t>
             </a:fld>
             <a:endParaRPr lang="ru-RU"/>
           </a:p>
@@ -3599,7 +5611,7 @@
           <a:p>
             <a:fld id="{31C91156-B0EA-47B4-9CE6-FFB0431D6F54}" type="datetimeFigureOut">
               <a:rPr lang="ru-RU" smtClean="0"/>
-              <a:t>08.12.2023</a:t>
+              <a:t>10.12.2023</a:t>
             </a:fld>
             <a:endParaRPr lang="ru-RU"/>
           </a:p>
@@ -3864,7 +5876,7 @@
           <a:p>
             <a:fld id="{31C91156-B0EA-47B4-9CE6-FFB0431D6F54}" type="datetimeFigureOut">
               <a:rPr lang="ru-RU" smtClean="0"/>
-              <a:t>08.12.2023</a:t>
+              <a:t>10.12.2023</a:t>
             </a:fld>
             <a:endParaRPr lang="ru-RU"/>
           </a:p>
@@ -4276,7 +6288,7 @@
           <a:p>
             <a:fld id="{31C91156-B0EA-47B4-9CE6-FFB0431D6F54}" type="datetimeFigureOut">
               <a:rPr lang="ru-RU" smtClean="0"/>
-              <a:t>08.12.2023</a:t>
+              <a:t>10.12.2023</a:t>
             </a:fld>
             <a:endParaRPr lang="ru-RU"/>
           </a:p>
@@ -4417,7 +6429,7 @@
           <a:p>
             <a:fld id="{31C91156-B0EA-47B4-9CE6-FFB0431D6F54}" type="datetimeFigureOut">
               <a:rPr lang="ru-RU" smtClean="0"/>
-              <a:t>08.12.2023</a:t>
+              <a:t>10.12.2023</a:t>
             </a:fld>
             <a:endParaRPr lang="ru-RU"/>
           </a:p>
@@ -4530,7 +6542,7 @@
           <a:p>
             <a:fld id="{31C91156-B0EA-47B4-9CE6-FFB0431D6F54}" type="datetimeFigureOut">
               <a:rPr lang="ru-RU" smtClean="0"/>
-              <a:t>08.12.2023</a:t>
+              <a:t>10.12.2023</a:t>
             </a:fld>
             <a:endParaRPr lang="ru-RU"/>
           </a:p>
@@ -4841,7 +6853,7 @@
           <a:p>
             <a:fld id="{31C91156-B0EA-47B4-9CE6-FFB0431D6F54}" type="datetimeFigureOut">
               <a:rPr lang="ru-RU" smtClean="0"/>
-              <a:t>08.12.2023</a:t>
+              <a:t>10.12.2023</a:t>
             </a:fld>
             <a:endParaRPr lang="ru-RU"/>
           </a:p>
@@ -5129,7 +7141,7 @@
           <a:p>
             <a:fld id="{31C91156-B0EA-47B4-9CE6-FFB0431D6F54}" type="datetimeFigureOut">
               <a:rPr lang="ru-RU" smtClean="0"/>
-              <a:t>08.12.2023</a:t>
+              <a:t>10.12.2023</a:t>
             </a:fld>
             <a:endParaRPr lang="ru-RU"/>
           </a:p>
@@ -5370,7 +7382,7 @@
           <a:p>
             <a:fld id="{31C91156-B0EA-47B4-9CE6-FFB0431D6F54}" type="datetimeFigureOut">
               <a:rPr lang="ru-RU" smtClean="0"/>
-              <a:t>08.12.2023</a:t>
+              <a:t>10.12.2023</a:t>
             </a:fld>
             <a:endParaRPr lang="ru-RU"/>
           </a:p>
@@ -5940,8 +7952,8 @@
         </p:nvSpPr>
         <p:spPr>
           <a:xfrm>
-            <a:off x="8539898" y="1430999"/>
-            <a:ext cx="1436804" cy="523220"/>
+            <a:off x="8250341" y="1260636"/>
+            <a:ext cx="1924476" cy="954107"/>
           </a:xfrm>
           <a:prstGeom prst="rect">
             <a:avLst/>
@@ -5949,14 +7961,15 @@
           <a:noFill/>
         </p:spPr>
         <p:txBody>
-          <a:bodyPr wrap="none" rtlCol="0">
+          <a:bodyPr wrap="square" rtlCol="0">
             <a:spAutoFit/>
           </a:bodyPr>
           <a:lstStyle/>
           <a:p>
+            <a:pPr algn="ctr"/>
             <a:r>
               <a:rPr lang="ru-RU" sz="2800" dirty="0"/>
-              <a:t>Ипотека</a:t>
+              <a:t>Ипотечный кредит</a:t>
             </a:r>
           </a:p>
         </p:txBody>
@@ -6493,7 +8506,7 @@
           <a:p>
             <a:r>
               <a:rPr lang="ru-RU" sz="2400" dirty="0"/>
-              <a:t>Сначала мы гасим ипотеку и кредитку </a:t>
+              <a:t>Сначала мы гасим ипотечный кредит и кредитную карту </a:t>
             </a:r>
           </a:p>
           <a:p>
@@ -6508,6 +8521,1063 @@
     <p:extLst>
       <p:ext uri="{BB962C8B-B14F-4D97-AF65-F5344CB8AC3E}">
         <p14:creationId xmlns:p14="http://schemas.microsoft.com/office/powerpoint/2010/main" val="1874623339"/>
+      </p:ext>
+    </p:extLst>
+  </p:cSld>
+  <p:clrMapOvr>
+    <a:masterClrMapping/>
+  </p:clrMapOvr>
+</p:sld>
+</file>
+
+<file path=ppt/slides/slide10.xml><?xml version="1.0" encoding="utf-8"?>
+<p:sld xmlns:a="http://schemas.openxmlformats.org/drawingml/2006/main" xmlns:r="http://schemas.openxmlformats.org/officeDocument/2006/relationships" xmlns:p="http://schemas.openxmlformats.org/presentationml/2006/main">
+  <p:cSld>
+    <p:spTree>
+      <p:nvGrpSpPr>
+        <p:cNvPr id="1" name=""/>
+        <p:cNvGrpSpPr/>
+        <p:nvPr/>
+      </p:nvGrpSpPr>
+      <p:grpSpPr>
+        <a:xfrm>
+          <a:off x="0" y="0"/>
+          <a:ext cx="0" cy="0"/>
+          <a:chOff x="0" y="0"/>
+          <a:chExt cx="0" cy="0"/>
+        </a:xfrm>
+      </p:grpSpPr>
+      <p:sp>
+        <p:nvSpPr>
+          <p:cNvPr id="2" name="Овал 1">
+            <a:extLst>
+              <a:ext uri="{FF2B5EF4-FFF2-40B4-BE49-F238E27FC236}">
+                <a16:creationId xmlns:a16="http://schemas.microsoft.com/office/drawing/2014/main" id="{956DAF9A-D578-68D2-E968-CEAAFDF8FD81}"/>
+              </a:ext>
+            </a:extLst>
+          </p:cNvPr>
+          <p:cNvSpPr/>
+          <p:nvPr/>
+        </p:nvSpPr>
+        <p:spPr>
+          <a:xfrm>
+            <a:off x="105245" y="67149"/>
+            <a:ext cx="4154160" cy="3694749"/>
+          </a:xfrm>
+          <a:prstGeom prst="ellipse">
+            <a:avLst/>
+          </a:prstGeom>
+          <a:solidFill>
+            <a:srgbClr val="23237B"/>
+          </a:solidFill>
+          <a:ln>
+            <a:noFill/>
+          </a:ln>
+        </p:spPr>
+        <p:style>
+          <a:lnRef idx="2">
+            <a:schemeClr val="accent1">
+              <a:shade val="15000"/>
+            </a:schemeClr>
+          </a:lnRef>
+          <a:fillRef idx="1">
+            <a:schemeClr val="accent1"/>
+          </a:fillRef>
+          <a:effectRef idx="0">
+            <a:schemeClr val="accent1"/>
+          </a:effectRef>
+          <a:fontRef idx="minor">
+            <a:schemeClr val="lt1"/>
+          </a:fontRef>
+        </p:style>
+        <p:txBody>
+          <a:bodyPr rtlCol="0" anchor="ctr"/>
+          <a:lstStyle/>
+          <a:p>
+            <a:pPr algn="ctr"/>
+            <a:endParaRPr lang="ru-RU" dirty="0"/>
+          </a:p>
+        </p:txBody>
+      </p:sp>
+      <p:sp>
+        <p:nvSpPr>
+          <p:cNvPr id="10" name="Овал 9">
+            <a:extLst>
+              <a:ext uri="{FF2B5EF4-FFF2-40B4-BE49-F238E27FC236}">
+                <a16:creationId xmlns:a16="http://schemas.microsoft.com/office/drawing/2014/main" id="{A14B7B39-E65C-9C2F-8291-348B93BFA041}"/>
+              </a:ext>
+            </a:extLst>
+          </p:cNvPr>
+          <p:cNvSpPr/>
+          <p:nvPr/>
+        </p:nvSpPr>
+        <p:spPr>
+          <a:xfrm>
+            <a:off x="1059650" y="2767011"/>
+            <a:ext cx="4154160" cy="3694749"/>
+          </a:xfrm>
+          <a:prstGeom prst="ellipse">
+            <a:avLst/>
+          </a:prstGeom>
+          <a:solidFill>
+            <a:srgbClr val="23237B"/>
+          </a:solidFill>
+          <a:ln>
+            <a:noFill/>
+          </a:ln>
+        </p:spPr>
+        <p:style>
+          <a:lnRef idx="2">
+            <a:schemeClr val="accent1">
+              <a:shade val="15000"/>
+            </a:schemeClr>
+          </a:lnRef>
+          <a:fillRef idx="1">
+            <a:schemeClr val="accent1"/>
+          </a:fillRef>
+          <a:effectRef idx="0">
+            <a:schemeClr val="accent1"/>
+          </a:effectRef>
+          <a:fontRef idx="minor">
+            <a:schemeClr val="lt1"/>
+          </a:fontRef>
+        </p:style>
+        <p:txBody>
+          <a:bodyPr rtlCol="0" anchor="ctr"/>
+          <a:lstStyle/>
+          <a:p>
+            <a:pPr algn="ctr"/>
+            <a:endParaRPr lang="ru-RU" dirty="0"/>
+          </a:p>
+        </p:txBody>
+      </p:sp>
+      <p:sp>
+        <p:nvSpPr>
+          <p:cNvPr id="11" name="Овал 10">
+            <a:extLst>
+              <a:ext uri="{FF2B5EF4-FFF2-40B4-BE49-F238E27FC236}">
+                <a16:creationId xmlns:a16="http://schemas.microsoft.com/office/drawing/2014/main" id="{8109B35A-648A-7482-02CD-EA33F10CDF5E}"/>
+              </a:ext>
+            </a:extLst>
+          </p:cNvPr>
+          <p:cNvSpPr/>
+          <p:nvPr/>
+        </p:nvSpPr>
+        <p:spPr>
+          <a:xfrm>
+            <a:off x="4091135" y="1199196"/>
+            <a:ext cx="4154160" cy="3694749"/>
+          </a:xfrm>
+          <a:prstGeom prst="ellipse">
+            <a:avLst/>
+          </a:prstGeom>
+          <a:solidFill>
+            <a:srgbClr val="23237B"/>
+          </a:solidFill>
+          <a:ln>
+            <a:noFill/>
+          </a:ln>
+        </p:spPr>
+        <p:style>
+          <a:lnRef idx="2">
+            <a:schemeClr val="accent1">
+              <a:shade val="15000"/>
+            </a:schemeClr>
+          </a:lnRef>
+          <a:fillRef idx="1">
+            <a:schemeClr val="accent1"/>
+          </a:fillRef>
+          <a:effectRef idx="0">
+            <a:schemeClr val="accent1"/>
+          </a:effectRef>
+          <a:fontRef idx="minor">
+            <a:schemeClr val="lt1"/>
+          </a:fontRef>
+        </p:style>
+        <p:txBody>
+          <a:bodyPr rtlCol="0" anchor="ctr"/>
+          <a:lstStyle/>
+          <a:p>
+            <a:pPr algn="ctr"/>
+            <a:endParaRPr lang="ru-RU" dirty="0"/>
+          </a:p>
+        </p:txBody>
+      </p:sp>
+      <p:sp>
+        <p:nvSpPr>
+          <p:cNvPr id="12" name="Овал 11">
+            <a:extLst>
+              <a:ext uri="{FF2B5EF4-FFF2-40B4-BE49-F238E27FC236}">
+                <a16:creationId xmlns:a16="http://schemas.microsoft.com/office/drawing/2014/main" id="{046192D7-EE11-E2A0-8953-4FBC820B36C2}"/>
+              </a:ext>
+            </a:extLst>
+          </p:cNvPr>
+          <p:cNvSpPr/>
+          <p:nvPr/>
+        </p:nvSpPr>
+        <p:spPr>
+          <a:xfrm>
+            <a:off x="7434490" y="135729"/>
+            <a:ext cx="4154160" cy="3694749"/>
+          </a:xfrm>
+          <a:prstGeom prst="ellipse">
+            <a:avLst/>
+          </a:prstGeom>
+          <a:solidFill>
+            <a:srgbClr val="23237B"/>
+          </a:solidFill>
+          <a:ln>
+            <a:noFill/>
+          </a:ln>
+        </p:spPr>
+        <p:style>
+          <a:lnRef idx="2">
+            <a:schemeClr val="accent1">
+              <a:shade val="15000"/>
+            </a:schemeClr>
+          </a:lnRef>
+          <a:fillRef idx="1">
+            <a:schemeClr val="accent1"/>
+          </a:fillRef>
+          <a:effectRef idx="0">
+            <a:schemeClr val="accent1"/>
+          </a:effectRef>
+          <a:fontRef idx="minor">
+            <a:schemeClr val="lt1"/>
+          </a:fontRef>
+        </p:style>
+        <p:txBody>
+          <a:bodyPr rtlCol="0" anchor="ctr"/>
+          <a:lstStyle/>
+          <a:p>
+            <a:pPr algn="ctr"/>
+            <a:endParaRPr lang="ru-RU" dirty="0"/>
+          </a:p>
+        </p:txBody>
+      </p:sp>
+      <p:sp>
+        <p:nvSpPr>
+          <p:cNvPr id="13" name="Овал 12">
+            <a:extLst>
+              <a:ext uri="{FF2B5EF4-FFF2-40B4-BE49-F238E27FC236}">
+                <a16:creationId xmlns:a16="http://schemas.microsoft.com/office/drawing/2014/main" id="{7AA56A49-3EFB-BCF8-5F78-4138F2F7E2BC}"/>
+              </a:ext>
+            </a:extLst>
+          </p:cNvPr>
+          <p:cNvSpPr/>
+          <p:nvPr/>
+        </p:nvSpPr>
+        <p:spPr>
+          <a:xfrm>
+            <a:off x="8037840" y="3046570"/>
+            <a:ext cx="4154160" cy="3694749"/>
+          </a:xfrm>
+          <a:prstGeom prst="ellipse">
+            <a:avLst/>
+          </a:prstGeom>
+          <a:solidFill>
+            <a:srgbClr val="23237B"/>
+          </a:solidFill>
+          <a:ln>
+            <a:noFill/>
+          </a:ln>
+        </p:spPr>
+        <p:style>
+          <a:lnRef idx="2">
+            <a:schemeClr val="accent1">
+              <a:shade val="15000"/>
+            </a:schemeClr>
+          </a:lnRef>
+          <a:fillRef idx="1">
+            <a:schemeClr val="accent1"/>
+          </a:fillRef>
+          <a:effectRef idx="0">
+            <a:schemeClr val="accent1"/>
+          </a:effectRef>
+          <a:fontRef idx="minor">
+            <a:schemeClr val="lt1"/>
+          </a:fontRef>
+        </p:style>
+        <p:txBody>
+          <a:bodyPr rtlCol="0" anchor="ctr"/>
+          <a:lstStyle/>
+          <a:p>
+            <a:pPr algn="ctr"/>
+            <a:endParaRPr lang="ru-RU" dirty="0"/>
+          </a:p>
+        </p:txBody>
+      </p:sp>
+      <p:sp>
+        <p:nvSpPr>
+          <p:cNvPr id="14" name="Овал 13">
+            <a:extLst>
+              <a:ext uri="{FF2B5EF4-FFF2-40B4-BE49-F238E27FC236}">
+                <a16:creationId xmlns:a16="http://schemas.microsoft.com/office/drawing/2014/main" id="{CD16D1FB-5604-EBC2-A379-2D4A4D9067AC}"/>
+              </a:ext>
+            </a:extLst>
+          </p:cNvPr>
+          <p:cNvSpPr/>
+          <p:nvPr/>
+        </p:nvSpPr>
+        <p:spPr>
+          <a:xfrm>
+            <a:off x="471990" y="174201"/>
+            <a:ext cx="3583305" cy="3587697"/>
+          </a:xfrm>
+          <a:prstGeom prst="ellipse">
+            <a:avLst/>
+          </a:prstGeom>
+          <a:solidFill>
+            <a:srgbClr val="3333B2"/>
+          </a:solidFill>
+          <a:ln>
+            <a:noFill/>
+          </a:ln>
+        </p:spPr>
+        <p:style>
+          <a:lnRef idx="2">
+            <a:schemeClr val="accent1">
+              <a:shade val="15000"/>
+            </a:schemeClr>
+          </a:lnRef>
+          <a:fillRef idx="1">
+            <a:schemeClr val="accent1"/>
+          </a:fillRef>
+          <a:effectRef idx="0">
+            <a:schemeClr val="accent1"/>
+          </a:effectRef>
+          <a:fontRef idx="minor">
+            <a:schemeClr val="lt1"/>
+          </a:fontRef>
+        </p:style>
+        <p:txBody>
+          <a:bodyPr rtlCol="0" anchor="ctr"/>
+          <a:lstStyle/>
+          <a:p>
+            <a:pPr algn="ctr"/>
+            <a:endParaRPr lang="ru-RU" dirty="0"/>
+          </a:p>
+        </p:txBody>
+      </p:sp>
+      <p:sp>
+        <p:nvSpPr>
+          <p:cNvPr id="15" name="Овал 14">
+            <a:extLst>
+              <a:ext uri="{FF2B5EF4-FFF2-40B4-BE49-F238E27FC236}">
+                <a16:creationId xmlns:a16="http://schemas.microsoft.com/office/drawing/2014/main" id="{B4655898-DABE-8D8D-219E-F4FF133631C7}"/>
+              </a:ext>
+            </a:extLst>
+          </p:cNvPr>
+          <p:cNvSpPr/>
+          <p:nvPr/>
+        </p:nvSpPr>
+        <p:spPr>
+          <a:xfrm>
+            <a:off x="1349753" y="2767011"/>
+            <a:ext cx="3583305" cy="3587697"/>
+          </a:xfrm>
+          <a:prstGeom prst="ellipse">
+            <a:avLst/>
+          </a:prstGeom>
+          <a:solidFill>
+            <a:srgbClr val="3333B2"/>
+          </a:solidFill>
+          <a:ln>
+            <a:noFill/>
+          </a:ln>
+        </p:spPr>
+        <p:style>
+          <a:lnRef idx="2">
+            <a:schemeClr val="accent1">
+              <a:shade val="15000"/>
+            </a:schemeClr>
+          </a:lnRef>
+          <a:fillRef idx="1">
+            <a:schemeClr val="accent1"/>
+          </a:fillRef>
+          <a:effectRef idx="0">
+            <a:schemeClr val="accent1"/>
+          </a:effectRef>
+          <a:fontRef idx="minor">
+            <a:schemeClr val="lt1"/>
+          </a:fontRef>
+        </p:style>
+        <p:txBody>
+          <a:bodyPr rtlCol="0" anchor="ctr"/>
+          <a:lstStyle/>
+          <a:p>
+            <a:pPr algn="ctr"/>
+            <a:endParaRPr lang="ru-RU" dirty="0"/>
+          </a:p>
+        </p:txBody>
+      </p:sp>
+      <p:sp>
+        <p:nvSpPr>
+          <p:cNvPr id="16" name="Овал 15">
+            <a:extLst>
+              <a:ext uri="{FF2B5EF4-FFF2-40B4-BE49-F238E27FC236}">
+                <a16:creationId xmlns:a16="http://schemas.microsoft.com/office/drawing/2014/main" id="{7CEDEE1F-ABC3-2B2F-4F4F-9F3CA60DDA6B}"/>
+              </a:ext>
+            </a:extLst>
+          </p:cNvPr>
+          <p:cNvSpPr/>
+          <p:nvPr/>
+        </p:nvSpPr>
+        <p:spPr>
+          <a:xfrm>
+            <a:off x="4338100" y="1268065"/>
+            <a:ext cx="3583305" cy="3587697"/>
+          </a:xfrm>
+          <a:prstGeom prst="ellipse">
+            <a:avLst/>
+          </a:prstGeom>
+          <a:solidFill>
+            <a:srgbClr val="3333B2"/>
+          </a:solidFill>
+          <a:ln>
+            <a:noFill/>
+          </a:ln>
+        </p:spPr>
+        <p:style>
+          <a:lnRef idx="2">
+            <a:schemeClr val="accent1">
+              <a:shade val="15000"/>
+            </a:schemeClr>
+          </a:lnRef>
+          <a:fillRef idx="1">
+            <a:schemeClr val="accent1"/>
+          </a:fillRef>
+          <a:effectRef idx="0">
+            <a:schemeClr val="accent1"/>
+          </a:effectRef>
+          <a:fontRef idx="minor">
+            <a:schemeClr val="lt1"/>
+          </a:fontRef>
+        </p:style>
+        <p:txBody>
+          <a:bodyPr rtlCol="0" anchor="ctr"/>
+          <a:lstStyle/>
+          <a:p>
+            <a:pPr algn="ctr"/>
+            <a:endParaRPr lang="ru-RU" dirty="0"/>
+          </a:p>
+        </p:txBody>
+      </p:sp>
+      <p:sp>
+        <p:nvSpPr>
+          <p:cNvPr id="17" name="Овал 16">
+            <a:extLst>
+              <a:ext uri="{FF2B5EF4-FFF2-40B4-BE49-F238E27FC236}">
+                <a16:creationId xmlns:a16="http://schemas.microsoft.com/office/drawing/2014/main" id="{240D3F52-FF11-1F1B-3FFF-7B25246E6F5C}"/>
+              </a:ext>
+            </a:extLst>
+          </p:cNvPr>
+          <p:cNvSpPr/>
+          <p:nvPr/>
+        </p:nvSpPr>
+        <p:spPr>
+          <a:xfrm>
+            <a:off x="7713073" y="193168"/>
+            <a:ext cx="3583305" cy="3587697"/>
+          </a:xfrm>
+          <a:prstGeom prst="ellipse">
+            <a:avLst/>
+          </a:prstGeom>
+          <a:solidFill>
+            <a:srgbClr val="3333B2"/>
+          </a:solidFill>
+          <a:ln>
+            <a:noFill/>
+          </a:ln>
+        </p:spPr>
+        <p:style>
+          <a:lnRef idx="2">
+            <a:schemeClr val="accent1">
+              <a:shade val="15000"/>
+            </a:schemeClr>
+          </a:lnRef>
+          <a:fillRef idx="1">
+            <a:schemeClr val="accent1"/>
+          </a:fillRef>
+          <a:effectRef idx="0">
+            <a:schemeClr val="accent1"/>
+          </a:effectRef>
+          <a:fontRef idx="minor">
+            <a:schemeClr val="lt1"/>
+          </a:fontRef>
+        </p:style>
+        <p:txBody>
+          <a:bodyPr rtlCol="0" anchor="ctr"/>
+          <a:lstStyle/>
+          <a:p>
+            <a:pPr algn="ctr"/>
+            <a:endParaRPr lang="ru-RU" dirty="0"/>
+          </a:p>
+        </p:txBody>
+      </p:sp>
+      <p:sp>
+        <p:nvSpPr>
+          <p:cNvPr id="18" name="Овал 17">
+            <a:extLst>
+              <a:ext uri="{FF2B5EF4-FFF2-40B4-BE49-F238E27FC236}">
+                <a16:creationId xmlns:a16="http://schemas.microsoft.com/office/drawing/2014/main" id="{FCC8F681-9A89-31A9-EF85-433DCEBCD2FE}"/>
+              </a:ext>
+            </a:extLst>
+          </p:cNvPr>
+          <p:cNvSpPr/>
+          <p:nvPr/>
+        </p:nvSpPr>
+        <p:spPr>
+          <a:xfrm>
+            <a:off x="8361730" y="3077135"/>
+            <a:ext cx="3583305" cy="3587697"/>
+          </a:xfrm>
+          <a:prstGeom prst="ellipse">
+            <a:avLst/>
+          </a:prstGeom>
+          <a:solidFill>
+            <a:srgbClr val="3333B2"/>
+          </a:solidFill>
+          <a:ln>
+            <a:noFill/>
+          </a:ln>
+        </p:spPr>
+        <p:style>
+          <a:lnRef idx="2">
+            <a:schemeClr val="accent1">
+              <a:shade val="15000"/>
+            </a:schemeClr>
+          </a:lnRef>
+          <a:fillRef idx="1">
+            <a:schemeClr val="accent1"/>
+          </a:fillRef>
+          <a:effectRef idx="0">
+            <a:schemeClr val="accent1"/>
+          </a:effectRef>
+          <a:fontRef idx="minor">
+            <a:schemeClr val="lt1"/>
+          </a:fontRef>
+        </p:style>
+        <p:txBody>
+          <a:bodyPr rtlCol="0" anchor="ctr"/>
+          <a:lstStyle/>
+          <a:p>
+            <a:pPr algn="ctr"/>
+            <a:endParaRPr lang="ru-RU" dirty="0"/>
+          </a:p>
+        </p:txBody>
+      </p:sp>
+      <p:pic>
+        <p:nvPicPr>
+          <p:cNvPr id="20" name="Рисунок 19" descr="Открытая ладонь со сплошной заливкой">
+            <a:extLst>
+              <a:ext uri="{FF2B5EF4-FFF2-40B4-BE49-F238E27FC236}">
+                <a16:creationId xmlns:a16="http://schemas.microsoft.com/office/drawing/2014/main" id="{EC197FEA-4946-8C98-CBA9-4D5C8209F0BB}"/>
+              </a:ext>
+            </a:extLst>
+          </p:cNvPr>
+          <p:cNvPicPr>
+            <a:picLocks noChangeAspect="1"/>
+          </p:cNvPicPr>
+          <p:nvPr/>
+        </p:nvPicPr>
+        <p:blipFill>
+          <a:blip r:embed="rId2">
+            <a:extLst>
+              <a:ext uri="{28A0092B-C50C-407E-A947-70E740481C1C}">
+                <a14:useLocalDpi xmlns:a14="http://schemas.microsoft.com/office/drawing/2010/main" val="0"/>
+              </a:ext>
+              <a:ext uri="{96DAC541-7B7A-43D3-8B79-37D633B846F1}">
+                <asvg:svgBlip xmlns:asvg="http://schemas.microsoft.com/office/drawing/2016/SVG/main" r:embed="rId3"/>
+              </a:ext>
+            </a:extLst>
+          </a:blip>
+          <a:stretch>
+            <a:fillRect/>
+          </a:stretch>
+        </p:blipFill>
+        <p:spPr>
+          <a:xfrm>
+            <a:off x="9029469" y="256033"/>
+            <a:ext cx="1108710" cy="1108710"/>
+          </a:xfrm>
+          <a:prstGeom prst="rect">
+            <a:avLst/>
+          </a:prstGeom>
+        </p:spPr>
+      </p:pic>
+      <p:sp>
+        <p:nvSpPr>
+          <p:cNvPr id="21" name="TextBox 20">
+            <a:extLst>
+              <a:ext uri="{FF2B5EF4-FFF2-40B4-BE49-F238E27FC236}">
+                <a16:creationId xmlns:a16="http://schemas.microsoft.com/office/drawing/2014/main" id="{F57DB0BB-4BC4-9E63-9DBE-A2341CDDC145}"/>
+              </a:ext>
+            </a:extLst>
+          </p:cNvPr>
+          <p:cNvSpPr txBox="1"/>
+          <p:nvPr/>
+        </p:nvSpPr>
+        <p:spPr>
+          <a:xfrm>
+            <a:off x="7651040" y="1145183"/>
+            <a:ext cx="3723898" cy="553998"/>
+          </a:xfrm>
+          <a:prstGeom prst="rect">
+            <a:avLst/>
+          </a:prstGeom>
+          <a:noFill/>
+        </p:spPr>
+        <p:txBody>
+          <a:bodyPr wrap="square" rtlCol="0">
+            <a:spAutoFit/>
+          </a:bodyPr>
+          <a:lstStyle/>
+          <a:p>
+            <a:pPr algn="ctr"/>
+            <a:r>
+              <a:rPr lang="ru-RU" sz="3000" b="1" dirty="0">
+                <a:solidFill>
+                  <a:schemeClr val="bg1"/>
+                </a:solidFill>
+              </a:rPr>
+              <a:t>Связанная продажа</a:t>
+            </a:r>
+          </a:p>
+        </p:txBody>
+      </p:sp>
+      <p:sp>
+        <p:nvSpPr>
+          <p:cNvPr id="22" name="TextBox 21">
+            <a:extLst>
+              <a:ext uri="{FF2B5EF4-FFF2-40B4-BE49-F238E27FC236}">
+                <a16:creationId xmlns:a16="http://schemas.microsoft.com/office/drawing/2014/main" id="{993B76AC-D374-B5A7-B52A-6522A2862313}"/>
+              </a:ext>
+            </a:extLst>
+          </p:cNvPr>
+          <p:cNvSpPr txBox="1"/>
+          <p:nvPr/>
+        </p:nvSpPr>
+        <p:spPr>
+          <a:xfrm>
+            <a:off x="7922803" y="1673924"/>
+            <a:ext cx="3271256" cy="1107996"/>
+          </a:xfrm>
+          <a:prstGeom prst="rect">
+            <a:avLst/>
+          </a:prstGeom>
+          <a:noFill/>
+        </p:spPr>
+        <p:txBody>
+          <a:bodyPr wrap="square" rtlCol="0">
+            <a:spAutoFit/>
+          </a:bodyPr>
+          <a:lstStyle/>
+          <a:p>
+            <a:r>
+              <a:rPr lang="en-US" sz="2200" dirty="0">
+                <a:solidFill>
+                  <a:schemeClr val="bg1"/>
+                </a:solidFill>
+              </a:rPr>
+              <a:t>“</a:t>
+            </a:r>
+            <a:r>
+              <a:rPr lang="ru-RU" sz="2200" dirty="0">
+                <a:solidFill>
+                  <a:schemeClr val="bg1"/>
+                </a:solidFill>
+              </a:rPr>
+              <a:t>Обязательное</a:t>
+            </a:r>
+            <a:r>
+              <a:rPr lang="en-US" sz="2200" dirty="0">
+                <a:solidFill>
+                  <a:schemeClr val="bg1"/>
+                </a:solidFill>
+              </a:rPr>
+              <a:t>”</a:t>
+            </a:r>
+            <a:r>
+              <a:rPr lang="ru-RU" sz="2200" dirty="0">
+                <a:solidFill>
+                  <a:schemeClr val="bg1"/>
+                </a:solidFill>
+              </a:rPr>
+              <a:t> страхование,</a:t>
+            </a:r>
+          </a:p>
+          <a:p>
+            <a:r>
+              <a:rPr lang="ru-RU" sz="2200" dirty="0">
+                <a:solidFill>
+                  <a:schemeClr val="bg1"/>
+                </a:solidFill>
+              </a:rPr>
+              <a:t>Доп. услуги</a:t>
+            </a:r>
+          </a:p>
+        </p:txBody>
+      </p:sp>
+      <p:pic>
+        <p:nvPicPr>
+          <p:cNvPr id="24" name="Рисунок 23" descr="Информация со сплошной заливкой">
+            <a:extLst>
+              <a:ext uri="{FF2B5EF4-FFF2-40B4-BE49-F238E27FC236}">
+                <a16:creationId xmlns:a16="http://schemas.microsoft.com/office/drawing/2014/main" id="{4E6BC4C5-4DBF-BD9B-7F34-CDF31C0605C9}"/>
+              </a:ext>
+            </a:extLst>
+          </p:cNvPr>
+          <p:cNvPicPr>
+            <a:picLocks noChangeAspect="1"/>
+          </p:cNvPicPr>
+          <p:nvPr/>
+        </p:nvPicPr>
+        <p:blipFill>
+          <a:blip r:embed="rId4">
+            <a:extLst>
+              <a:ext uri="{28A0092B-C50C-407E-A947-70E740481C1C}">
+                <a14:useLocalDpi xmlns:a14="http://schemas.microsoft.com/office/drawing/2010/main" val="0"/>
+              </a:ext>
+              <a:ext uri="{96DAC541-7B7A-43D3-8B79-37D633B846F1}">
+                <asvg:svgBlip xmlns:asvg="http://schemas.microsoft.com/office/drawing/2016/SVG/main" r:embed="rId5"/>
+              </a:ext>
+            </a:extLst>
+          </a:blip>
+          <a:stretch>
+            <a:fillRect/>
+          </a:stretch>
+        </p:blipFill>
+        <p:spPr>
+          <a:xfrm>
+            <a:off x="1725125" y="284796"/>
+            <a:ext cx="914400" cy="914400"/>
+          </a:xfrm>
+          <a:prstGeom prst="rect">
+            <a:avLst/>
+          </a:prstGeom>
+        </p:spPr>
+      </p:pic>
+      <p:sp>
+        <p:nvSpPr>
+          <p:cNvPr id="25" name="TextBox 24">
+            <a:extLst>
+              <a:ext uri="{FF2B5EF4-FFF2-40B4-BE49-F238E27FC236}">
+                <a16:creationId xmlns:a16="http://schemas.microsoft.com/office/drawing/2014/main" id="{BC9ED9DA-96ED-E7BB-4057-701799EA65E8}"/>
+              </a:ext>
+            </a:extLst>
+          </p:cNvPr>
+          <p:cNvSpPr txBox="1"/>
+          <p:nvPr/>
+        </p:nvSpPr>
+        <p:spPr>
+          <a:xfrm>
+            <a:off x="546697" y="1176793"/>
+            <a:ext cx="3271256" cy="1569660"/>
+          </a:xfrm>
+          <a:prstGeom prst="rect">
+            <a:avLst/>
+          </a:prstGeom>
+          <a:noFill/>
+        </p:spPr>
+        <p:txBody>
+          <a:bodyPr wrap="square" rtlCol="0">
+            <a:spAutoFit/>
+          </a:bodyPr>
+          <a:lstStyle/>
+          <a:p>
+            <a:pPr algn="ctr"/>
+            <a:r>
+              <a:rPr lang="ru-RU" sz="3200" b="1" dirty="0">
+                <a:solidFill>
+                  <a:schemeClr val="bg1"/>
+                </a:solidFill>
+              </a:rPr>
+              <a:t>Искаженная или неполная информация</a:t>
+            </a:r>
+          </a:p>
+        </p:txBody>
+      </p:sp>
+      <p:pic>
+        <p:nvPicPr>
+          <p:cNvPr id="27" name="Рисунок 26" descr="Мусор со сплошной заливкой">
+            <a:extLst>
+              <a:ext uri="{FF2B5EF4-FFF2-40B4-BE49-F238E27FC236}">
+                <a16:creationId xmlns:a16="http://schemas.microsoft.com/office/drawing/2014/main" id="{950A028C-6B0F-4C26-7C0D-B96DF6A4D896}"/>
+              </a:ext>
+            </a:extLst>
+          </p:cNvPr>
+          <p:cNvPicPr>
+            <a:picLocks noChangeAspect="1"/>
+          </p:cNvPicPr>
+          <p:nvPr/>
+        </p:nvPicPr>
+        <p:blipFill>
+          <a:blip r:embed="rId6">
+            <a:extLst>
+              <a:ext uri="{28A0092B-C50C-407E-A947-70E740481C1C}">
+                <a14:useLocalDpi xmlns:a14="http://schemas.microsoft.com/office/drawing/2010/main" val="0"/>
+              </a:ext>
+              <a:ext uri="{96DAC541-7B7A-43D3-8B79-37D633B846F1}">
+                <asvg:svgBlip xmlns:asvg="http://schemas.microsoft.com/office/drawing/2016/SVG/main" r:embed="rId7"/>
+              </a:ext>
+            </a:extLst>
+          </a:blip>
+          <a:stretch>
+            <a:fillRect/>
+          </a:stretch>
+        </p:blipFill>
+        <p:spPr>
+          <a:xfrm>
+            <a:off x="2679530" y="3240577"/>
+            <a:ext cx="914400" cy="914400"/>
+          </a:xfrm>
+          <a:prstGeom prst="rect">
+            <a:avLst/>
+          </a:prstGeom>
+        </p:spPr>
+      </p:pic>
+      <p:sp>
+        <p:nvSpPr>
+          <p:cNvPr id="28" name="TextBox 27">
+            <a:extLst>
+              <a:ext uri="{FF2B5EF4-FFF2-40B4-BE49-F238E27FC236}">
+                <a16:creationId xmlns:a16="http://schemas.microsoft.com/office/drawing/2014/main" id="{0097CD96-9C92-8955-D053-D9D260219797}"/>
+              </a:ext>
+            </a:extLst>
+          </p:cNvPr>
+          <p:cNvSpPr txBox="1"/>
+          <p:nvPr/>
+        </p:nvSpPr>
+        <p:spPr>
+          <a:xfrm>
+            <a:off x="1439191" y="4247972"/>
+            <a:ext cx="3271256" cy="1569660"/>
+          </a:xfrm>
+          <a:prstGeom prst="rect">
+            <a:avLst/>
+          </a:prstGeom>
+          <a:noFill/>
+        </p:spPr>
+        <p:txBody>
+          <a:bodyPr wrap="square" rtlCol="0">
+            <a:spAutoFit/>
+          </a:bodyPr>
+          <a:lstStyle/>
+          <a:p>
+            <a:pPr algn="ctr"/>
+            <a:r>
+              <a:rPr lang="ru-RU" sz="3200" b="1" dirty="0">
+                <a:solidFill>
+                  <a:schemeClr val="bg1"/>
+                </a:solidFill>
+              </a:rPr>
+              <a:t>Продажа неподходящих продуктов</a:t>
+            </a:r>
+          </a:p>
+        </p:txBody>
+      </p:sp>
+      <p:pic>
+        <p:nvPicPr>
+          <p:cNvPr id="30" name="Рисунок 29" descr="Контракт со сплошной заливкой">
+            <a:extLst>
+              <a:ext uri="{FF2B5EF4-FFF2-40B4-BE49-F238E27FC236}">
+                <a16:creationId xmlns:a16="http://schemas.microsoft.com/office/drawing/2014/main" id="{8AF6C92C-86C9-9FC4-8F5E-770BEC22697A}"/>
+              </a:ext>
+            </a:extLst>
+          </p:cNvPr>
+          <p:cNvPicPr>
+            <a:picLocks noChangeAspect="1"/>
+          </p:cNvPicPr>
+          <p:nvPr/>
+        </p:nvPicPr>
+        <p:blipFill>
+          <a:blip r:embed="rId8">
+            <a:extLst>
+              <a:ext uri="{28A0092B-C50C-407E-A947-70E740481C1C}">
+                <a14:useLocalDpi xmlns:a14="http://schemas.microsoft.com/office/drawing/2010/main" val="0"/>
+              </a:ext>
+              <a:ext uri="{96DAC541-7B7A-43D3-8B79-37D633B846F1}">
+                <asvg:svgBlip xmlns:asvg="http://schemas.microsoft.com/office/drawing/2016/SVG/main" r:embed="rId9"/>
+              </a:ext>
+            </a:extLst>
+          </a:blip>
+          <a:stretch>
+            <a:fillRect/>
+          </a:stretch>
+        </p:blipFill>
+        <p:spPr>
+          <a:xfrm>
+            <a:off x="5637712" y="1496952"/>
+            <a:ext cx="914400" cy="914400"/>
+          </a:xfrm>
+          <a:prstGeom prst="rect">
+            <a:avLst/>
+          </a:prstGeom>
+        </p:spPr>
+      </p:pic>
+      <p:sp>
+        <p:nvSpPr>
+          <p:cNvPr id="31" name="TextBox 30">
+            <a:extLst>
+              <a:ext uri="{FF2B5EF4-FFF2-40B4-BE49-F238E27FC236}">
+                <a16:creationId xmlns:a16="http://schemas.microsoft.com/office/drawing/2014/main" id="{DF0ACE13-FEDD-D075-B389-C4FE887F6F1C}"/>
+              </a:ext>
+            </a:extLst>
+          </p:cNvPr>
+          <p:cNvSpPr txBox="1"/>
+          <p:nvPr/>
+        </p:nvSpPr>
+        <p:spPr>
+          <a:xfrm>
+            <a:off x="4425343" y="2322779"/>
+            <a:ext cx="3466444" cy="1077218"/>
+          </a:xfrm>
+          <a:prstGeom prst="rect">
+            <a:avLst/>
+          </a:prstGeom>
+          <a:noFill/>
+        </p:spPr>
+        <p:txBody>
+          <a:bodyPr wrap="square" rtlCol="0">
+            <a:spAutoFit/>
+          </a:bodyPr>
+          <a:lstStyle/>
+          <a:p>
+            <a:pPr algn="ctr"/>
+            <a:r>
+              <a:rPr lang="ru-RU" sz="3200" b="1" dirty="0">
+                <a:solidFill>
+                  <a:schemeClr val="bg1"/>
+                </a:solidFill>
+              </a:rPr>
+              <a:t>Непрозрачное ценообразование</a:t>
+            </a:r>
+          </a:p>
+        </p:txBody>
+      </p:sp>
+      <p:sp>
+        <p:nvSpPr>
+          <p:cNvPr id="32" name="TextBox 31">
+            <a:extLst>
+              <a:ext uri="{FF2B5EF4-FFF2-40B4-BE49-F238E27FC236}">
+                <a16:creationId xmlns:a16="http://schemas.microsoft.com/office/drawing/2014/main" id="{4D5EAA20-0515-B291-2599-026FF46406EF}"/>
+              </a:ext>
+            </a:extLst>
+          </p:cNvPr>
+          <p:cNvSpPr txBox="1"/>
+          <p:nvPr/>
+        </p:nvSpPr>
+        <p:spPr>
+          <a:xfrm>
+            <a:off x="4950935" y="3473544"/>
+            <a:ext cx="2525027" cy="430887"/>
+          </a:xfrm>
+          <a:prstGeom prst="rect">
+            <a:avLst/>
+          </a:prstGeom>
+          <a:noFill/>
+        </p:spPr>
+        <p:txBody>
+          <a:bodyPr wrap="square" rtlCol="0">
+            <a:spAutoFit/>
+          </a:bodyPr>
+          <a:lstStyle/>
+          <a:p>
+            <a:r>
+              <a:rPr lang="ru-RU" sz="2200" dirty="0">
+                <a:solidFill>
+                  <a:schemeClr val="bg1"/>
+                </a:solidFill>
+              </a:rPr>
+              <a:t>Двойные комиссии</a:t>
+            </a:r>
+          </a:p>
+        </p:txBody>
+      </p:sp>
+      <p:pic>
+        <p:nvPicPr>
+          <p:cNvPr id="34" name="Рисунок 33" descr="Передача со сплошной заливкой">
+            <a:extLst>
+              <a:ext uri="{FF2B5EF4-FFF2-40B4-BE49-F238E27FC236}">
+                <a16:creationId xmlns:a16="http://schemas.microsoft.com/office/drawing/2014/main" id="{ADA0EFDB-E967-08BC-5A03-F9ADA1A1B037}"/>
+              </a:ext>
+            </a:extLst>
+          </p:cNvPr>
+          <p:cNvPicPr>
+            <a:picLocks noChangeAspect="1"/>
+          </p:cNvPicPr>
+          <p:nvPr/>
+        </p:nvPicPr>
+        <p:blipFill>
+          <a:blip r:embed="rId10">
+            <a:extLst>
+              <a:ext uri="{28A0092B-C50C-407E-A947-70E740481C1C}">
+                <a14:useLocalDpi xmlns:a14="http://schemas.microsoft.com/office/drawing/2010/main" val="0"/>
+              </a:ext>
+              <a:ext uri="{96DAC541-7B7A-43D3-8B79-37D633B846F1}">
+                <asvg:svgBlip xmlns:asvg="http://schemas.microsoft.com/office/drawing/2016/SVG/main" r:embed="rId11"/>
+              </a:ext>
+            </a:extLst>
+          </a:blip>
+          <a:stretch>
+            <a:fillRect/>
+          </a:stretch>
+        </p:blipFill>
+        <p:spPr>
+          <a:xfrm>
+            <a:off x="9670944" y="3646459"/>
+            <a:ext cx="914400" cy="914400"/>
+          </a:xfrm>
+          <a:prstGeom prst="rect">
+            <a:avLst/>
+          </a:prstGeom>
+        </p:spPr>
+      </p:pic>
+      <p:sp>
+        <p:nvSpPr>
+          <p:cNvPr id="35" name="TextBox 34">
+            <a:extLst>
+              <a:ext uri="{FF2B5EF4-FFF2-40B4-BE49-F238E27FC236}">
+                <a16:creationId xmlns:a16="http://schemas.microsoft.com/office/drawing/2014/main" id="{7C028CCD-86B4-475F-CD6E-9073CC16D8A5}"/>
+              </a:ext>
+            </a:extLst>
+          </p:cNvPr>
+          <p:cNvSpPr txBox="1"/>
+          <p:nvPr/>
+        </p:nvSpPr>
+        <p:spPr>
+          <a:xfrm>
+            <a:off x="8394922" y="4399802"/>
+            <a:ext cx="3466444" cy="1077218"/>
+          </a:xfrm>
+          <a:prstGeom prst="rect">
+            <a:avLst/>
+          </a:prstGeom>
+          <a:noFill/>
+        </p:spPr>
+        <p:txBody>
+          <a:bodyPr wrap="square" rtlCol="0">
+            <a:spAutoFit/>
+          </a:bodyPr>
+          <a:lstStyle/>
+          <a:p>
+            <a:pPr algn="ctr"/>
+            <a:r>
+              <a:rPr lang="ru-RU" sz="3200" b="1" dirty="0">
+                <a:solidFill>
+                  <a:schemeClr val="bg1"/>
+                </a:solidFill>
+              </a:rPr>
+              <a:t>Подмена продукта</a:t>
+            </a:r>
+          </a:p>
+        </p:txBody>
+      </p:sp>
+    </p:spTree>
+    <p:extLst>
+      <p:ext uri="{BB962C8B-B14F-4D97-AF65-F5344CB8AC3E}">
+        <p14:creationId xmlns:p14="http://schemas.microsoft.com/office/powerpoint/2010/main" val="1211046716"/>
       </p:ext>
     </p:extLst>
   </p:cSld>
@@ -7503,10 +10573,10 @@
       </p:grpSpPr>
       <p:pic>
         <p:nvPicPr>
-          <p:cNvPr id="3" name="Рисунок 2" descr="Изображение выглядит как снимок экрана, линия, свет&#10;&#10;Автоматически созданное описание">
-            <a:extLst>
-              <a:ext uri="{FF2B5EF4-FFF2-40B4-BE49-F238E27FC236}">
-                <a16:creationId xmlns:a16="http://schemas.microsoft.com/office/drawing/2014/main" id="{68D96111-1A14-9A6E-2422-92161F4125F6}"/>
+          <p:cNvPr id="2" name="Рисунок 1" descr="Изображение выглядит как текст, снимок экрана, диаграмма, Шрифт&#10;&#10;Автоматически созданное описание">
+            <a:extLst>
+              <a:ext uri="{FF2B5EF4-FFF2-40B4-BE49-F238E27FC236}">
+                <a16:creationId xmlns:a16="http://schemas.microsoft.com/office/drawing/2014/main" id="{DE8BEE5B-14A0-9F2C-7448-835BD4649C70}"/>
               </a:ext>
             </a:extLst>
           </p:cNvPr>
@@ -7516,7 +10586,7 @@
           <p:nvPr/>
         </p:nvPicPr>
         <p:blipFill>
-          <a:blip r:embed="rId3">
+          <a:blip r:embed="rId2">
             <a:extLst>
               <a:ext uri="{28A0092B-C50C-407E-A947-70E740481C1C}">
                 <a14:useLocalDpi xmlns:a14="http://schemas.microsoft.com/office/drawing/2010/main" val="0"/>
@@ -7529,20 +10599,50 @@
         </p:blipFill>
         <p:spPr>
           <a:xfrm>
-            <a:off x="307077" y="348157"/>
-            <a:ext cx="2157350" cy="1705093"/>
+            <a:off x="0" y="180444"/>
+            <a:ext cx="7193184" cy="5300240"/>
           </a:xfrm>
           <a:prstGeom prst="rect">
             <a:avLst/>
           </a:prstGeom>
         </p:spPr>
       </p:pic>
+      <p:graphicFrame>
+        <p:nvGraphicFramePr>
+          <p:cNvPr id="3" name="Диаграмма 2">
+            <a:extLst>
+              <a:ext uri="{FF2B5EF4-FFF2-40B4-BE49-F238E27FC236}">
+                <a16:creationId xmlns:a16="http://schemas.microsoft.com/office/drawing/2014/main" id="{978EDF3E-9680-4721-B7DC-385AF4AF00D3}"/>
+              </a:ext>
+            </a:extLst>
+          </p:cNvPr>
+          <p:cNvGraphicFramePr>
+            <a:graphicFrameLocks/>
+          </p:cNvGraphicFramePr>
+          <p:nvPr>
+            <p:extLst>
+              <p:ext uri="{D42A27DB-BD31-4B8C-83A1-F6EECF244321}">
+                <p14:modId xmlns:p14="http://schemas.microsoft.com/office/powerpoint/2010/main" val="702537077"/>
+              </p:ext>
+            </p:extLst>
+          </p:nvPr>
+        </p:nvGraphicFramePr>
+        <p:xfrm>
+          <a:off x="5361139" y="412261"/>
+          <a:ext cx="7709979" cy="5068423"/>
+        </p:xfrm>
+        <a:graphic>
+          <a:graphicData uri="http://schemas.openxmlformats.org/drawingml/2006/chart">
+            <c:chart xmlns:c="http://schemas.openxmlformats.org/drawingml/2006/chart" xmlns:r="http://schemas.openxmlformats.org/officeDocument/2006/relationships" r:id="rId3"/>
+          </a:graphicData>
+        </a:graphic>
+      </p:graphicFrame>
       <p:sp>
         <p:nvSpPr>
           <p:cNvPr id="4" name="TextBox 3">
             <a:extLst>
               <a:ext uri="{FF2B5EF4-FFF2-40B4-BE49-F238E27FC236}">
-                <a16:creationId xmlns:a16="http://schemas.microsoft.com/office/drawing/2014/main" id="{F44C17C9-6F0B-C046-8C9B-6D2DD241F394}"/>
+                <a16:creationId xmlns:a16="http://schemas.microsoft.com/office/drawing/2014/main" id="{4D684EAB-438E-DA05-637C-9B0C6355850D}"/>
               </a:ext>
             </a:extLst>
           </p:cNvPr>
@@ -7551,8 +10651,8 @@
         </p:nvSpPr>
         <p:spPr>
           <a:xfrm>
-            <a:off x="3160172" y="739038"/>
-            <a:ext cx="1629549" cy="923330"/>
+            <a:off x="1157676" y="5737853"/>
+            <a:ext cx="4203463" cy="707886"/>
           </a:xfrm>
           <a:prstGeom prst="rect">
             <a:avLst/>
@@ -7560,157 +10660,61 @@
           <a:noFill/>
         </p:spPr>
         <p:txBody>
-          <a:bodyPr wrap="none" rtlCol="0">
+          <a:bodyPr wrap="square" rtlCol="0">
             <a:spAutoFit/>
           </a:bodyPr>
           <a:lstStyle/>
           <a:p>
+            <a:pPr algn="ctr"/>
             <a:r>
-              <a:rPr lang="en-US" b="1" dirty="0">
-                <a:solidFill>
-                  <a:srgbClr val="3333B2"/>
-                </a:solidFill>
-              </a:rPr>
-              <a:t>def</a:t>
+              <a:rPr lang="ru-RU" sz="4000" b="1" dirty="0"/>
+              <a:t>Доходность 16.9%</a:t>
             </a:r>
-            <a:r>
-              <a:rPr lang="en-US" b="1" dirty="0"/>
-              <a:t> rebalance()</a:t>
-            </a:r>
-          </a:p>
-          <a:p>
-            <a:r>
-              <a:rPr lang="en-US" b="1" dirty="0">
-                <a:solidFill>
-                  <a:srgbClr val="3333B2"/>
-                </a:solidFill>
-              </a:rPr>
-              <a:t>def</a:t>
-            </a:r>
-            <a:r>
-              <a:rPr lang="en-US" b="1" dirty="0"/>
-              <a:t> deposit()</a:t>
-            </a:r>
-          </a:p>
-          <a:p>
-            <a:r>
-              <a:rPr lang="en-US" b="1" dirty="0"/>
-              <a:t>…</a:t>
-            </a:r>
-            <a:endParaRPr lang="ru-RU" b="1" dirty="0"/>
-          </a:p>
-        </p:txBody>
-      </p:sp>
-      <p:sp>
-        <p:nvSpPr>
-          <p:cNvPr id="5" name="Стрелка: вправо 4">
-            <a:extLst>
-              <a:ext uri="{FF2B5EF4-FFF2-40B4-BE49-F238E27FC236}">
-                <a16:creationId xmlns:a16="http://schemas.microsoft.com/office/drawing/2014/main" id="{85FF0D3E-D01C-C90F-4E2D-128B4D411751}"/>
-              </a:ext>
-            </a:extLst>
-          </p:cNvPr>
-          <p:cNvSpPr/>
+          </a:p>
+        </p:txBody>
+      </p:sp>
+      <p:sp>
+        <p:nvSpPr>
+          <p:cNvPr id="5" name="TextBox 4">
+            <a:extLst>
+              <a:ext uri="{FF2B5EF4-FFF2-40B4-BE49-F238E27FC236}">
+                <a16:creationId xmlns:a16="http://schemas.microsoft.com/office/drawing/2014/main" id="{CA97E9DB-8770-1802-7788-1A17E13972F7}"/>
+              </a:ext>
+            </a:extLst>
+          </p:cNvPr>
+          <p:cNvSpPr txBox="1"/>
           <p:nvPr/>
         </p:nvSpPr>
         <p:spPr>
-          <a:xfrm rot="14254213" flipH="1">
-            <a:off x="1206395" y="2563493"/>
-            <a:ext cx="1075700" cy="401838"/>
-          </a:xfrm>
-          <a:prstGeom prst="rightArrow">
+          <a:xfrm>
+            <a:off x="6817231" y="5737853"/>
+            <a:ext cx="5131493" cy="707886"/>
+          </a:xfrm>
+          <a:prstGeom prst="rect">
             <a:avLst/>
           </a:prstGeom>
-          <a:solidFill>
-            <a:srgbClr val="3333B2"/>
-          </a:solidFill>
-          <a:ln>
-            <a:noFill/>
-          </a:ln>
-        </p:spPr>
-        <p:style>
-          <a:lnRef idx="2">
-            <a:schemeClr val="accent1">
-              <a:shade val="15000"/>
-            </a:schemeClr>
-          </a:lnRef>
-          <a:fillRef idx="1">
-            <a:schemeClr val="accent1"/>
-          </a:fillRef>
-          <a:effectRef idx="0">
-            <a:schemeClr val="accent1"/>
-          </a:effectRef>
-          <a:fontRef idx="minor">
-            <a:schemeClr val="lt1"/>
-          </a:fontRef>
-        </p:style>
-        <p:txBody>
-          <a:bodyPr rtlCol="0" anchor="ctr"/>
+          <a:noFill/>
+        </p:spPr>
+        <p:txBody>
+          <a:bodyPr wrap="square" rtlCol="0">
+            <a:spAutoFit/>
+          </a:bodyPr>
           <a:lstStyle/>
           <a:p>
             <a:pPr algn="ctr"/>
-            <a:endParaRPr lang="ru-RU"/>
-          </a:p>
-        </p:txBody>
-      </p:sp>
-      <p:sp>
-        <p:nvSpPr>
-          <p:cNvPr id="7" name="Стрелка: вправо 6">
-            <a:extLst>
-              <a:ext uri="{FF2B5EF4-FFF2-40B4-BE49-F238E27FC236}">
-                <a16:creationId xmlns:a16="http://schemas.microsoft.com/office/drawing/2014/main" id="{A555E31F-15AD-B35C-871F-F0BC035F4525}"/>
-              </a:ext>
-            </a:extLst>
-          </p:cNvPr>
-          <p:cNvSpPr/>
-          <p:nvPr/>
-        </p:nvSpPr>
-        <p:spPr>
-          <a:xfrm rot="17893742" flipH="1">
-            <a:off x="2622322" y="2556296"/>
-            <a:ext cx="1075700" cy="401838"/>
-          </a:xfrm>
-          <a:prstGeom prst="rightArrow">
-            <a:avLst/>
-          </a:prstGeom>
-          <a:solidFill>
-            <a:srgbClr val="3333B2"/>
-          </a:solidFill>
-          <a:ln>
-            <a:noFill/>
-          </a:ln>
-        </p:spPr>
-        <p:style>
-          <a:lnRef idx="2">
-            <a:schemeClr val="accent1">
-              <a:shade val="15000"/>
-            </a:schemeClr>
-          </a:lnRef>
-          <a:fillRef idx="1">
-            <a:schemeClr val="accent1"/>
-          </a:fillRef>
-          <a:effectRef idx="0">
-            <a:schemeClr val="accent1"/>
-          </a:effectRef>
-          <a:fontRef idx="minor">
-            <a:schemeClr val="lt1"/>
-          </a:fontRef>
-        </p:style>
-        <p:txBody>
-          <a:bodyPr rtlCol="0" anchor="ctr"/>
-          <a:lstStyle/>
-          <a:p>
-            <a:pPr algn="ctr"/>
-            <a:endParaRPr lang="ru-RU"/>
+            <a:r>
+              <a:rPr lang="ru-RU" sz="4000" b="1" dirty="0"/>
+              <a:t>Волатильность 12.8%</a:t>
+            </a:r>
           </a:p>
         </p:txBody>
       </p:sp>
       <p:pic>
         <p:nvPicPr>
-          <p:cNvPr id="9" name="Рисунок 8" descr="Компьютер со сплошной заливкой">
-            <a:extLst>
-              <a:ext uri="{FF2B5EF4-FFF2-40B4-BE49-F238E27FC236}">
-                <a16:creationId xmlns:a16="http://schemas.microsoft.com/office/drawing/2014/main" id="{9E2FC96E-CECB-E4EC-BD88-F20F01AF3538}"/>
+          <p:cNvPr id="6" name="Рисунок 5" descr="Тенденция к повышению со сплошной заливкой">
+            <a:extLst>
+              <a:ext uri="{FF2B5EF4-FFF2-40B4-BE49-F238E27FC236}">
+                <a16:creationId xmlns:a16="http://schemas.microsoft.com/office/drawing/2014/main" id="{DF54538B-3B24-16F4-AA89-8EBDB6D2F79D}"/>
               </a:ext>
             </a:extLst>
           </p:cNvPr>
@@ -7736,77 +10740,25 @@
         </p:blipFill>
         <p:spPr>
           <a:xfrm>
-            <a:off x="1902452" y="3429000"/>
-            <a:ext cx="1123950" cy="1123950"/>
+            <a:off x="243276" y="5634596"/>
+            <a:ext cx="914400" cy="914400"/>
           </a:xfrm>
           <a:prstGeom prst="rect">
             <a:avLst/>
           </a:prstGeom>
         </p:spPr>
       </p:pic>
-      <p:sp>
-        <p:nvSpPr>
-          <p:cNvPr id="10" name="Стрелка: вправо 9">
-            <a:extLst>
-              <a:ext uri="{FF2B5EF4-FFF2-40B4-BE49-F238E27FC236}">
-                <a16:creationId xmlns:a16="http://schemas.microsoft.com/office/drawing/2014/main" id="{5BB203BA-6B9F-AC3E-043F-6774A08CF56A}"/>
-              </a:ext>
-            </a:extLst>
-          </p:cNvPr>
-          <p:cNvSpPr/>
-          <p:nvPr/>
-        </p:nvSpPr>
-        <p:spPr>
-          <a:xfrm rot="16200000" flipH="1">
-            <a:off x="2149340" y="4769989"/>
-            <a:ext cx="630175" cy="401838"/>
-          </a:xfrm>
-          <a:prstGeom prst="rightArrow">
-            <a:avLst/>
-          </a:prstGeom>
-          <a:solidFill>
-            <a:srgbClr val="3333B2"/>
-          </a:solidFill>
-          <a:ln>
-            <a:noFill/>
-          </a:ln>
-        </p:spPr>
-        <p:style>
-          <a:lnRef idx="2">
-            <a:schemeClr val="accent1">
-              <a:shade val="15000"/>
-            </a:schemeClr>
-          </a:lnRef>
-          <a:fillRef idx="1">
-            <a:schemeClr val="accent1"/>
-          </a:fillRef>
-          <a:effectRef idx="0">
-            <a:schemeClr val="accent1"/>
-          </a:effectRef>
-          <a:fontRef idx="minor">
-            <a:schemeClr val="lt1"/>
-          </a:fontRef>
-        </p:style>
-        <p:txBody>
-          <a:bodyPr rtlCol="0" anchor="ctr"/>
-          <a:lstStyle/>
-          <a:p>
-            <a:pPr algn="ctr"/>
-            <a:endParaRPr lang="ru-RU"/>
-          </a:p>
-        </p:txBody>
-      </p:sp>
       <p:pic>
         <p:nvPicPr>
-          <p:cNvPr id="1026" name="Picture 2">
-            <a:extLst>
-              <a:ext uri="{FF2B5EF4-FFF2-40B4-BE49-F238E27FC236}">
-                <a16:creationId xmlns:a16="http://schemas.microsoft.com/office/drawing/2014/main" id="{AE583F86-394A-DA0D-8C77-BA580345943D}"/>
+          <p:cNvPr id="12" name="Рисунок 11" descr="Звуковая волна со сплошной заливкой">
+            <a:extLst>
+              <a:ext uri="{FF2B5EF4-FFF2-40B4-BE49-F238E27FC236}">
+                <a16:creationId xmlns:a16="http://schemas.microsoft.com/office/drawing/2014/main" id="{A05DBA3E-74BB-DBA8-2524-8F8D9FBDF23C}"/>
               </a:ext>
             </a:extLst>
           </p:cNvPr>
           <p:cNvPicPr>
-            <a:picLocks noChangeAspect="1" noChangeArrowheads="1"/>
+            <a:picLocks noChangeAspect="1"/>
           </p:cNvPicPr>
           <p:nvPr/>
         </p:nvPicPr>
@@ -7816,74 +10768,29 @@
               <a:ext uri="{28A0092B-C50C-407E-A947-70E740481C1C}">
                 <a14:useLocalDpi xmlns:a14="http://schemas.microsoft.com/office/drawing/2010/main" val="0"/>
               </a:ext>
+              <a:ext uri="{96DAC541-7B7A-43D3-8B79-37D633B846F1}">
+                <asvg:svgBlip xmlns:asvg="http://schemas.microsoft.com/office/drawing/2016/SVG/main" r:embed="rId7"/>
+              </a:ext>
             </a:extLst>
           </a:blip>
-          <a:srcRect/>
           <a:stretch>
             <a:fillRect/>
           </a:stretch>
         </p:blipFill>
-        <p:spPr bwMode="auto">
-          <a:xfrm>
-            <a:off x="2168340" y="3796665"/>
-            <a:ext cx="244792" cy="268265"/>
+        <p:spPr>
+          <a:xfrm>
+            <a:off x="6096000" y="5634596"/>
+            <a:ext cx="914400" cy="914400"/>
           </a:xfrm>
           <a:prstGeom prst="rect">
             <a:avLst/>
           </a:prstGeom>
-          <a:noFill/>
-          <a:extLst>
-            <a:ext uri="{909E8E84-426E-40DD-AFC4-6F175D3DCCD1}">
-              <a14:hiddenFill xmlns:a14="http://schemas.microsoft.com/office/drawing/2010/main">
-                <a:solidFill>
-                  <a:srgbClr val="FFFFFF"/>
-                </a:solidFill>
-              </a14:hiddenFill>
-            </a:ext>
-          </a:extLst>
         </p:spPr>
       </p:pic>
-      <p:sp>
-        <p:nvSpPr>
-          <p:cNvPr id="11" name="TextBox 10">
-            <a:extLst>
-              <a:ext uri="{FF2B5EF4-FFF2-40B4-BE49-F238E27FC236}">
-                <a16:creationId xmlns:a16="http://schemas.microsoft.com/office/drawing/2014/main" id="{B069D09D-CB88-F50A-5064-6A1E88D2ED41}"/>
-              </a:ext>
-            </a:extLst>
-          </p:cNvPr>
-          <p:cNvSpPr txBox="1"/>
-          <p:nvPr/>
-        </p:nvSpPr>
-        <p:spPr>
-          <a:xfrm>
-            <a:off x="1540751" y="5388866"/>
-            <a:ext cx="1847352" cy="923330"/>
-          </a:xfrm>
-          <a:prstGeom prst="rect">
-            <a:avLst/>
-          </a:prstGeom>
-          <a:noFill/>
-        </p:spPr>
-        <p:txBody>
-          <a:bodyPr wrap="square" rtlCol="0">
-            <a:spAutoFit/>
-          </a:bodyPr>
-          <a:lstStyle/>
-          <a:p>
-            <a:pPr algn="ctr"/>
-            <a:r>
-              <a:rPr lang="en-US" b="1" dirty="0"/>
-              <a:t>Investment Strategy Performance </a:t>
-            </a:r>
-            <a:endParaRPr lang="ru-RU" b="1" dirty="0"/>
-          </a:p>
-        </p:txBody>
-      </p:sp>
     </p:spTree>
     <p:extLst>
       <p:ext uri="{BB962C8B-B14F-4D97-AF65-F5344CB8AC3E}">
-        <p14:creationId xmlns:p14="http://schemas.microsoft.com/office/powerpoint/2010/main" val="3818966807"/>
+        <p14:creationId xmlns:p14="http://schemas.microsoft.com/office/powerpoint/2010/main" val="2513918960"/>
       </p:ext>
     </p:extLst>
   </p:cSld>
@@ -7912,46 +10819,10 @@
       </p:grpSpPr>
       <p:pic>
         <p:nvPicPr>
-          <p:cNvPr id="3" name="Рисунок 2" descr="Изображение выглядит как линия, График, снимок экрана&#10;&#10;Автоматически созданное описание">
-            <a:extLst>
-              <a:ext uri="{FF2B5EF4-FFF2-40B4-BE49-F238E27FC236}">
-                <a16:creationId xmlns:a16="http://schemas.microsoft.com/office/drawing/2014/main" id="{8BA87F14-18E8-CAAF-14B0-87CA1BB440AF}"/>
-              </a:ext>
-            </a:extLst>
-          </p:cNvPr>
-          <p:cNvPicPr>
-            <a:picLocks noChangeAspect="1"/>
-          </p:cNvPicPr>
-          <p:nvPr/>
-        </p:nvPicPr>
-        <p:blipFill>
-          <a:blip r:embed="rId2">
-            <a:extLst>
-              <a:ext uri="{28A0092B-C50C-407E-A947-70E740481C1C}">
-                <a14:useLocalDpi xmlns:a14="http://schemas.microsoft.com/office/drawing/2010/main" val="0"/>
-              </a:ext>
-            </a:extLst>
-          </a:blip>
-          <a:stretch>
-            <a:fillRect/>
-          </a:stretch>
-        </p:blipFill>
-        <p:spPr>
-          <a:xfrm>
-            <a:off x="-831273" y="0"/>
-            <a:ext cx="14131639" cy="3028208"/>
-          </a:xfrm>
-          <a:prstGeom prst="rect">
-            <a:avLst/>
-          </a:prstGeom>
-        </p:spPr>
-      </p:pic>
-      <p:pic>
-        <p:nvPicPr>
-          <p:cNvPr id="5" name="Рисунок 4" descr="Изображение выглядит как снимок экрана&#10;&#10;Автоматически созданное описание">
-            <a:extLst>
-              <a:ext uri="{FF2B5EF4-FFF2-40B4-BE49-F238E27FC236}">
-                <a16:creationId xmlns:a16="http://schemas.microsoft.com/office/drawing/2014/main" id="{3E2B0BBD-ADD9-AF7D-5D79-210B7E6218D1}"/>
+          <p:cNvPr id="3" name="Рисунок 2" descr="Изображение выглядит как снимок экрана, линия, свет&#10;&#10;Автоматически созданное описание">
+            <a:extLst>
+              <a:ext uri="{FF2B5EF4-FFF2-40B4-BE49-F238E27FC236}">
+                <a16:creationId xmlns:a16="http://schemas.microsoft.com/office/drawing/2014/main" id="{68D96111-1A14-9A6E-2422-92161F4125F6}"/>
               </a:ext>
             </a:extLst>
           </p:cNvPr>
@@ -7974,18 +10845,361 @@
         </p:blipFill>
         <p:spPr>
           <a:xfrm>
-            <a:off x="-831273" y="3028208"/>
-            <a:ext cx="14131640" cy="3028208"/>
+            <a:off x="307077" y="348157"/>
+            <a:ext cx="2157350" cy="1705093"/>
           </a:xfrm>
           <a:prstGeom prst="rect">
             <a:avLst/>
           </a:prstGeom>
         </p:spPr>
       </p:pic>
+      <p:sp>
+        <p:nvSpPr>
+          <p:cNvPr id="4" name="TextBox 3">
+            <a:extLst>
+              <a:ext uri="{FF2B5EF4-FFF2-40B4-BE49-F238E27FC236}">
+                <a16:creationId xmlns:a16="http://schemas.microsoft.com/office/drawing/2014/main" id="{F44C17C9-6F0B-C046-8C9B-6D2DD241F394}"/>
+              </a:ext>
+            </a:extLst>
+          </p:cNvPr>
+          <p:cNvSpPr txBox="1"/>
+          <p:nvPr/>
+        </p:nvSpPr>
+        <p:spPr>
+          <a:xfrm>
+            <a:off x="3160172" y="739038"/>
+            <a:ext cx="1629549" cy="923330"/>
+          </a:xfrm>
+          <a:prstGeom prst="rect">
+            <a:avLst/>
+          </a:prstGeom>
+          <a:noFill/>
+        </p:spPr>
+        <p:txBody>
+          <a:bodyPr wrap="none" rtlCol="0">
+            <a:spAutoFit/>
+          </a:bodyPr>
+          <a:lstStyle/>
+          <a:p>
+            <a:r>
+              <a:rPr lang="en-US" b="1" dirty="0">
+                <a:solidFill>
+                  <a:srgbClr val="3333B2"/>
+                </a:solidFill>
+              </a:rPr>
+              <a:t>def</a:t>
+            </a:r>
+            <a:r>
+              <a:rPr lang="en-US" b="1" dirty="0"/>
+              <a:t> rebalance()</a:t>
+            </a:r>
+          </a:p>
+          <a:p>
+            <a:r>
+              <a:rPr lang="en-US" b="1" dirty="0">
+                <a:solidFill>
+                  <a:srgbClr val="3333B2"/>
+                </a:solidFill>
+              </a:rPr>
+              <a:t>def</a:t>
+            </a:r>
+            <a:r>
+              <a:rPr lang="en-US" b="1" dirty="0"/>
+              <a:t> deposit()</a:t>
+            </a:r>
+          </a:p>
+          <a:p>
+            <a:r>
+              <a:rPr lang="en-US" b="1" dirty="0"/>
+              <a:t>…</a:t>
+            </a:r>
+            <a:endParaRPr lang="ru-RU" b="1" dirty="0"/>
+          </a:p>
+        </p:txBody>
+      </p:sp>
+      <p:sp>
+        <p:nvSpPr>
+          <p:cNvPr id="5" name="Стрелка: вправо 4">
+            <a:extLst>
+              <a:ext uri="{FF2B5EF4-FFF2-40B4-BE49-F238E27FC236}">
+                <a16:creationId xmlns:a16="http://schemas.microsoft.com/office/drawing/2014/main" id="{85FF0D3E-D01C-C90F-4E2D-128B4D411751}"/>
+              </a:ext>
+            </a:extLst>
+          </p:cNvPr>
+          <p:cNvSpPr/>
+          <p:nvPr/>
+        </p:nvSpPr>
+        <p:spPr>
+          <a:xfrm rot="14254213" flipH="1">
+            <a:off x="1206395" y="2563493"/>
+            <a:ext cx="1075700" cy="401838"/>
+          </a:xfrm>
+          <a:prstGeom prst="rightArrow">
+            <a:avLst/>
+          </a:prstGeom>
+          <a:solidFill>
+            <a:srgbClr val="3333B2"/>
+          </a:solidFill>
+          <a:ln>
+            <a:noFill/>
+          </a:ln>
+        </p:spPr>
+        <p:style>
+          <a:lnRef idx="2">
+            <a:schemeClr val="accent1">
+              <a:shade val="15000"/>
+            </a:schemeClr>
+          </a:lnRef>
+          <a:fillRef idx="1">
+            <a:schemeClr val="accent1"/>
+          </a:fillRef>
+          <a:effectRef idx="0">
+            <a:schemeClr val="accent1"/>
+          </a:effectRef>
+          <a:fontRef idx="minor">
+            <a:schemeClr val="lt1"/>
+          </a:fontRef>
+        </p:style>
+        <p:txBody>
+          <a:bodyPr rtlCol="0" anchor="ctr"/>
+          <a:lstStyle/>
+          <a:p>
+            <a:pPr algn="ctr"/>
+            <a:endParaRPr lang="ru-RU"/>
+          </a:p>
+        </p:txBody>
+      </p:sp>
+      <p:sp>
+        <p:nvSpPr>
+          <p:cNvPr id="7" name="Стрелка: вправо 6">
+            <a:extLst>
+              <a:ext uri="{FF2B5EF4-FFF2-40B4-BE49-F238E27FC236}">
+                <a16:creationId xmlns:a16="http://schemas.microsoft.com/office/drawing/2014/main" id="{A555E31F-15AD-B35C-871F-F0BC035F4525}"/>
+              </a:ext>
+            </a:extLst>
+          </p:cNvPr>
+          <p:cNvSpPr/>
+          <p:nvPr/>
+        </p:nvSpPr>
+        <p:spPr>
+          <a:xfrm rot="17893742" flipH="1">
+            <a:off x="2622322" y="2556296"/>
+            <a:ext cx="1075700" cy="401838"/>
+          </a:xfrm>
+          <a:prstGeom prst="rightArrow">
+            <a:avLst/>
+          </a:prstGeom>
+          <a:solidFill>
+            <a:srgbClr val="3333B2"/>
+          </a:solidFill>
+          <a:ln>
+            <a:noFill/>
+          </a:ln>
+        </p:spPr>
+        <p:style>
+          <a:lnRef idx="2">
+            <a:schemeClr val="accent1">
+              <a:shade val="15000"/>
+            </a:schemeClr>
+          </a:lnRef>
+          <a:fillRef idx="1">
+            <a:schemeClr val="accent1"/>
+          </a:fillRef>
+          <a:effectRef idx="0">
+            <a:schemeClr val="accent1"/>
+          </a:effectRef>
+          <a:fontRef idx="minor">
+            <a:schemeClr val="lt1"/>
+          </a:fontRef>
+        </p:style>
+        <p:txBody>
+          <a:bodyPr rtlCol="0" anchor="ctr"/>
+          <a:lstStyle/>
+          <a:p>
+            <a:pPr algn="ctr"/>
+            <a:endParaRPr lang="ru-RU"/>
+          </a:p>
+        </p:txBody>
+      </p:sp>
+      <p:pic>
+        <p:nvPicPr>
+          <p:cNvPr id="9" name="Рисунок 8" descr="Компьютер со сплошной заливкой">
+            <a:extLst>
+              <a:ext uri="{FF2B5EF4-FFF2-40B4-BE49-F238E27FC236}">
+                <a16:creationId xmlns:a16="http://schemas.microsoft.com/office/drawing/2014/main" id="{9E2FC96E-CECB-E4EC-BD88-F20F01AF3538}"/>
+              </a:ext>
+            </a:extLst>
+          </p:cNvPr>
+          <p:cNvPicPr>
+            <a:picLocks noChangeAspect="1"/>
+          </p:cNvPicPr>
+          <p:nvPr/>
+        </p:nvPicPr>
+        <p:blipFill>
+          <a:blip r:embed="rId4">
+            <a:extLst>
+              <a:ext uri="{28A0092B-C50C-407E-A947-70E740481C1C}">
+                <a14:useLocalDpi xmlns:a14="http://schemas.microsoft.com/office/drawing/2010/main" val="0"/>
+              </a:ext>
+              <a:ext uri="{96DAC541-7B7A-43D3-8B79-37D633B846F1}">
+                <asvg:svgBlip xmlns:asvg="http://schemas.microsoft.com/office/drawing/2016/SVG/main" r:embed="rId5"/>
+              </a:ext>
+            </a:extLst>
+          </a:blip>
+          <a:stretch>
+            <a:fillRect/>
+          </a:stretch>
+        </p:blipFill>
+        <p:spPr>
+          <a:xfrm>
+            <a:off x="1902452" y="3429000"/>
+            <a:ext cx="1123950" cy="1123950"/>
+          </a:xfrm>
+          <a:prstGeom prst="rect">
+            <a:avLst/>
+          </a:prstGeom>
+        </p:spPr>
+      </p:pic>
+      <p:sp>
+        <p:nvSpPr>
+          <p:cNvPr id="10" name="Стрелка: вправо 9">
+            <a:extLst>
+              <a:ext uri="{FF2B5EF4-FFF2-40B4-BE49-F238E27FC236}">
+                <a16:creationId xmlns:a16="http://schemas.microsoft.com/office/drawing/2014/main" id="{5BB203BA-6B9F-AC3E-043F-6774A08CF56A}"/>
+              </a:ext>
+            </a:extLst>
+          </p:cNvPr>
+          <p:cNvSpPr/>
+          <p:nvPr/>
+        </p:nvSpPr>
+        <p:spPr>
+          <a:xfrm rot="16200000" flipH="1">
+            <a:off x="2149340" y="4769989"/>
+            <a:ext cx="630175" cy="401838"/>
+          </a:xfrm>
+          <a:prstGeom prst="rightArrow">
+            <a:avLst/>
+          </a:prstGeom>
+          <a:solidFill>
+            <a:srgbClr val="3333B2"/>
+          </a:solidFill>
+          <a:ln>
+            <a:noFill/>
+          </a:ln>
+        </p:spPr>
+        <p:style>
+          <a:lnRef idx="2">
+            <a:schemeClr val="accent1">
+              <a:shade val="15000"/>
+            </a:schemeClr>
+          </a:lnRef>
+          <a:fillRef idx="1">
+            <a:schemeClr val="accent1"/>
+          </a:fillRef>
+          <a:effectRef idx="0">
+            <a:schemeClr val="accent1"/>
+          </a:effectRef>
+          <a:fontRef idx="minor">
+            <a:schemeClr val="lt1"/>
+          </a:fontRef>
+        </p:style>
+        <p:txBody>
+          <a:bodyPr rtlCol="0" anchor="ctr"/>
+          <a:lstStyle/>
+          <a:p>
+            <a:pPr algn="ctr"/>
+            <a:endParaRPr lang="ru-RU"/>
+          </a:p>
+        </p:txBody>
+      </p:sp>
+      <p:pic>
+        <p:nvPicPr>
+          <p:cNvPr id="1026" name="Picture 2">
+            <a:extLst>
+              <a:ext uri="{FF2B5EF4-FFF2-40B4-BE49-F238E27FC236}">
+                <a16:creationId xmlns:a16="http://schemas.microsoft.com/office/drawing/2014/main" id="{AE583F86-394A-DA0D-8C77-BA580345943D}"/>
+              </a:ext>
+            </a:extLst>
+          </p:cNvPr>
+          <p:cNvPicPr>
+            <a:picLocks noChangeAspect="1" noChangeArrowheads="1"/>
+          </p:cNvPicPr>
+          <p:nvPr/>
+        </p:nvPicPr>
+        <p:blipFill>
+          <a:blip r:embed="rId6">
+            <a:extLst>
+              <a:ext uri="{28A0092B-C50C-407E-A947-70E740481C1C}">
+                <a14:useLocalDpi xmlns:a14="http://schemas.microsoft.com/office/drawing/2010/main" val="0"/>
+              </a:ext>
+            </a:extLst>
+          </a:blip>
+          <a:srcRect/>
+          <a:stretch>
+            <a:fillRect/>
+          </a:stretch>
+        </p:blipFill>
+        <p:spPr bwMode="auto">
+          <a:xfrm>
+            <a:off x="2168340" y="3796665"/>
+            <a:ext cx="244792" cy="268265"/>
+          </a:xfrm>
+          <a:prstGeom prst="rect">
+            <a:avLst/>
+          </a:prstGeom>
+          <a:noFill/>
+          <a:extLst>
+            <a:ext uri="{909E8E84-426E-40DD-AFC4-6F175D3DCCD1}">
+              <a14:hiddenFill xmlns:a14="http://schemas.microsoft.com/office/drawing/2010/main">
+                <a:solidFill>
+                  <a:srgbClr val="FFFFFF"/>
+                </a:solidFill>
+              </a14:hiddenFill>
+            </a:ext>
+          </a:extLst>
+        </p:spPr>
+      </p:pic>
+      <p:sp>
+        <p:nvSpPr>
+          <p:cNvPr id="11" name="TextBox 10">
+            <a:extLst>
+              <a:ext uri="{FF2B5EF4-FFF2-40B4-BE49-F238E27FC236}">
+                <a16:creationId xmlns:a16="http://schemas.microsoft.com/office/drawing/2014/main" id="{B069D09D-CB88-F50A-5064-6A1E88D2ED41}"/>
+              </a:ext>
+            </a:extLst>
+          </p:cNvPr>
+          <p:cNvSpPr txBox="1"/>
+          <p:nvPr/>
+        </p:nvSpPr>
+        <p:spPr>
+          <a:xfrm>
+            <a:off x="1540751" y="5388866"/>
+            <a:ext cx="1847352" cy="923330"/>
+          </a:xfrm>
+          <a:prstGeom prst="rect">
+            <a:avLst/>
+          </a:prstGeom>
+          <a:noFill/>
+        </p:spPr>
+        <p:txBody>
+          <a:bodyPr wrap="square" rtlCol="0">
+            <a:spAutoFit/>
+          </a:bodyPr>
+          <a:lstStyle/>
+          <a:p>
+            <a:pPr algn="ctr"/>
+            <a:r>
+              <a:rPr lang="en-US" b="1" dirty="0"/>
+              <a:t>Investment Strategy Performance </a:t>
+            </a:r>
+            <a:endParaRPr lang="ru-RU" b="1" dirty="0"/>
+          </a:p>
+        </p:txBody>
+      </p:sp>
     </p:spTree>
     <p:extLst>
       <p:ext uri="{BB962C8B-B14F-4D97-AF65-F5344CB8AC3E}">
-        <p14:creationId xmlns:p14="http://schemas.microsoft.com/office/powerpoint/2010/main" val="2367899738"/>
+        <p14:creationId xmlns:p14="http://schemas.microsoft.com/office/powerpoint/2010/main" val="3818966807"/>
       </p:ext>
     </p:extLst>
   </p:cSld>
@@ -8014,6 +11228,108 @@
       </p:grpSpPr>
       <p:pic>
         <p:nvPicPr>
+          <p:cNvPr id="3" name="Рисунок 2" descr="Изображение выглядит как линия, График, снимок экрана&#10;&#10;Автоматически созданное описание">
+            <a:extLst>
+              <a:ext uri="{FF2B5EF4-FFF2-40B4-BE49-F238E27FC236}">
+                <a16:creationId xmlns:a16="http://schemas.microsoft.com/office/drawing/2014/main" id="{8BA87F14-18E8-CAAF-14B0-87CA1BB440AF}"/>
+              </a:ext>
+            </a:extLst>
+          </p:cNvPr>
+          <p:cNvPicPr>
+            <a:picLocks noChangeAspect="1"/>
+          </p:cNvPicPr>
+          <p:nvPr/>
+        </p:nvPicPr>
+        <p:blipFill>
+          <a:blip r:embed="rId2">
+            <a:extLst>
+              <a:ext uri="{28A0092B-C50C-407E-A947-70E740481C1C}">
+                <a14:useLocalDpi xmlns:a14="http://schemas.microsoft.com/office/drawing/2010/main" val="0"/>
+              </a:ext>
+            </a:extLst>
+          </a:blip>
+          <a:stretch>
+            <a:fillRect/>
+          </a:stretch>
+        </p:blipFill>
+        <p:spPr>
+          <a:xfrm>
+            <a:off x="-831273" y="0"/>
+            <a:ext cx="14131639" cy="3028208"/>
+          </a:xfrm>
+          <a:prstGeom prst="rect">
+            <a:avLst/>
+          </a:prstGeom>
+        </p:spPr>
+      </p:pic>
+      <p:pic>
+        <p:nvPicPr>
+          <p:cNvPr id="5" name="Рисунок 4" descr="Изображение выглядит как снимок экрана&#10;&#10;Автоматически созданное описание">
+            <a:extLst>
+              <a:ext uri="{FF2B5EF4-FFF2-40B4-BE49-F238E27FC236}">
+                <a16:creationId xmlns:a16="http://schemas.microsoft.com/office/drawing/2014/main" id="{3E2B0BBD-ADD9-AF7D-5D79-210B7E6218D1}"/>
+              </a:ext>
+            </a:extLst>
+          </p:cNvPr>
+          <p:cNvPicPr>
+            <a:picLocks noChangeAspect="1"/>
+          </p:cNvPicPr>
+          <p:nvPr/>
+        </p:nvPicPr>
+        <p:blipFill>
+          <a:blip r:embed="rId3">
+            <a:extLst>
+              <a:ext uri="{28A0092B-C50C-407E-A947-70E740481C1C}">
+                <a14:useLocalDpi xmlns:a14="http://schemas.microsoft.com/office/drawing/2010/main" val="0"/>
+              </a:ext>
+            </a:extLst>
+          </a:blip>
+          <a:stretch>
+            <a:fillRect/>
+          </a:stretch>
+        </p:blipFill>
+        <p:spPr>
+          <a:xfrm>
+            <a:off x="-831273" y="3028208"/>
+            <a:ext cx="14131640" cy="3028208"/>
+          </a:xfrm>
+          <a:prstGeom prst="rect">
+            <a:avLst/>
+          </a:prstGeom>
+        </p:spPr>
+      </p:pic>
+    </p:spTree>
+    <p:extLst>
+      <p:ext uri="{BB962C8B-B14F-4D97-AF65-F5344CB8AC3E}">
+        <p14:creationId xmlns:p14="http://schemas.microsoft.com/office/powerpoint/2010/main" val="2367899738"/>
+      </p:ext>
+    </p:extLst>
+  </p:cSld>
+  <p:clrMapOvr>
+    <a:masterClrMapping/>
+  </p:clrMapOvr>
+</p:sld>
+</file>
+
+<file path=ppt/slides/slide7.xml><?xml version="1.0" encoding="utf-8"?>
+<p:sld xmlns:a="http://schemas.openxmlformats.org/drawingml/2006/main" xmlns:r="http://schemas.openxmlformats.org/officeDocument/2006/relationships" xmlns:p="http://schemas.openxmlformats.org/presentationml/2006/main">
+  <p:cSld>
+    <p:spTree>
+      <p:nvGrpSpPr>
+        <p:cNvPr id="1" name=""/>
+        <p:cNvGrpSpPr/>
+        <p:nvPr/>
+      </p:nvGrpSpPr>
+      <p:grpSpPr>
+        <a:xfrm>
+          <a:off x="0" y="0"/>
+          <a:ext cx="0" cy="0"/>
+          <a:chOff x="0" y="0"/>
+          <a:chExt cx="0" cy="0"/>
+        </a:xfrm>
+      </p:grpSpPr>
+      <p:pic>
+        <p:nvPicPr>
           <p:cNvPr id="2" name="Рисунок 1" descr="Изображение выглядит как текст, снимок экрана, диаграмма, Шрифт&#10;&#10;Автоматически созданное описание">
             <a:extLst>
               <a:ext uri="{FF2B5EF4-FFF2-40B4-BE49-F238E27FC236}">
@@ -8355,935 +11671,6 @@
 </p:sld>
 </file>
 
-<file path=ppt/slides/slide7.xml><?xml version="1.0" encoding="utf-8"?>
-<p:sld xmlns:a="http://schemas.openxmlformats.org/drawingml/2006/main" xmlns:r="http://schemas.openxmlformats.org/officeDocument/2006/relationships" xmlns:p="http://schemas.openxmlformats.org/presentationml/2006/main">
-  <p:cSld>
-    <p:spTree>
-      <p:nvGrpSpPr>
-        <p:cNvPr id="1" name=""/>
-        <p:cNvGrpSpPr/>
-        <p:nvPr/>
-      </p:nvGrpSpPr>
-      <p:grpSpPr>
-        <a:xfrm>
-          <a:off x="0" y="0"/>
-          <a:ext cx="0" cy="0"/>
-          <a:chOff x="0" y="0"/>
-          <a:chExt cx="0" cy="0"/>
-        </a:xfrm>
-      </p:grpSpPr>
-      <p:sp>
-        <p:nvSpPr>
-          <p:cNvPr id="2" name="Овал 1">
-            <a:extLst>
-              <a:ext uri="{FF2B5EF4-FFF2-40B4-BE49-F238E27FC236}">
-                <a16:creationId xmlns:a16="http://schemas.microsoft.com/office/drawing/2014/main" id="{497B28BA-7B71-582D-75EC-FC703214D104}"/>
-              </a:ext>
-            </a:extLst>
-          </p:cNvPr>
-          <p:cNvSpPr/>
-          <p:nvPr/>
-        </p:nvSpPr>
-        <p:spPr>
-          <a:xfrm>
-            <a:off x="156130" y="294321"/>
-            <a:ext cx="4149090" cy="3911917"/>
-          </a:xfrm>
-          <a:prstGeom prst="ellipse">
-            <a:avLst/>
-          </a:prstGeom>
-          <a:solidFill>
-            <a:srgbClr val="23237B"/>
-          </a:solidFill>
-          <a:ln>
-            <a:noFill/>
-          </a:ln>
-        </p:spPr>
-        <p:style>
-          <a:lnRef idx="2">
-            <a:schemeClr val="accent1">
-              <a:shade val="15000"/>
-            </a:schemeClr>
-          </a:lnRef>
-          <a:fillRef idx="1">
-            <a:schemeClr val="accent1"/>
-          </a:fillRef>
-          <a:effectRef idx="0">
-            <a:schemeClr val="accent1"/>
-          </a:effectRef>
-          <a:fontRef idx="minor">
-            <a:schemeClr val="lt1"/>
-          </a:fontRef>
-        </p:style>
-        <p:txBody>
-          <a:bodyPr rtlCol="0" anchor="ctr"/>
-          <a:lstStyle/>
-          <a:p>
-            <a:pPr algn="ctr"/>
-            <a:endParaRPr lang="ru-RU" dirty="0"/>
-          </a:p>
-        </p:txBody>
-      </p:sp>
-      <p:sp>
-        <p:nvSpPr>
-          <p:cNvPr id="7" name="Овал 6">
-            <a:extLst>
-              <a:ext uri="{FF2B5EF4-FFF2-40B4-BE49-F238E27FC236}">
-                <a16:creationId xmlns:a16="http://schemas.microsoft.com/office/drawing/2014/main" id="{58574EA0-6125-D231-FE20-06819C2BB438}"/>
-              </a:ext>
-            </a:extLst>
-          </p:cNvPr>
-          <p:cNvSpPr/>
-          <p:nvPr/>
-        </p:nvSpPr>
-        <p:spPr>
-          <a:xfrm>
-            <a:off x="2987040" y="1921192"/>
-            <a:ext cx="4149090" cy="3911917"/>
-          </a:xfrm>
-          <a:prstGeom prst="ellipse">
-            <a:avLst/>
-          </a:prstGeom>
-          <a:solidFill>
-            <a:srgbClr val="23237B"/>
-          </a:solidFill>
-          <a:ln>
-            <a:noFill/>
-          </a:ln>
-        </p:spPr>
-        <p:style>
-          <a:lnRef idx="2">
-            <a:schemeClr val="accent1">
-              <a:shade val="15000"/>
-            </a:schemeClr>
-          </a:lnRef>
-          <a:fillRef idx="1">
-            <a:schemeClr val="accent1"/>
-          </a:fillRef>
-          <a:effectRef idx="0">
-            <a:schemeClr val="accent1"/>
-          </a:effectRef>
-          <a:fontRef idx="minor">
-            <a:schemeClr val="lt1"/>
-          </a:fontRef>
-        </p:style>
-        <p:txBody>
-          <a:bodyPr rtlCol="0" anchor="ctr"/>
-          <a:lstStyle/>
-          <a:p>
-            <a:pPr algn="ctr"/>
-            <a:endParaRPr lang="ru-RU" dirty="0"/>
-          </a:p>
-        </p:txBody>
-      </p:sp>
-      <p:sp>
-        <p:nvSpPr>
-          <p:cNvPr id="8" name="Овал 7">
-            <a:extLst>
-              <a:ext uri="{FF2B5EF4-FFF2-40B4-BE49-F238E27FC236}">
-                <a16:creationId xmlns:a16="http://schemas.microsoft.com/office/drawing/2014/main" id="{39C245F3-1397-F433-F96E-6E492B894455}"/>
-              </a:ext>
-            </a:extLst>
-          </p:cNvPr>
-          <p:cNvSpPr/>
-          <p:nvPr/>
-        </p:nvSpPr>
-        <p:spPr>
-          <a:xfrm>
-            <a:off x="5642610" y="294321"/>
-            <a:ext cx="4149090" cy="3911917"/>
-          </a:xfrm>
-          <a:prstGeom prst="ellipse">
-            <a:avLst/>
-          </a:prstGeom>
-          <a:solidFill>
-            <a:srgbClr val="23237B"/>
-          </a:solidFill>
-          <a:ln>
-            <a:noFill/>
-          </a:ln>
-        </p:spPr>
-        <p:style>
-          <a:lnRef idx="2">
-            <a:schemeClr val="accent1">
-              <a:shade val="15000"/>
-            </a:schemeClr>
-          </a:lnRef>
-          <a:fillRef idx="1">
-            <a:schemeClr val="accent1"/>
-          </a:fillRef>
-          <a:effectRef idx="0">
-            <a:schemeClr val="accent1"/>
-          </a:effectRef>
-          <a:fontRef idx="minor">
-            <a:schemeClr val="lt1"/>
-          </a:fontRef>
-        </p:style>
-        <p:txBody>
-          <a:bodyPr rtlCol="0" anchor="ctr"/>
-          <a:lstStyle/>
-          <a:p>
-            <a:pPr algn="ctr"/>
-            <a:endParaRPr lang="ru-RU" dirty="0"/>
-          </a:p>
-        </p:txBody>
-      </p:sp>
-      <p:sp>
-        <p:nvSpPr>
-          <p:cNvPr id="9" name="Овал 8">
-            <a:extLst>
-              <a:ext uri="{FF2B5EF4-FFF2-40B4-BE49-F238E27FC236}">
-                <a16:creationId xmlns:a16="http://schemas.microsoft.com/office/drawing/2014/main" id="{2B13BF59-C84E-B80D-6BCF-0DCF5B101337}"/>
-              </a:ext>
-            </a:extLst>
-          </p:cNvPr>
-          <p:cNvSpPr/>
-          <p:nvPr/>
-        </p:nvSpPr>
-        <p:spPr>
-          <a:xfrm>
-            <a:off x="7865745" y="2651762"/>
-            <a:ext cx="4149090" cy="3911917"/>
-          </a:xfrm>
-          <a:prstGeom prst="ellipse">
-            <a:avLst/>
-          </a:prstGeom>
-          <a:solidFill>
-            <a:srgbClr val="23237B"/>
-          </a:solidFill>
-          <a:ln>
-            <a:noFill/>
-          </a:ln>
-        </p:spPr>
-        <p:style>
-          <a:lnRef idx="2">
-            <a:schemeClr val="accent1">
-              <a:shade val="15000"/>
-            </a:schemeClr>
-          </a:lnRef>
-          <a:fillRef idx="1">
-            <a:schemeClr val="accent1"/>
-          </a:fillRef>
-          <a:effectRef idx="0">
-            <a:schemeClr val="accent1"/>
-          </a:effectRef>
-          <a:fontRef idx="minor">
-            <a:schemeClr val="lt1"/>
-          </a:fontRef>
-        </p:style>
-        <p:txBody>
-          <a:bodyPr rtlCol="0" anchor="ctr"/>
-          <a:lstStyle/>
-          <a:p>
-            <a:pPr algn="ctr"/>
-            <a:endParaRPr lang="ru-RU" dirty="0"/>
-          </a:p>
-        </p:txBody>
-      </p:sp>
-      <p:sp>
-        <p:nvSpPr>
-          <p:cNvPr id="10" name="Овал 9">
-            <a:extLst>
-              <a:ext uri="{FF2B5EF4-FFF2-40B4-BE49-F238E27FC236}">
-                <a16:creationId xmlns:a16="http://schemas.microsoft.com/office/drawing/2014/main" id="{B0B85489-F367-C4E9-7921-6458BC475375}"/>
-              </a:ext>
-            </a:extLst>
-          </p:cNvPr>
-          <p:cNvSpPr/>
-          <p:nvPr/>
-        </p:nvSpPr>
-        <p:spPr>
-          <a:xfrm>
-            <a:off x="465772" y="456430"/>
-            <a:ext cx="3583305" cy="3587697"/>
-          </a:xfrm>
-          <a:prstGeom prst="ellipse">
-            <a:avLst/>
-          </a:prstGeom>
-          <a:solidFill>
-            <a:srgbClr val="3333B2"/>
-          </a:solidFill>
-          <a:ln>
-            <a:noFill/>
-          </a:ln>
-        </p:spPr>
-        <p:style>
-          <a:lnRef idx="2">
-            <a:schemeClr val="accent1">
-              <a:shade val="15000"/>
-            </a:schemeClr>
-          </a:lnRef>
-          <a:fillRef idx="1">
-            <a:schemeClr val="accent1"/>
-          </a:fillRef>
-          <a:effectRef idx="0">
-            <a:schemeClr val="accent1"/>
-          </a:effectRef>
-          <a:fontRef idx="minor">
-            <a:schemeClr val="lt1"/>
-          </a:fontRef>
-        </p:style>
-        <p:txBody>
-          <a:bodyPr rtlCol="0" anchor="ctr"/>
-          <a:lstStyle/>
-          <a:p>
-            <a:pPr algn="ctr"/>
-            <a:endParaRPr lang="ru-RU" dirty="0"/>
-          </a:p>
-        </p:txBody>
-      </p:sp>
-      <p:sp>
-        <p:nvSpPr>
-          <p:cNvPr id="11" name="Овал 10">
-            <a:extLst>
-              <a:ext uri="{FF2B5EF4-FFF2-40B4-BE49-F238E27FC236}">
-                <a16:creationId xmlns:a16="http://schemas.microsoft.com/office/drawing/2014/main" id="{9557299F-2A24-1560-4D53-E825E7AA18D6}"/>
-              </a:ext>
-            </a:extLst>
-          </p:cNvPr>
-          <p:cNvSpPr/>
-          <p:nvPr/>
-        </p:nvSpPr>
-        <p:spPr>
-          <a:xfrm>
-            <a:off x="3269932" y="2083300"/>
-            <a:ext cx="3583305" cy="3587697"/>
-          </a:xfrm>
-          <a:prstGeom prst="ellipse">
-            <a:avLst/>
-          </a:prstGeom>
-          <a:solidFill>
-            <a:srgbClr val="3333B2"/>
-          </a:solidFill>
-          <a:ln>
-            <a:noFill/>
-          </a:ln>
-        </p:spPr>
-        <p:style>
-          <a:lnRef idx="2">
-            <a:schemeClr val="accent1">
-              <a:shade val="15000"/>
-            </a:schemeClr>
-          </a:lnRef>
-          <a:fillRef idx="1">
-            <a:schemeClr val="accent1"/>
-          </a:fillRef>
-          <a:effectRef idx="0">
-            <a:schemeClr val="accent1"/>
-          </a:effectRef>
-          <a:fontRef idx="minor">
-            <a:schemeClr val="lt1"/>
-          </a:fontRef>
-        </p:style>
-        <p:txBody>
-          <a:bodyPr rtlCol="0" anchor="ctr"/>
-          <a:lstStyle/>
-          <a:p>
-            <a:pPr algn="ctr"/>
-            <a:endParaRPr lang="ru-RU" dirty="0"/>
-          </a:p>
-        </p:txBody>
-      </p:sp>
-      <p:sp>
-        <p:nvSpPr>
-          <p:cNvPr id="12" name="Овал 11">
-            <a:extLst>
-              <a:ext uri="{FF2B5EF4-FFF2-40B4-BE49-F238E27FC236}">
-                <a16:creationId xmlns:a16="http://schemas.microsoft.com/office/drawing/2014/main" id="{CEEF70CA-1262-644C-D0FA-B24C75670F19}"/>
-              </a:ext>
-            </a:extLst>
-          </p:cNvPr>
-          <p:cNvSpPr/>
-          <p:nvPr/>
-        </p:nvSpPr>
-        <p:spPr>
-          <a:xfrm>
-            <a:off x="5925502" y="456429"/>
-            <a:ext cx="3583305" cy="3587697"/>
-          </a:xfrm>
-          <a:prstGeom prst="ellipse">
-            <a:avLst/>
-          </a:prstGeom>
-          <a:solidFill>
-            <a:srgbClr val="3333B2"/>
-          </a:solidFill>
-          <a:ln>
-            <a:noFill/>
-          </a:ln>
-        </p:spPr>
-        <p:style>
-          <a:lnRef idx="2">
-            <a:schemeClr val="accent1">
-              <a:shade val="15000"/>
-            </a:schemeClr>
-          </a:lnRef>
-          <a:fillRef idx="1">
-            <a:schemeClr val="accent1"/>
-          </a:fillRef>
-          <a:effectRef idx="0">
-            <a:schemeClr val="accent1"/>
-          </a:effectRef>
-          <a:fontRef idx="minor">
-            <a:schemeClr val="lt1"/>
-          </a:fontRef>
-        </p:style>
-        <p:txBody>
-          <a:bodyPr rtlCol="0" anchor="ctr"/>
-          <a:lstStyle/>
-          <a:p>
-            <a:pPr algn="ctr"/>
-            <a:endParaRPr lang="ru-RU" dirty="0"/>
-          </a:p>
-        </p:txBody>
-      </p:sp>
-      <p:sp>
-        <p:nvSpPr>
-          <p:cNvPr id="13" name="Овал 12">
-            <a:extLst>
-              <a:ext uri="{FF2B5EF4-FFF2-40B4-BE49-F238E27FC236}">
-                <a16:creationId xmlns:a16="http://schemas.microsoft.com/office/drawing/2014/main" id="{E8B0F9CB-8C3C-F3C2-8FDA-0C7E1F756818}"/>
-              </a:ext>
-            </a:extLst>
-          </p:cNvPr>
-          <p:cNvSpPr/>
-          <p:nvPr/>
-        </p:nvSpPr>
-        <p:spPr>
-          <a:xfrm>
-            <a:off x="8163877" y="2813870"/>
-            <a:ext cx="3583305" cy="3587697"/>
-          </a:xfrm>
-          <a:prstGeom prst="ellipse">
-            <a:avLst/>
-          </a:prstGeom>
-          <a:solidFill>
-            <a:srgbClr val="3333B2"/>
-          </a:solidFill>
-          <a:ln>
-            <a:noFill/>
-          </a:ln>
-        </p:spPr>
-        <p:style>
-          <a:lnRef idx="2">
-            <a:schemeClr val="accent1">
-              <a:shade val="15000"/>
-            </a:schemeClr>
-          </a:lnRef>
-          <a:fillRef idx="1">
-            <a:schemeClr val="accent1"/>
-          </a:fillRef>
-          <a:effectRef idx="0">
-            <a:schemeClr val="accent1"/>
-          </a:effectRef>
-          <a:fontRef idx="minor">
-            <a:schemeClr val="lt1"/>
-          </a:fontRef>
-        </p:style>
-        <p:txBody>
-          <a:bodyPr rtlCol="0" anchor="ctr"/>
-          <a:lstStyle/>
-          <a:p>
-            <a:pPr algn="ctr"/>
-            <a:endParaRPr lang="ru-RU" dirty="0"/>
-          </a:p>
-        </p:txBody>
-      </p:sp>
-      <p:sp>
-        <p:nvSpPr>
-          <p:cNvPr id="14" name="TextBox 13">
-            <a:extLst>
-              <a:ext uri="{FF2B5EF4-FFF2-40B4-BE49-F238E27FC236}">
-                <a16:creationId xmlns:a16="http://schemas.microsoft.com/office/drawing/2014/main" id="{AF813D4C-AE05-1A82-9B58-B0681FC88DF7}"/>
-              </a:ext>
-            </a:extLst>
-          </p:cNvPr>
-          <p:cNvSpPr txBox="1"/>
-          <p:nvPr/>
-        </p:nvSpPr>
-        <p:spPr>
-          <a:xfrm>
-            <a:off x="653335" y="1496352"/>
-            <a:ext cx="3271256" cy="584775"/>
-          </a:xfrm>
-          <a:prstGeom prst="rect">
-            <a:avLst/>
-          </a:prstGeom>
-          <a:noFill/>
-        </p:spPr>
-        <p:txBody>
-          <a:bodyPr wrap="square" rtlCol="0">
-            <a:spAutoFit/>
-          </a:bodyPr>
-          <a:lstStyle/>
-          <a:p>
-            <a:pPr algn="ctr"/>
-            <a:r>
-              <a:rPr lang="ru-RU" sz="3200" b="1" dirty="0">
-                <a:solidFill>
-                  <a:schemeClr val="bg1"/>
-                </a:solidFill>
-              </a:rPr>
-              <a:t>Инфляционный</a:t>
-            </a:r>
-          </a:p>
-        </p:txBody>
-      </p:sp>
-      <p:pic>
-        <p:nvPicPr>
-          <p:cNvPr id="16" name="Рисунок 15" descr="Тенденция к повышению со сплошной заливкой">
-            <a:extLst>
-              <a:ext uri="{FF2B5EF4-FFF2-40B4-BE49-F238E27FC236}">
-                <a16:creationId xmlns:a16="http://schemas.microsoft.com/office/drawing/2014/main" id="{E8CF1787-C61A-786A-28F2-1D3C96506F98}"/>
-              </a:ext>
-            </a:extLst>
-          </p:cNvPr>
-          <p:cNvPicPr>
-            <a:picLocks noChangeAspect="1"/>
-          </p:cNvPicPr>
-          <p:nvPr/>
-        </p:nvPicPr>
-        <p:blipFill>
-          <a:blip r:embed="rId3">
-            <a:extLst>
-              <a:ext uri="{28A0092B-C50C-407E-A947-70E740481C1C}">
-                <a14:useLocalDpi xmlns:a14="http://schemas.microsoft.com/office/drawing/2010/main" val="0"/>
-              </a:ext>
-              <a:ext uri="{96DAC541-7B7A-43D3-8B79-37D633B846F1}">
-                <asvg:svgBlip xmlns:asvg="http://schemas.microsoft.com/office/drawing/2016/SVG/main" r:embed="rId4"/>
-              </a:ext>
-            </a:extLst>
-          </a:blip>
-          <a:stretch>
-            <a:fillRect/>
-          </a:stretch>
-        </p:blipFill>
-        <p:spPr>
-          <a:xfrm>
-            <a:off x="1800224" y="645680"/>
-            <a:ext cx="914400" cy="914400"/>
-          </a:xfrm>
-          <a:prstGeom prst="rect">
-            <a:avLst/>
-          </a:prstGeom>
-        </p:spPr>
-      </p:pic>
-      <p:sp>
-        <p:nvSpPr>
-          <p:cNvPr id="17" name="TextBox 16">
-            <a:extLst>
-              <a:ext uri="{FF2B5EF4-FFF2-40B4-BE49-F238E27FC236}">
-                <a16:creationId xmlns:a16="http://schemas.microsoft.com/office/drawing/2014/main" id="{41A41F03-AB3C-B6DB-B6D4-A32E6DF13DD3}"/>
-              </a:ext>
-            </a:extLst>
-          </p:cNvPr>
-          <p:cNvSpPr txBox="1"/>
-          <p:nvPr/>
-        </p:nvSpPr>
-        <p:spPr>
-          <a:xfrm>
-            <a:off x="877172" y="2145366"/>
-            <a:ext cx="3271256" cy="1107996"/>
-          </a:xfrm>
-          <a:prstGeom prst="rect">
-            <a:avLst/>
-          </a:prstGeom>
-          <a:noFill/>
-        </p:spPr>
-        <p:txBody>
-          <a:bodyPr wrap="square" rtlCol="0">
-            <a:spAutoFit/>
-          </a:bodyPr>
-          <a:lstStyle/>
-          <a:p>
-            <a:r>
-              <a:rPr lang="ru-RU" sz="2200" dirty="0">
-                <a:solidFill>
-                  <a:schemeClr val="bg1"/>
-                </a:solidFill>
-              </a:rPr>
-              <a:t>Инвестируем, а не храним деньги в наличных</a:t>
-            </a:r>
-          </a:p>
-        </p:txBody>
-      </p:sp>
-      <p:sp>
-        <p:nvSpPr>
-          <p:cNvPr id="18" name="TextBox 17">
-            <a:extLst>
-              <a:ext uri="{FF2B5EF4-FFF2-40B4-BE49-F238E27FC236}">
-                <a16:creationId xmlns:a16="http://schemas.microsoft.com/office/drawing/2014/main" id="{00B70686-9CBC-BC1C-60EB-1B642BB4AC14}"/>
-              </a:ext>
-            </a:extLst>
-          </p:cNvPr>
-          <p:cNvSpPr txBox="1"/>
-          <p:nvPr/>
-        </p:nvSpPr>
-        <p:spPr>
-          <a:xfrm>
-            <a:off x="3425956" y="3002357"/>
-            <a:ext cx="3271256" cy="1077218"/>
-          </a:xfrm>
-          <a:prstGeom prst="rect">
-            <a:avLst/>
-          </a:prstGeom>
-          <a:noFill/>
-        </p:spPr>
-        <p:txBody>
-          <a:bodyPr wrap="square" rtlCol="0">
-            <a:spAutoFit/>
-          </a:bodyPr>
-          <a:lstStyle/>
-          <a:p>
-            <a:pPr algn="ctr"/>
-            <a:r>
-              <a:rPr lang="ru-RU" sz="3200" b="1" dirty="0">
-                <a:solidFill>
-                  <a:schemeClr val="bg1"/>
-                </a:solidFill>
-              </a:rPr>
-              <a:t>Процентной ставки</a:t>
-            </a:r>
-          </a:p>
-        </p:txBody>
-      </p:sp>
-      <p:sp>
-        <p:nvSpPr>
-          <p:cNvPr id="19" name="TextBox 18">
-            <a:extLst>
-              <a:ext uri="{FF2B5EF4-FFF2-40B4-BE49-F238E27FC236}">
-                <a16:creationId xmlns:a16="http://schemas.microsoft.com/office/drawing/2014/main" id="{8D1102D4-3722-E8C5-FCCF-CDC65CE34819}"/>
-              </a:ext>
-            </a:extLst>
-          </p:cNvPr>
-          <p:cNvSpPr txBox="1"/>
-          <p:nvPr/>
-        </p:nvSpPr>
-        <p:spPr>
-          <a:xfrm>
-            <a:off x="3394419" y="2099199"/>
-            <a:ext cx="3271256" cy="1200329"/>
-          </a:xfrm>
-          <a:prstGeom prst="rect">
-            <a:avLst/>
-          </a:prstGeom>
-          <a:noFill/>
-        </p:spPr>
-        <p:txBody>
-          <a:bodyPr wrap="square" rtlCol="0">
-            <a:spAutoFit/>
-          </a:bodyPr>
-          <a:lstStyle/>
-          <a:p>
-            <a:pPr algn="ctr"/>
-            <a:r>
-              <a:rPr lang="ru-RU" sz="7200" b="1" i="1" dirty="0">
-                <a:solidFill>
-                  <a:schemeClr val="bg1"/>
-                </a:solidFill>
-              </a:rPr>
-              <a:t>%</a:t>
-            </a:r>
-          </a:p>
-        </p:txBody>
-      </p:sp>
-      <p:sp>
-        <p:nvSpPr>
-          <p:cNvPr id="20" name="TextBox 19">
-            <a:extLst>
-              <a:ext uri="{FF2B5EF4-FFF2-40B4-BE49-F238E27FC236}">
-                <a16:creationId xmlns:a16="http://schemas.microsoft.com/office/drawing/2014/main" id="{576601B5-1E03-BD35-F642-35DDC1BAECF6}"/>
-              </a:ext>
-            </a:extLst>
-          </p:cNvPr>
-          <p:cNvSpPr txBox="1"/>
-          <p:nvPr/>
-        </p:nvSpPr>
-        <p:spPr>
-          <a:xfrm>
-            <a:off x="3923929" y="4138164"/>
-            <a:ext cx="2517909" cy="1107996"/>
-          </a:xfrm>
-          <a:prstGeom prst="rect">
-            <a:avLst/>
-          </a:prstGeom>
-          <a:noFill/>
-        </p:spPr>
-        <p:txBody>
-          <a:bodyPr wrap="square" rtlCol="0">
-            <a:spAutoFit/>
-          </a:bodyPr>
-          <a:lstStyle/>
-          <a:p>
-            <a:r>
-              <a:rPr lang="ru-RU" sz="2200" dirty="0">
-                <a:solidFill>
-                  <a:schemeClr val="bg1"/>
-                </a:solidFill>
-              </a:rPr>
-              <a:t>Облигации с разным сроком погашения</a:t>
-            </a:r>
-          </a:p>
-        </p:txBody>
-      </p:sp>
-      <p:pic>
-        <p:nvPicPr>
-          <p:cNvPr id="22" name="Рисунок 21" descr="Доллар со сплошной заливкой">
-            <a:extLst>
-              <a:ext uri="{FF2B5EF4-FFF2-40B4-BE49-F238E27FC236}">
-                <a16:creationId xmlns:a16="http://schemas.microsoft.com/office/drawing/2014/main" id="{6819B6C9-5E70-2C91-9FD6-99FC61DA83E7}"/>
-              </a:ext>
-            </a:extLst>
-          </p:cNvPr>
-          <p:cNvPicPr>
-            <a:picLocks noChangeAspect="1"/>
-          </p:cNvPicPr>
-          <p:nvPr/>
-        </p:nvPicPr>
-        <p:blipFill>
-          <a:blip r:embed="rId5">
-            <a:extLst>
-              <a:ext uri="{28A0092B-C50C-407E-A947-70E740481C1C}">
-                <a14:useLocalDpi xmlns:a14="http://schemas.microsoft.com/office/drawing/2010/main" val="0"/>
-              </a:ext>
-              <a:ext uri="{96DAC541-7B7A-43D3-8B79-37D633B846F1}">
-                <asvg:svgBlip xmlns:asvg="http://schemas.microsoft.com/office/drawing/2016/SVG/main" r:embed="rId6"/>
-              </a:ext>
-            </a:extLst>
-          </a:blip>
-          <a:stretch>
-            <a:fillRect/>
-          </a:stretch>
-        </p:blipFill>
-        <p:spPr>
-          <a:xfrm>
-            <a:off x="7259954" y="532979"/>
-            <a:ext cx="914400" cy="914400"/>
-          </a:xfrm>
-          <a:prstGeom prst="rect">
-            <a:avLst/>
-          </a:prstGeom>
-        </p:spPr>
-      </p:pic>
-      <p:sp>
-        <p:nvSpPr>
-          <p:cNvPr id="23" name="TextBox 22">
-            <a:extLst>
-              <a:ext uri="{FF2B5EF4-FFF2-40B4-BE49-F238E27FC236}">
-                <a16:creationId xmlns:a16="http://schemas.microsoft.com/office/drawing/2014/main" id="{7F417B43-A640-BFCE-C12B-47DD2F9344D7}"/>
-              </a:ext>
-            </a:extLst>
-          </p:cNvPr>
-          <p:cNvSpPr txBox="1"/>
-          <p:nvPr/>
-        </p:nvSpPr>
-        <p:spPr>
-          <a:xfrm>
-            <a:off x="6117035" y="1317737"/>
-            <a:ext cx="3271256" cy="584775"/>
-          </a:xfrm>
-          <a:prstGeom prst="rect">
-            <a:avLst/>
-          </a:prstGeom>
-          <a:noFill/>
-        </p:spPr>
-        <p:txBody>
-          <a:bodyPr wrap="square" rtlCol="0">
-            <a:spAutoFit/>
-          </a:bodyPr>
-          <a:lstStyle/>
-          <a:p>
-            <a:pPr algn="ctr"/>
-            <a:r>
-              <a:rPr lang="ru-RU" sz="3200" b="1" dirty="0">
-                <a:solidFill>
-                  <a:schemeClr val="bg1"/>
-                </a:solidFill>
-              </a:rPr>
-              <a:t>Валютный</a:t>
-            </a:r>
-          </a:p>
-        </p:txBody>
-      </p:sp>
-      <p:sp>
-        <p:nvSpPr>
-          <p:cNvPr id="24" name="TextBox 23">
-            <a:extLst>
-              <a:ext uri="{FF2B5EF4-FFF2-40B4-BE49-F238E27FC236}">
-                <a16:creationId xmlns:a16="http://schemas.microsoft.com/office/drawing/2014/main" id="{8DCCF220-90EC-10E6-D7E5-F7878D91D4E3}"/>
-              </a:ext>
-            </a:extLst>
-          </p:cNvPr>
-          <p:cNvSpPr txBox="1"/>
-          <p:nvPr/>
-        </p:nvSpPr>
-        <p:spPr>
-          <a:xfrm>
-            <a:off x="6790163" y="1921188"/>
-            <a:ext cx="2216678" cy="1785104"/>
-          </a:xfrm>
-          <a:prstGeom prst="rect">
-            <a:avLst/>
-          </a:prstGeom>
-          <a:noFill/>
-        </p:spPr>
-        <p:txBody>
-          <a:bodyPr wrap="square" rtlCol="0">
-            <a:spAutoFit/>
-          </a:bodyPr>
-          <a:lstStyle/>
-          <a:p>
-            <a:r>
-              <a:rPr lang="ru-RU" sz="2200" dirty="0">
-                <a:solidFill>
-                  <a:schemeClr val="bg1"/>
-                </a:solidFill>
-              </a:rPr>
-              <a:t>Инвестируем в российские активы (внешние ограничения)</a:t>
-            </a:r>
-          </a:p>
-        </p:txBody>
-      </p:sp>
-      <p:pic>
-        <p:nvPicPr>
-          <p:cNvPr id="26" name="Рисунок 25" descr="Портфель со сплошной заливкой">
-            <a:extLst>
-              <a:ext uri="{FF2B5EF4-FFF2-40B4-BE49-F238E27FC236}">
-                <a16:creationId xmlns:a16="http://schemas.microsoft.com/office/drawing/2014/main" id="{EAF0609F-E9C6-D032-0134-E5F83FF4172D}"/>
-              </a:ext>
-            </a:extLst>
-          </p:cNvPr>
-          <p:cNvPicPr>
-            <a:picLocks noChangeAspect="1"/>
-          </p:cNvPicPr>
-          <p:nvPr/>
-        </p:nvPicPr>
-        <p:blipFill>
-          <a:blip r:embed="rId7">
-            <a:extLst>
-              <a:ext uri="{28A0092B-C50C-407E-A947-70E740481C1C}">
-                <a14:useLocalDpi xmlns:a14="http://schemas.microsoft.com/office/drawing/2010/main" val="0"/>
-              </a:ext>
-              <a:ext uri="{96DAC541-7B7A-43D3-8B79-37D633B846F1}">
-                <asvg:svgBlip xmlns:asvg="http://schemas.microsoft.com/office/drawing/2016/SVG/main" r:embed="rId8"/>
-              </a:ext>
-            </a:extLst>
-          </a:blip>
-          <a:stretch>
-            <a:fillRect/>
-          </a:stretch>
-        </p:blipFill>
-        <p:spPr>
-          <a:xfrm>
-            <a:off x="9531667" y="3129726"/>
-            <a:ext cx="914400" cy="914400"/>
-          </a:xfrm>
-          <a:prstGeom prst="rect">
-            <a:avLst/>
-          </a:prstGeom>
-        </p:spPr>
-      </p:pic>
-      <p:sp>
-        <p:nvSpPr>
-          <p:cNvPr id="28" name="TextBox 27">
-            <a:extLst>
-              <a:ext uri="{FF2B5EF4-FFF2-40B4-BE49-F238E27FC236}">
-                <a16:creationId xmlns:a16="http://schemas.microsoft.com/office/drawing/2014/main" id="{E9F9D403-5159-0924-4B50-A76D797811EF}"/>
-              </a:ext>
-            </a:extLst>
-          </p:cNvPr>
-          <p:cNvSpPr txBox="1"/>
-          <p:nvPr/>
-        </p:nvSpPr>
-        <p:spPr>
-          <a:xfrm>
-            <a:off x="8446770" y="3913846"/>
-            <a:ext cx="3271256" cy="584775"/>
-          </a:xfrm>
-          <a:prstGeom prst="rect">
-            <a:avLst/>
-          </a:prstGeom>
-          <a:noFill/>
-        </p:spPr>
-        <p:txBody>
-          <a:bodyPr wrap="square" rtlCol="0">
-            <a:spAutoFit/>
-          </a:bodyPr>
-          <a:lstStyle/>
-          <a:p>
-            <a:pPr algn="ctr"/>
-            <a:r>
-              <a:rPr lang="ru-RU" sz="3200" b="1" dirty="0">
-                <a:solidFill>
-                  <a:schemeClr val="bg1"/>
-                </a:solidFill>
-              </a:rPr>
-              <a:t>Специфические</a:t>
-            </a:r>
-          </a:p>
-        </p:txBody>
-      </p:sp>
-      <p:sp>
-        <p:nvSpPr>
-          <p:cNvPr id="29" name="TextBox 28">
-            <a:extLst>
-              <a:ext uri="{FF2B5EF4-FFF2-40B4-BE49-F238E27FC236}">
-                <a16:creationId xmlns:a16="http://schemas.microsoft.com/office/drawing/2014/main" id="{D8DC8E0D-B7CE-5B30-DBA7-AE09B0B7043B}"/>
-              </a:ext>
-            </a:extLst>
-          </p:cNvPr>
-          <p:cNvSpPr txBox="1"/>
-          <p:nvPr/>
-        </p:nvSpPr>
-        <p:spPr>
-          <a:xfrm>
-            <a:off x="8681335" y="4486415"/>
-            <a:ext cx="2517909" cy="1107996"/>
-          </a:xfrm>
-          <a:prstGeom prst="rect">
-            <a:avLst/>
-          </a:prstGeom>
-          <a:noFill/>
-        </p:spPr>
-        <p:txBody>
-          <a:bodyPr wrap="square" rtlCol="0">
-            <a:spAutoFit/>
-          </a:bodyPr>
-          <a:lstStyle/>
-          <a:p>
-            <a:r>
-              <a:rPr lang="ru-RU" sz="2200" dirty="0">
-                <a:solidFill>
-                  <a:schemeClr val="bg1"/>
-                </a:solidFill>
-              </a:rPr>
-              <a:t>Диверсификация.</a:t>
-            </a:r>
-          </a:p>
-          <a:p>
-            <a:r>
-              <a:rPr lang="ru-RU" sz="2200" dirty="0">
-                <a:solidFill>
-                  <a:schemeClr val="bg1"/>
-                </a:solidFill>
-              </a:rPr>
-              <a:t>Компании разных отраслей</a:t>
-            </a:r>
-          </a:p>
-        </p:txBody>
-      </p:sp>
-    </p:spTree>
-    <p:extLst>
-      <p:ext uri="{BB962C8B-B14F-4D97-AF65-F5344CB8AC3E}">
-        <p14:creationId xmlns:p14="http://schemas.microsoft.com/office/powerpoint/2010/main" val="9044360"/>
-      </p:ext>
-    </p:extLst>
-  </p:cSld>
-  <p:clrMapOvr>
-    <a:masterClrMapping/>
-  </p:clrMapOvr>
-</p:sld>
-</file>
-
 <file path=ppt/slides/slide8.xml><?xml version="1.0" encoding="utf-8"?>
 <p:sld xmlns:a="http://schemas.openxmlformats.org/drawingml/2006/main" xmlns:r="http://schemas.openxmlformats.org/officeDocument/2006/relationships" xmlns:p="http://schemas.openxmlformats.org/presentationml/2006/main">
   <p:cSld>
@@ -9306,7 +11693,7 @@
           <p:cNvPr id="2" name="Овал 1">
             <a:extLst>
               <a:ext uri="{FF2B5EF4-FFF2-40B4-BE49-F238E27FC236}">
-                <a16:creationId xmlns:a16="http://schemas.microsoft.com/office/drawing/2014/main" id="{956DAF9A-D578-68D2-E968-CEAAFDF8FD81}"/>
+                <a16:creationId xmlns:a16="http://schemas.microsoft.com/office/drawing/2014/main" id="{497B28BA-7B71-582D-75EC-FC703214D104}"/>
               </a:ext>
             </a:extLst>
           </p:cNvPr>
@@ -9315,8 +11702,8 @@
         </p:nvSpPr>
         <p:spPr>
           <a:xfrm>
-            <a:off x="105245" y="67149"/>
-            <a:ext cx="4154160" cy="3694749"/>
+            <a:off x="156130" y="294321"/>
+            <a:ext cx="4149090" cy="3911917"/>
           </a:xfrm>
           <a:prstGeom prst="ellipse">
             <a:avLst/>
@@ -9355,10 +11742,10 @@
       </p:sp>
       <p:sp>
         <p:nvSpPr>
-          <p:cNvPr id="10" name="Овал 9">
-            <a:extLst>
-              <a:ext uri="{FF2B5EF4-FFF2-40B4-BE49-F238E27FC236}">
-                <a16:creationId xmlns:a16="http://schemas.microsoft.com/office/drawing/2014/main" id="{A14B7B39-E65C-9C2F-8291-348B93BFA041}"/>
+          <p:cNvPr id="7" name="Овал 6">
+            <a:extLst>
+              <a:ext uri="{FF2B5EF4-FFF2-40B4-BE49-F238E27FC236}">
+                <a16:creationId xmlns:a16="http://schemas.microsoft.com/office/drawing/2014/main" id="{58574EA0-6125-D231-FE20-06819C2BB438}"/>
               </a:ext>
             </a:extLst>
           </p:cNvPr>
@@ -9367,8 +11754,8 @@
         </p:nvSpPr>
         <p:spPr>
           <a:xfrm>
-            <a:off x="1059650" y="2767011"/>
-            <a:ext cx="4154160" cy="3694749"/>
+            <a:off x="2987040" y="1921192"/>
+            <a:ext cx="4149090" cy="3911917"/>
           </a:xfrm>
           <a:prstGeom prst="ellipse">
             <a:avLst/>
@@ -9407,10 +11794,10 @@
       </p:sp>
       <p:sp>
         <p:nvSpPr>
-          <p:cNvPr id="11" name="Овал 10">
-            <a:extLst>
-              <a:ext uri="{FF2B5EF4-FFF2-40B4-BE49-F238E27FC236}">
-                <a16:creationId xmlns:a16="http://schemas.microsoft.com/office/drawing/2014/main" id="{8109B35A-648A-7482-02CD-EA33F10CDF5E}"/>
+          <p:cNvPr id="8" name="Овал 7">
+            <a:extLst>
+              <a:ext uri="{FF2B5EF4-FFF2-40B4-BE49-F238E27FC236}">
+                <a16:creationId xmlns:a16="http://schemas.microsoft.com/office/drawing/2014/main" id="{39C245F3-1397-F433-F96E-6E492B894455}"/>
               </a:ext>
             </a:extLst>
           </p:cNvPr>
@@ -9419,8 +11806,8 @@
         </p:nvSpPr>
         <p:spPr>
           <a:xfrm>
-            <a:off x="4091135" y="1199196"/>
-            <a:ext cx="4154160" cy="3694749"/>
+            <a:off x="5642610" y="294321"/>
+            <a:ext cx="4149090" cy="3911917"/>
           </a:xfrm>
           <a:prstGeom prst="ellipse">
             <a:avLst/>
@@ -9459,10 +11846,10 @@
       </p:sp>
       <p:sp>
         <p:nvSpPr>
-          <p:cNvPr id="12" name="Овал 11">
-            <a:extLst>
-              <a:ext uri="{FF2B5EF4-FFF2-40B4-BE49-F238E27FC236}">
-                <a16:creationId xmlns:a16="http://schemas.microsoft.com/office/drawing/2014/main" id="{046192D7-EE11-E2A0-8953-4FBC820B36C2}"/>
+          <p:cNvPr id="9" name="Овал 8">
+            <a:extLst>
+              <a:ext uri="{FF2B5EF4-FFF2-40B4-BE49-F238E27FC236}">
+                <a16:creationId xmlns:a16="http://schemas.microsoft.com/office/drawing/2014/main" id="{2B13BF59-C84E-B80D-6BCF-0DCF5B101337}"/>
               </a:ext>
             </a:extLst>
           </p:cNvPr>
@@ -9471,8 +11858,8 @@
         </p:nvSpPr>
         <p:spPr>
           <a:xfrm>
-            <a:off x="7434490" y="135729"/>
-            <a:ext cx="4154160" cy="3694749"/>
+            <a:off x="7865745" y="2651762"/>
+            <a:ext cx="4149090" cy="3911917"/>
           </a:xfrm>
           <a:prstGeom prst="ellipse">
             <a:avLst/>
@@ -9511,10 +11898,10 @@
       </p:sp>
       <p:sp>
         <p:nvSpPr>
-          <p:cNvPr id="13" name="Овал 12">
-            <a:extLst>
-              <a:ext uri="{FF2B5EF4-FFF2-40B4-BE49-F238E27FC236}">
-                <a16:creationId xmlns:a16="http://schemas.microsoft.com/office/drawing/2014/main" id="{7AA56A49-3EFB-BCF8-5F78-4138F2F7E2BC}"/>
+          <p:cNvPr id="10" name="Овал 9">
+            <a:extLst>
+              <a:ext uri="{FF2B5EF4-FFF2-40B4-BE49-F238E27FC236}">
+                <a16:creationId xmlns:a16="http://schemas.microsoft.com/office/drawing/2014/main" id="{B0B85489-F367-C4E9-7921-6458BC475375}"/>
               </a:ext>
             </a:extLst>
           </p:cNvPr>
@@ -9523,14 +11910,14 @@
         </p:nvSpPr>
         <p:spPr>
           <a:xfrm>
-            <a:off x="8037840" y="3046570"/>
-            <a:ext cx="4154160" cy="3694749"/>
+            <a:off x="465772" y="456430"/>
+            <a:ext cx="3583305" cy="3587697"/>
           </a:xfrm>
           <a:prstGeom prst="ellipse">
             <a:avLst/>
           </a:prstGeom>
           <a:solidFill>
-            <a:srgbClr val="23237B"/>
+            <a:srgbClr val="3333B2"/>
           </a:solidFill>
           <a:ln>
             <a:noFill/>
@@ -9563,10 +11950,10 @@
       </p:sp>
       <p:sp>
         <p:nvSpPr>
-          <p:cNvPr id="14" name="Овал 13">
-            <a:extLst>
-              <a:ext uri="{FF2B5EF4-FFF2-40B4-BE49-F238E27FC236}">
-                <a16:creationId xmlns:a16="http://schemas.microsoft.com/office/drawing/2014/main" id="{CD16D1FB-5604-EBC2-A379-2D4A4D9067AC}"/>
+          <p:cNvPr id="11" name="Овал 10">
+            <a:extLst>
+              <a:ext uri="{FF2B5EF4-FFF2-40B4-BE49-F238E27FC236}">
+                <a16:creationId xmlns:a16="http://schemas.microsoft.com/office/drawing/2014/main" id="{9557299F-2A24-1560-4D53-E825E7AA18D6}"/>
               </a:ext>
             </a:extLst>
           </p:cNvPr>
@@ -9575,7 +11962,7 @@
         </p:nvSpPr>
         <p:spPr>
           <a:xfrm>
-            <a:off x="471990" y="174201"/>
+            <a:off x="3269932" y="2083300"/>
             <a:ext cx="3583305" cy="3587697"/>
           </a:xfrm>
           <a:prstGeom prst="ellipse">
@@ -9615,10 +12002,10 @@
       </p:sp>
       <p:sp>
         <p:nvSpPr>
-          <p:cNvPr id="15" name="Овал 14">
-            <a:extLst>
-              <a:ext uri="{FF2B5EF4-FFF2-40B4-BE49-F238E27FC236}">
-                <a16:creationId xmlns:a16="http://schemas.microsoft.com/office/drawing/2014/main" id="{B4655898-DABE-8D8D-219E-F4FF133631C7}"/>
+          <p:cNvPr id="12" name="Овал 11">
+            <a:extLst>
+              <a:ext uri="{FF2B5EF4-FFF2-40B4-BE49-F238E27FC236}">
+                <a16:creationId xmlns:a16="http://schemas.microsoft.com/office/drawing/2014/main" id="{CEEF70CA-1262-644C-D0FA-B24C75670F19}"/>
               </a:ext>
             </a:extLst>
           </p:cNvPr>
@@ -9627,7 +12014,7 @@
         </p:nvSpPr>
         <p:spPr>
           <a:xfrm>
-            <a:off x="1349753" y="2767011"/>
+            <a:off x="5925502" y="456429"/>
             <a:ext cx="3583305" cy="3587697"/>
           </a:xfrm>
           <a:prstGeom prst="ellipse">
@@ -9667,10 +12054,10 @@
       </p:sp>
       <p:sp>
         <p:nvSpPr>
-          <p:cNvPr id="16" name="Овал 15">
-            <a:extLst>
-              <a:ext uri="{FF2B5EF4-FFF2-40B4-BE49-F238E27FC236}">
-                <a16:creationId xmlns:a16="http://schemas.microsoft.com/office/drawing/2014/main" id="{7CEDEE1F-ABC3-2B2F-4F4F-9F3CA60DDA6B}"/>
+          <p:cNvPr id="13" name="Овал 12">
+            <a:extLst>
+              <a:ext uri="{FF2B5EF4-FFF2-40B4-BE49-F238E27FC236}">
+                <a16:creationId xmlns:a16="http://schemas.microsoft.com/office/drawing/2014/main" id="{E8B0F9CB-8C3C-F3C2-8FDA-0C7E1F756818}"/>
               </a:ext>
             </a:extLst>
           </p:cNvPr>
@@ -9679,7 +12066,7 @@
         </p:nvSpPr>
         <p:spPr>
           <a:xfrm>
-            <a:off x="4338100" y="1268065"/>
+            <a:off x="8163877" y="2813870"/>
             <a:ext cx="3583305" cy="3587697"/>
           </a:xfrm>
           <a:prstGeom prst="ellipse">
@@ -9719,10 +12106,523 @@
       </p:sp>
       <p:sp>
         <p:nvSpPr>
-          <p:cNvPr id="17" name="Овал 16">
-            <a:extLst>
-              <a:ext uri="{FF2B5EF4-FFF2-40B4-BE49-F238E27FC236}">
-                <a16:creationId xmlns:a16="http://schemas.microsoft.com/office/drawing/2014/main" id="{240D3F52-FF11-1F1B-3FFF-7B25246E6F5C}"/>
+          <p:cNvPr id="14" name="TextBox 13">
+            <a:extLst>
+              <a:ext uri="{FF2B5EF4-FFF2-40B4-BE49-F238E27FC236}">
+                <a16:creationId xmlns:a16="http://schemas.microsoft.com/office/drawing/2014/main" id="{AF813D4C-AE05-1A82-9B58-B0681FC88DF7}"/>
+              </a:ext>
+            </a:extLst>
+          </p:cNvPr>
+          <p:cNvSpPr txBox="1"/>
+          <p:nvPr/>
+        </p:nvSpPr>
+        <p:spPr>
+          <a:xfrm>
+            <a:off x="653335" y="1496352"/>
+            <a:ext cx="3271256" cy="584775"/>
+          </a:xfrm>
+          <a:prstGeom prst="rect">
+            <a:avLst/>
+          </a:prstGeom>
+          <a:noFill/>
+        </p:spPr>
+        <p:txBody>
+          <a:bodyPr wrap="square" rtlCol="0">
+            <a:spAutoFit/>
+          </a:bodyPr>
+          <a:lstStyle/>
+          <a:p>
+            <a:pPr algn="ctr"/>
+            <a:r>
+              <a:rPr lang="ru-RU" sz="3200" b="1" dirty="0">
+                <a:solidFill>
+                  <a:schemeClr val="bg1"/>
+                </a:solidFill>
+              </a:rPr>
+              <a:t>Инфляционный</a:t>
+            </a:r>
+          </a:p>
+        </p:txBody>
+      </p:sp>
+      <p:pic>
+        <p:nvPicPr>
+          <p:cNvPr id="16" name="Рисунок 15" descr="Тенденция к повышению со сплошной заливкой">
+            <a:extLst>
+              <a:ext uri="{FF2B5EF4-FFF2-40B4-BE49-F238E27FC236}">
+                <a16:creationId xmlns:a16="http://schemas.microsoft.com/office/drawing/2014/main" id="{E8CF1787-C61A-786A-28F2-1D3C96506F98}"/>
+              </a:ext>
+            </a:extLst>
+          </p:cNvPr>
+          <p:cNvPicPr>
+            <a:picLocks noChangeAspect="1"/>
+          </p:cNvPicPr>
+          <p:nvPr/>
+        </p:nvPicPr>
+        <p:blipFill>
+          <a:blip r:embed="rId3">
+            <a:extLst>
+              <a:ext uri="{28A0092B-C50C-407E-A947-70E740481C1C}">
+                <a14:useLocalDpi xmlns:a14="http://schemas.microsoft.com/office/drawing/2010/main" val="0"/>
+              </a:ext>
+              <a:ext uri="{96DAC541-7B7A-43D3-8B79-37D633B846F1}">
+                <asvg:svgBlip xmlns:asvg="http://schemas.microsoft.com/office/drawing/2016/SVG/main" r:embed="rId4"/>
+              </a:ext>
+            </a:extLst>
+          </a:blip>
+          <a:stretch>
+            <a:fillRect/>
+          </a:stretch>
+        </p:blipFill>
+        <p:spPr>
+          <a:xfrm>
+            <a:off x="1800224" y="645680"/>
+            <a:ext cx="914400" cy="914400"/>
+          </a:xfrm>
+          <a:prstGeom prst="rect">
+            <a:avLst/>
+          </a:prstGeom>
+        </p:spPr>
+      </p:pic>
+      <p:sp>
+        <p:nvSpPr>
+          <p:cNvPr id="17" name="TextBox 16">
+            <a:extLst>
+              <a:ext uri="{FF2B5EF4-FFF2-40B4-BE49-F238E27FC236}">
+                <a16:creationId xmlns:a16="http://schemas.microsoft.com/office/drawing/2014/main" id="{41A41F03-AB3C-B6DB-B6D4-A32E6DF13DD3}"/>
+              </a:ext>
+            </a:extLst>
+          </p:cNvPr>
+          <p:cNvSpPr txBox="1"/>
+          <p:nvPr/>
+        </p:nvSpPr>
+        <p:spPr>
+          <a:xfrm>
+            <a:off x="877172" y="2145366"/>
+            <a:ext cx="3271256" cy="1107996"/>
+          </a:xfrm>
+          <a:prstGeom prst="rect">
+            <a:avLst/>
+          </a:prstGeom>
+          <a:noFill/>
+        </p:spPr>
+        <p:txBody>
+          <a:bodyPr wrap="square" rtlCol="0">
+            <a:spAutoFit/>
+          </a:bodyPr>
+          <a:lstStyle/>
+          <a:p>
+            <a:r>
+              <a:rPr lang="ru-RU" sz="2200" dirty="0">
+                <a:solidFill>
+                  <a:schemeClr val="bg1"/>
+                </a:solidFill>
+              </a:rPr>
+              <a:t>Инвестируем, а не храним деньги в наличных</a:t>
+            </a:r>
+          </a:p>
+        </p:txBody>
+      </p:sp>
+      <p:sp>
+        <p:nvSpPr>
+          <p:cNvPr id="18" name="TextBox 17">
+            <a:extLst>
+              <a:ext uri="{FF2B5EF4-FFF2-40B4-BE49-F238E27FC236}">
+                <a16:creationId xmlns:a16="http://schemas.microsoft.com/office/drawing/2014/main" id="{00B70686-9CBC-BC1C-60EB-1B642BB4AC14}"/>
+              </a:ext>
+            </a:extLst>
+          </p:cNvPr>
+          <p:cNvSpPr txBox="1"/>
+          <p:nvPr/>
+        </p:nvSpPr>
+        <p:spPr>
+          <a:xfrm>
+            <a:off x="3425956" y="3002357"/>
+            <a:ext cx="3271256" cy="1077218"/>
+          </a:xfrm>
+          <a:prstGeom prst="rect">
+            <a:avLst/>
+          </a:prstGeom>
+          <a:noFill/>
+        </p:spPr>
+        <p:txBody>
+          <a:bodyPr wrap="square" rtlCol="0">
+            <a:spAutoFit/>
+          </a:bodyPr>
+          <a:lstStyle/>
+          <a:p>
+            <a:pPr algn="ctr"/>
+            <a:r>
+              <a:rPr lang="ru-RU" sz="3200" b="1" dirty="0">
+                <a:solidFill>
+                  <a:schemeClr val="bg1"/>
+                </a:solidFill>
+              </a:rPr>
+              <a:t>Процентной ставки</a:t>
+            </a:r>
+          </a:p>
+        </p:txBody>
+      </p:sp>
+      <p:sp>
+        <p:nvSpPr>
+          <p:cNvPr id="19" name="TextBox 18">
+            <a:extLst>
+              <a:ext uri="{FF2B5EF4-FFF2-40B4-BE49-F238E27FC236}">
+                <a16:creationId xmlns:a16="http://schemas.microsoft.com/office/drawing/2014/main" id="{8D1102D4-3722-E8C5-FCCF-CDC65CE34819}"/>
+              </a:ext>
+            </a:extLst>
+          </p:cNvPr>
+          <p:cNvSpPr txBox="1"/>
+          <p:nvPr/>
+        </p:nvSpPr>
+        <p:spPr>
+          <a:xfrm>
+            <a:off x="3394419" y="2099199"/>
+            <a:ext cx="3271256" cy="1200329"/>
+          </a:xfrm>
+          <a:prstGeom prst="rect">
+            <a:avLst/>
+          </a:prstGeom>
+          <a:noFill/>
+        </p:spPr>
+        <p:txBody>
+          <a:bodyPr wrap="square" rtlCol="0">
+            <a:spAutoFit/>
+          </a:bodyPr>
+          <a:lstStyle/>
+          <a:p>
+            <a:pPr algn="ctr"/>
+            <a:r>
+              <a:rPr lang="ru-RU" sz="7200" b="1" i="1" dirty="0">
+                <a:solidFill>
+                  <a:schemeClr val="bg1"/>
+                </a:solidFill>
+              </a:rPr>
+              <a:t>%</a:t>
+            </a:r>
+          </a:p>
+        </p:txBody>
+      </p:sp>
+      <p:sp>
+        <p:nvSpPr>
+          <p:cNvPr id="20" name="TextBox 19">
+            <a:extLst>
+              <a:ext uri="{FF2B5EF4-FFF2-40B4-BE49-F238E27FC236}">
+                <a16:creationId xmlns:a16="http://schemas.microsoft.com/office/drawing/2014/main" id="{576601B5-1E03-BD35-F642-35DDC1BAECF6}"/>
+              </a:ext>
+            </a:extLst>
+          </p:cNvPr>
+          <p:cNvSpPr txBox="1"/>
+          <p:nvPr/>
+        </p:nvSpPr>
+        <p:spPr>
+          <a:xfrm>
+            <a:off x="3923929" y="4138164"/>
+            <a:ext cx="2517909" cy="1107996"/>
+          </a:xfrm>
+          <a:prstGeom prst="rect">
+            <a:avLst/>
+          </a:prstGeom>
+          <a:noFill/>
+        </p:spPr>
+        <p:txBody>
+          <a:bodyPr wrap="square" rtlCol="0">
+            <a:spAutoFit/>
+          </a:bodyPr>
+          <a:lstStyle/>
+          <a:p>
+            <a:r>
+              <a:rPr lang="ru-RU" sz="2200" dirty="0">
+                <a:solidFill>
+                  <a:schemeClr val="bg1"/>
+                </a:solidFill>
+              </a:rPr>
+              <a:t>Облигации с разным сроком погашения</a:t>
+            </a:r>
+          </a:p>
+        </p:txBody>
+      </p:sp>
+      <p:pic>
+        <p:nvPicPr>
+          <p:cNvPr id="22" name="Рисунок 21" descr="Доллар со сплошной заливкой">
+            <a:extLst>
+              <a:ext uri="{FF2B5EF4-FFF2-40B4-BE49-F238E27FC236}">
+                <a16:creationId xmlns:a16="http://schemas.microsoft.com/office/drawing/2014/main" id="{6819B6C9-5E70-2C91-9FD6-99FC61DA83E7}"/>
+              </a:ext>
+            </a:extLst>
+          </p:cNvPr>
+          <p:cNvPicPr>
+            <a:picLocks noChangeAspect="1"/>
+          </p:cNvPicPr>
+          <p:nvPr/>
+        </p:nvPicPr>
+        <p:blipFill>
+          <a:blip r:embed="rId5">
+            <a:extLst>
+              <a:ext uri="{28A0092B-C50C-407E-A947-70E740481C1C}">
+                <a14:useLocalDpi xmlns:a14="http://schemas.microsoft.com/office/drawing/2010/main" val="0"/>
+              </a:ext>
+              <a:ext uri="{96DAC541-7B7A-43D3-8B79-37D633B846F1}">
+                <asvg:svgBlip xmlns:asvg="http://schemas.microsoft.com/office/drawing/2016/SVG/main" r:embed="rId6"/>
+              </a:ext>
+            </a:extLst>
+          </a:blip>
+          <a:stretch>
+            <a:fillRect/>
+          </a:stretch>
+        </p:blipFill>
+        <p:spPr>
+          <a:xfrm>
+            <a:off x="7259954" y="532979"/>
+            <a:ext cx="914400" cy="914400"/>
+          </a:xfrm>
+          <a:prstGeom prst="rect">
+            <a:avLst/>
+          </a:prstGeom>
+        </p:spPr>
+      </p:pic>
+      <p:sp>
+        <p:nvSpPr>
+          <p:cNvPr id="23" name="TextBox 22">
+            <a:extLst>
+              <a:ext uri="{FF2B5EF4-FFF2-40B4-BE49-F238E27FC236}">
+                <a16:creationId xmlns:a16="http://schemas.microsoft.com/office/drawing/2014/main" id="{7F417B43-A640-BFCE-C12B-47DD2F9344D7}"/>
+              </a:ext>
+            </a:extLst>
+          </p:cNvPr>
+          <p:cNvSpPr txBox="1"/>
+          <p:nvPr/>
+        </p:nvSpPr>
+        <p:spPr>
+          <a:xfrm>
+            <a:off x="6117035" y="1317737"/>
+            <a:ext cx="3271256" cy="584775"/>
+          </a:xfrm>
+          <a:prstGeom prst="rect">
+            <a:avLst/>
+          </a:prstGeom>
+          <a:noFill/>
+        </p:spPr>
+        <p:txBody>
+          <a:bodyPr wrap="square" rtlCol="0">
+            <a:spAutoFit/>
+          </a:bodyPr>
+          <a:lstStyle/>
+          <a:p>
+            <a:pPr algn="ctr"/>
+            <a:r>
+              <a:rPr lang="ru-RU" sz="3200" b="1" dirty="0">
+                <a:solidFill>
+                  <a:schemeClr val="bg1"/>
+                </a:solidFill>
+              </a:rPr>
+              <a:t>Валютный</a:t>
+            </a:r>
+          </a:p>
+        </p:txBody>
+      </p:sp>
+      <p:sp>
+        <p:nvSpPr>
+          <p:cNvPr id="24" name="TextBox 23">
+            <a:extLst>
+              <a:ext uri="{FF2B5EF4-FFF2-40B4-BE49-F238E27FC236}">
+                <a16:creationId xmlns:a16="http://schemas.microsoft.com/office/drawing/2014/main" id="{8DCCF220-90EC-10E6-D7E5-F7878D91D4E3}"/>
+              </a:ext>
+            </a:extLst>
+          </p:cNvPr>
+          <p:cNvSpPr txBox="1"/>
+          <p:nvPr/>
+        </p:nvSpPr>
+        <p:spPr>
+          <a:xfrm>
+            <a:off x="6790163" y="1921188"/>
+            <a:ext cx="2216678" cy="1785104"/>
+          </a:xfrm>
+          <a:prstGeom prst="rect">
+            <a:avLst/>
+          </a:prstGeom>
+          <a:noFill/>
+        </p:spPr>
+        <p:txBody>
+          <a:bodyPr wrap="square" rtlCol="0">
+            <a:spAutoFit/>
+          </a:bodyPr>
+          <a:lstStyle/>
+          <a:p>
+            <a:r>
+              <a:rPr lang="ru-RU" sz="2200" dirty="0">
+                <a:solidFill>
+                  <a:schemeClr val="bg1"/>
+                </a:solidFill>
+              </a:rPr>
+              <a:t>Инвестируем в российские активы (внешние ограничения)</a:t>
+            </a:r>
+          </a:p>
+        </p:txBody>
+      </p:sp>
+      <p:pic>
+        <p:nvPicPr>
+          <p:cNvPr id="26" name="Рисунок 25" descr="Портфель со сплошной заливкой">
+            <a:extLst>
+              <a:ext uri="{FF2B5EF4-FFF2-40B4-BE49-F238E27FC236}">
+                <a16:creationId xmlns:a16="http://schemas.microsoft.com/office/drawing/2014/main" id="{EAF0609F-E9C6-D032-0134-E5F83FF4172D}"/>
+              </a:ext>
+            </a:extLst>
+          </p:cNvPr>
+          <p:cNvPicPr>
+            <a:picLocks noChangeAspect="1"/>
+          </p:cNvPicPr>
+          <p:nvPr/>
+        </p:nvPicPr>
+        <p:blipFill>
+          <a:blip r:embed="rId7">
+            <a:extLst>
+              <a:ext uri="{28A0092B-C50C-407E-A947-70E740481C1C}">
+                <a14:useLocalDpi xmlns:a14="http://schemas.microsoft.com/office/drawing/2010/main" val="0"/>
+              </a:ext>
+              <a:ext uri="{96DAC541-7B7A-43D3-8B79-37D633B846F1}">
+                <asvg:svgBlip xmlns:asvg="http://schemas.microsoft.com/office/drawing/2016/SVG/main" r:embed="rId8"/>
+              </a:ext>
+            </a:extLst>
+          </a:blip>
+          <a:stretch>
+            <a:fillRect/>
+          </a:stretch>
+        </p:blipFill>
+        <p:spPr>
+          <a:xfrm>
+            <a:off x="9531667" y="3129726"/>
+            <a:ext cx="914400" cy="914400"/>
+          </a:xfrm>
+          <a:prstGeom prst="rect">
+            <a:avLst/>
+          </a:prstGeom>
+        </p:spPr>
+      </p:pic>
+      <p:sp>
+        <p:nvSpPr>
+          <p:cNvPr id="28" name="TextBox 27">
+            <a:extLst>
+              <a:ext uri="{FF2B5EF4-FFF2-40B4-BE49-F238E27FC236}">
+                <a16:creationId xmlns:a16="http://schemas.microsoft.com/office/drawing/2014/main" id="{E9F9D403-5159-0924-4B50-A76D797811EF}"/>
+              </a:ext>
+            </a:extLst>
+          </p:cNvPr>
+          <p:cNvSpPr txBox="1"/>
+          <p:nvPr/>
+        </p:nvSpPr>
+        <p:spPr>
+          <a:xfrm>
+            <a:off x="8446770" y="3913846"/>
+            <a:ext cx="3271256" cy="584775"/>
+          </a:xfrm>
+          <a:prstGeom prst="rect">
+            <a:avLst/>
+          </a:prstGeom>
+          <a:noFill/>
+        </p:spPr>
+        <p:txBody>
+          <a:bodyPr wrap="square" rtlCol="0">
+            <a:spAutoFit/>
+          </a:bodyPr>
+          <a:lstStyle/>
+          <a:p>
+            <a:pPr algn="ctr"/>
+            <a:r>
+              <a:rPr lang="ru-RU" sz="3200" b="1" dirty="0">
+                <a:solidFill>
+                  <a:schemeClr val="bg1"/>
+                </a:solidFill>
+              </a:rPr>
+              <a:t>Специфические</a:t>
+            </a:r>
+          </a:p>
+        </p:txBody>
+      </p:sp>
+      <p:sp>
+        <p:nvSpPr>
+          <p:cNvPr id="29" name="TextBox 28">
+            <a:extLst>
+              <a:ext uri="{FF2B5EF4-FFF2-40B4-BE49-F238E27FC236}">
+                <a16:creationId xmlns:a16="http://schemas.microsoft.com/office/drawing/2014/main" id="{D8DC8E0D-B7CE-5B30-DBA7-AE09B0B7043B}"/>
+              </a:ext>
+            </a:extLst>
+          </p:cNvPr>
+          <p:cNvSpPr txBox="1"/>
+          <p:nvPr/>
+        </p:nvSpPr>
+        <p:spPr>
+          <a:xfrm>
+            <a:off x="8681335" y="4486415"/>
+            <a:ext cx="2517909" cy="1107996"/>
+          </a:xfrm>
+          <a:prstGeom prst="rect">
+            <a:avLst/>
+          </a:prstGeom>
+          <a:noFill/>
+        </p:spPr>
+        <p:txBody>
+          <a:bodyPr wrap="square" rtlCol="0">
+            <a:spAutoFit/>
+          </a:bodyPr>
+          <a:lstStyle/>
+          <a:p>
+            <a:r>
+              <a:rPr lang="ru-RU" sz="2200" dirty="0">
+                <a:solidFill>
+                  <a:schemeClr val="bg1"/>
+                </a:solidFill>
+              </a:rPr>
+              <a:t>Диверсификация.</a:t>
+            </a:r>
+          </a:p>
+          <a:p>
+            <a:r>
+              <a:rPr lang="ru-RU" sz="2200" dirty="0">
+                <a:solidFill>
+                  <a:schemeClr val="bg1"/>
+                </a:solidFill>
+              </a:rPr>
+              <a:t>Компании разных отраслей</a:t>
+            </a:r>
+          </a:p>
+        </p:txBody>
+      </p:sp>
+    </p:spTree>
+    <p:extLst>
+      <p:ext uri="{BB962C8B-B14F-4D97-AF65-F5344CB8AC3E}">
+        <p14:creationId xmlns:p14="http://schemas.microsoft.com/office/powerpoint/2010/main" val="9044360"/>
+      </p:ext>
+    </p:extLst>
+  </p:cSld>
+  <p:clrMapOvr>
+    <a:masterClrMapping/>
+  </p:clrMapOvr>
+</p:sld>
+</file>
+
+<file path=ppt/slides/slide9.xml><?xml version="1.0" encoding="utf-8"?>
+<p:sld xmlns:a="http://schemas.openxmlformats.org/drawingml/2006/main" xmlns:r="http://schemas.openxmlformats.org/officeDocument/2006/relationships" xmlns:p="http://schemas.openxmlformats.org/presentationml/2006/main">
+  <p:cSld>
+    <p:spTree>
+      <p:nvGrpSpPr>
+        <p:cNvPr id="1" name=""/>
+        <p:cNvGrpSpPr/>
+        <p:nvPr/>
+      </p:nvGrpSpPr>
+      <p:grpSpPr>
+        <a:xfrm>
+          <a:off x="0" y="0"/>
+          <a:ext cx="0" cy="0"/>
+          <a:chOff x="0" y="0"/>
+          <a:chExt cx="0" cy="0"/>
+        </a:xfrm>
+      </p:grpSpPr>
+      <p:sp>
+        <p:nvSpPr>
+          <p:cNvPr id="2" name="Овал 1">
+            <a:extLst>
+              <a:ext uri="{FF2B5EF4-FFF2-40B4-BE49-F238E27FC236}">
+                <a16:creationId xmlns:a16="http://schemas.microsoft.com/office/drawing/2014/main" id="{497B28BA-7B71-582D-75EC-FC703214D104}"/>
               </a:ext>
             </a:extLst>
           </p:cNvPr>
@@ -9731,14 +12631,14 @@
         </p:nvSpPr>
         <p:spPr>
           <a:xfrm>
-            <a:off x="7713073" y="193168"/>
-            <a:ext cx="3583305" cy="3587697"/>
+            <a:off x="156130" y="294321"/>
+            <a:ext cx="4149090" cy="3911917"/>
           </a:xfrm>
           <a:prstGeom prst="ellipse">
             <a:avLst/>
           </a:prstGeom>
           <a:solidFill>
-            <a:srgbClr val="3333B2"/>
+            <a:srgbClr val="23237B"/>
           </a:solidFill>
           <a:ln>
             <a:noFill/>
@@ -9771,10 +12671,10 @@
       </p:sp>
       <p:sp>
         <p:nvSpPr>
-          <p:cNvPr id="18" name="Овал 17">
-            <a:extLst>
-              <a:ext uri="{FF2B5EF4-FFF2-40B4-BE49-F238E27FC236}">
-                <a16:creationId xmlns:a16="http://schemas.microsoft.com/office/drawing/2014/main" id="{FCC8F681-9A89-31A9-EF85-433DCEBCD2FE}"/>
+          <p:cNvPr id="7" name="Овал 6">
+            <a:extLst>
+              <a:ext uri="{FF2B5EF4-FFF2-40B4-BE49-F238E27FC236}">
+                <a16:creationId xmlns:a16="http://schemas.microsoft.com/office/drawing/2014/main" id="{58574EA0-6125-D231-FE20-06819C2BB438}"/>
               </a:ext>
             </a:extLst>
           </p:cNvPr>
@@ -9783,14 +12683,14 @@
         </p:nvSpPr>
         <p:spPr>
           <a:xfrm>
-            <a:off x="8361730" y="3077135"/>
-            <a:ext cx="3583305" cy="3587697"/>
+            <a:off x="2987040" y="1921192"/>
+            <a:ext cx="4149090" cy="3911917"/>
           </a:xfrm>
           <a:prstGeom prst="ellipse">
             <a:avLst/>
           </a:prstGeom>
           <a:solidFill>
-            <a:srgbClr val="3333B2"/>
+            <a:srgbClr val="23237B"/>
           </a:solidFill>
           <a:ln>
             <a:noFill/>
@@ -9821,12 +12721,324 @@
           </a:p>
         </p:txBody>
       </p:sp>
+      <p:sp>
+        <p:nvSpPr>
+          <p:cNvPr id="8" name="Овал 7">
+            <a:extLst>
+              <a:ext uri="{FF2B5EF4-FFF2-40B4-BE49-F238E27FC236}">
+                <a16:creationId xmlns:a16="http://schemas.microsoft.com/office/drawing/2014/main" id="{39C245F3-1397-F433-F96E-6E492B894455}"/>
+              </a:ext>
+            </a:extLst>
+          </p:cNvPr>
+          <p:cNvSpPr/>
+          <p:nvPr/>
+        </p:nvSpPr>
+        <p:spPr>
+          <a:xfrm>
+            <a:off x="5642610" y="294321"/>
+            <a:ext cx="4149090" cy="3911917"/>
+          </a:xfrm>
+          <a:prstGeom prst="ellipse">
+            <a:avLst/>
+          </a:prstGeom>
+          <a:solidFill>
+            <a:srgbClr val="23237B"/>
+          </a:solidFill>
+          <a:ln>
+            <a:noFill/>
+          </a:ln>
+        </p:spPr>
+        <p:style>
+          <a:lnRef idx="2">
+            <a:schemeClr val="accent1">
+              <a:shade val="15000"/>
+            </a:schemeClr>
+          </a:lnRef>
+          <a:fillRef idx="1">
+            <a:schemeClr val="accent1"/>
+          </a:fillRef>
+          <a:effectRef idx="0">
+            <a:schemeClr val="accent1"/>
+          </a:effectRef>
+          <a:fontRef idx="minor">
+            <a:schemeClr val="lt1"/>
+          </a:fontRef>
+        </p:style>
+        <p:txBody>
+          <a:bodyPr rtlCol="0" anchor="ctr"/>
+          <a:lstStyle/>
+          <a:p>
+            <a:pPr algn="ctr"/>
+            <a:endParaRPr lang="ru-RU" dirty="0"/>
+          </a:p>
+        </p:txBody>
+      </p:sp>
+      <p:sp>
+        <p:nvSpPr>
+          <p:cNvPr id="9" name="Овал 8">
+            <a:extLst>
+              <a:ext uri="{FF2B5EF4-FFF2-40B4-BE49-F238E27FC236}">
+                <a16:creationId xmlns:a16="http://schemas.microsoft.com/office/drawing/2014/main" id="{2B13BF59-C84E-B80D-6BCF-0DCF5B101337}"/>
+              </a:ext>
+            </a:extLst>
+          </p:cNvPr>
+          <p:cNvSpPr/>
+          <p:nvPr/>
+        </p:nvSpPr>
+        <p:spPr>
+          <a:xfrm>
+            <a:off x="7865745" y="2651762"/>
+            <a:ext cx="4149090" cy="3911917"/>
+          </a:xfrm>
+          <a:prstGeom prst="ellipse">
+            <a:avLst/>
+          </a:prstGeom>
+          <a:solidFill>
+            <a:srgbClr val="23237B"/>
+          </a:solidFill>
+          <a:ln>
+            <a:noFill/>
+          </a:ln>
+        </p:spPr>
+        <p:style>
+          <a:lnRef idx="2">
+            <a:schemeClr val="accent1">
+              <a:shade val="15000"/>
+            </a:schemeClr>
+          </a:lnRef>
+          <a:fillRef idx="1">
+            <a:schemeClr val="accent1"/>
+          </a:fillRef>
+          <a:effectRef idx="0">
+            <a:schemeClr val="accent1"/>
+          </a:effectRef>
+          <a:fontRef idx="minor">
+            <a:schemeClr val="lt1"/>
+          </a:fontRef>
+        </p:style>
+        <p:txBody>
+          <a:bodyPr rtlCol="0" anchor="ctr"/>
+          <a:lstStyle/>
+          <a:p>
+            <a:pPr algn="ctr"/>
+            <a:endParaRPr lang="ru-RU" dirty="0"/>
+          </a:p>
+        </p:txBody>
+      </p:sp>
+      <p:sp>
+        <p:nvSpPr>
+          <p:cNvPr id="10" name="Овал 9">
+            <a:extLst>
+              <a:ext uri="{FF2B5EF4-FFF2-40B4-BE49-F238E27FC236}">
+                <a16:creationId xmlns:a16="http://schemas.microsoft.com/office/drawing/2014/main" id="{B0B85489-F367-C4E9-7921-6458BC475375}"/>
+              </a:ext>
+            </a:extLst>
+          </p:cNvPr>
+          <p:cNvSpPr/>
+          <p:nvPr/>
+        </p:nvSpPr>
+        <p:spPr>
+          <a:xfrm>
+            <a:off x="465772" y="456430"/>
+            <a:ext cx="3583305" cy="3587697"/>
+          </a:xfrm>
+          <a:prstGeom prst="ellipse">
+            <a:avLst/>
+          </a:prstGeom>
+          <a:solidFill>
+            <a:srgbClr val="3333B2"/>
+          </a:solidFill>
+          <a:ln>
+            <a:noFill/>
+          </a:ln>
+        </p:spPr>
+        <p:style>
+          <a:lnRef idx="2">
+            <a:schemeClr val="accent1">
+              <a:shade val="15000"/>
+            </a:schemeClr>
+          </a:lnRef>
+          <a:fillRef idx="1">
+            <a:schemeClr val="accent1"/>
+          </a:fillRef>
+          <a:effectRef idx="0">
+            <a:schemeClr val="accent1"/>
+          </a:effectRef>
+          <a:fontRef idx="minor">
+            <a:schemeClr val="lt1"/>
+          </a:fontRef>
+        </p:style>
+        <p:txBody>
+          <a:bodyPr rtlCol="0" anchor="ctr"/>
+          <a:lstStyle/>
+          <a:p>
+            <a:pPr algn="ctr"/>
+            <a:endParaRPr lang="ru-RU" dirty="0"/>
+          </a:p>
+        </p:txBody>
+      </p:sp>
+      <p:sp>
+        <p:nvSpPr>
+          <p:cNvPr id="11" name="Овал 10">
+            <a:extLst>
+              <a:ext uri="{FF2B5EF4-FFF2-40B4-BE49-F238E27FC236}">
+                <a16:creationId xmlns:a16="http://schemas.microsoft.com/office/drawing/2014/main" id="{9557299F-2A24-1560-4D53-E825E7AA18D6}"/>
+              </a:ext>
+            </a:extLst>
+          </p:cNvPr>
+          <p:cNvSpPr/>
+          <p:nvPr/>
+        </p:nvSpPr>
+        <p:spPr>
+          <a:xfrm>
+            <a:off x="3269932" y="2083300"/>
+            <a:ext cx="3583305" cy="3587697"/>
+          </a:xfrm>
+          <a:prstGeom prst="ellipse">
+            <a:avLst/>
+          </a:prstGeom>
+          <a:solidFill>
+            <a:srgbClr val="3333B2"/>
+          </a:solidFill>
+          <a:ln>
+            <a:noFill/>
+          </a:ln>
+        </p:spPr>
+        <p:style>
+          <a:lnRef idx="2">
+            <a:schemeClr val="accent1">
+              <a:shade val="15000"/>
+            </a:schemeClr>
+          </a:lnRef>
+          <a:fillRef idx="1">
+            <a:schemeClr val="accent1"/>
+          </a:fillRef>
+          <a:effectRef idx="0">
+            <a:schemeClr val="accent1"/>
+          </a:effectRef>
+          <a:fontRef idx="minor">
+            <a:schemeClr val="lt1"/>
+          </a:fontRef>
+        </p:style>
+        <p:txBody>
+          <a:bodyPr rtlCol="0" anchor="ctr"/>
+          <a:lstStyle/>
+          <a:p>
+            <a:pPr algn="ctr"/>
+            <a:endParaRPr lang="ru-RU" dirty="0"/>
+          </a:p>
+        </p:txBody>
+      </p:sp>
+      <p:sp>
+        <p:nvSpPr>
+          <p:cNvPr id="12" name="Овал 11">
+            <a:extLst>
+              <a:ext uri="{FF2B5EF4-FFF2-40B4-BE49-F238E27FC236}">
+                <a16:creationId xmlns:a16="http://schemas.microsoft.com/office/drawing/2014/main" id="{CEEF70CA-1262-644C-D0FA-B24C75670F19}"/>
+              </a:ext>
+            </a:extLst>
+          </p:cNvPr>
+          <p:cNvSpPr/>
+          <p:nvPr/>
+        </p:nvSpPr>
+        <p:spPr>
+          <a:xfrm>
+            <a:off x="5925502" y="456429"/>
+            <a:ext cx="3583305" cy="3587697"/>
+          </a:xfrm>
+          <a:prstGeom prst="ellipse">
+            <a:avLst/>
+          </a:prstGeom>
+          <a:solidFill>
+            <a:srgbClr val="3333B2"/>
+          </a:solidFill>
+          <a:ln>
+            <a:noFill/>
+          </a:ln>
+        </p:spPr>
+        <p:style>
+          <a:lnRef idx="2">
+            <a:schemeClr val="accent1">
+              <a:shade val="15000"/>
+            </a:schemeClr>
+          </a:lnRef>
+          <a:fillRef idx="1">
+            <a:schemeClr val="accent1"/>
+          </a:fillRef>
+          <a:effectRef idx="0">
+            <a:schemeClr val="accent1"/>
+          </a:effectRef>
+          <a:fontRef idx="minor">
+            <a:schemeClr val="lt1"/>
+          </a:fontRef>
+        </p:style>
+        <p:txBody>
+          <a:bodyPr rtlCol="0" anchor="ctr"/>
+          <a:lstStyle/>
+          <a:p>
+            <a:pPr algn="ctr"/>
+            <a:endParaRPr lang="ru-RU" dirty="0"/>
+          </a:p>
+        </p:txBody>
+      </p:sp>
+      <p:sp>
+        <p:nvSpPr>
+          <p:cNvPr id="13" name="Овал 12">
+            <a:extLst>
+              <a:ext uri="{FF2B5EF4-FFF2-40B4-BE49-F238E27FC236}">
+                <a16:creationId xmlns:a16="http://schemas.microsoft.com/office/drawing/2014/main" id="{E8B0F9CB-8C3C-F3C2-8FDA-0C7E1F756818}"/>
+              </a:ext>
+            </a:extLst>
+          </p:cNvPr>
+          <p:cNvSpPr/>
+          <p:nvPr/>
+        </p:nvSpPr>
+        <p:spPr>
+          <a:xfrm>
+            <a:off x="8163877" y="2813870"/>
+            <a:ext cx="3583305" cy="3587697"/>
+          </a:xfrm>
+          <a:prstGeom prst="ellipse">
+            <a:avLst/>
+          </a:prstGeom>
+          <a:solidFill>
+            <a:srgbClr val="3333B2"/>
+          </a:solidFill>
+          <a:ln>
+            <a:noFill/>
+          </a:ln>
+        </p:spPr>
+        <p:style>
+          <a:lnRef idx="2">
+            <a:schemeClr val="accent1">
+              <a:shade val="15000"/>
+            </a:schemeClr>
+          </a:lnRef>
+          <a:fillRef idx="1">
+            <a:schemeClr val="accent1"/>
+          </a:fillRef>
+          <a:effectRef idx="0">
+            <a:schemeClr val="accent1"/>
+          </a:effectRef>
+          <a:fontRef idx="minor">
+            <a:schemeClr val="lt1"/>
+          </a:fontRef>
+        </p:style>
+        <p:txBody>
+          <a:bodyPr rtlCol="0" anchor="ctr"/>
+          <a:lstStyle/>
+          <a:p>
+            <a:pPr algn="ctr"/>
+            <a:endParaRPr lang="ru-RU" dirty="0"/>
+          </a:p>
+        </p:txBody>
+      </p:sp>
       <p:pic>
         <p:nvPicPr>
-          <p:cNvPr id="20" name="Рисунок 19" descr="Открытая ладонь со сплошной заливкой">
-            <a:extLst>
-              <a:ext uri="{FF2B5EF4-FFF2-40B4-BE49-F238E27FC236}">
-                <a16:creationId xmlns:a16="http://schemas.microsoft.com/office/drawing/2014/main" id="{EC197FEA-4946-8C98-CBA9-4D5C8209F0BB}"/>
+          <p:cNvPr id="3" name="Рисунок 2" descr="Информация со сплошной заливкой">
+            <a:extLst>
+              <a:ext uri="{FF2B5EF4-FFF2-40B4-BE49-F238E27FC236}">
+                <a16:creationId xmlns:a16="http://schemas.microsoft.com/office/drawing/2014/main" id="{73D210A6-47BB-B76D-22DF-BD88B2AA7D01}"/>
               </a:ext>
             </a:extLst>
           </p:cNvPr>
@@ -9836,13 +13048,13 @@
           <p:nvPr/>
         </p:nvPicPr>
         <p:blipFill>
-          <a:blip r:embed="rId2">
+          <a:blip r:embed="rId3">
             <a:extLst>
               <a:ext uri="{28A0092B-C50C-407E-A947-70E740481C1C}">
                 <a14:useLocalDpi xmlns:a14="http://schemas.microsoft.com/office/drawing/2010/main" val="0"/>
               </a:ext>
               <a:ext uri="{96DAC541-7B7A-43D3-8B79-37D633B846F1}">
-                <asvg:svgBlip xmlns:asvg="http://schemas.microsoft.com/office/drawing/2016/SVG/main" r:embed="rId3"/>
+                <asvg:svgBlip xmlns:asvg="http://schemas.microsoft.com/office/drawing/2016/SVG/main" r:embed="rId4"/>
               </a:ext>
             </a:extLst>
           </a:blip>
@@ -9852,8 +13064,8 @@
         </p:blipFill>
         <p:spPr>
           <a:xfrm>
-            <a:off x="9029469" y="256033"/>
-            <a:ext cx="1108710" cy="1108710"/>
+            <a:off x="1800224" y="551047"/>
+            <a:ext cx="914400" cy="914400"/>
           </a:xfrm>
           <a:prstGeom prst="rect">
             <a:avLst/>
@@ -9862,10 +13074,10 @@
       </p:pic>
       <p:sp>
         <p:nvSpPr>
-          <p:cNvPr id="21" name="TextBox 20">
-            <a:extLst>
-              <a:ext uri="{FF2B5EF4-FFF2-40B4-BE49-F238E27FC236}">
-                <a16:creationId xmlns:a16="http://schemas.microsoft.com/office/drawing/2014/main" id="{F57DB0BB-4BC4-9E63-9DBE-A2341CDDC145}"/>
+          <p:cNvPr id="4" name="TextBox 3">
+            <a:extLst>
+              <a:ext uri="{FF2B5EF4-FFF2-40B4-BE49-F238E27FC236}">
+                <a16:creationId xmlns:a16="http://schemas.microsoft.com/office/drawing/2014/main" id="{A7AF862C-ED6A-9A1D-3DBE-E36F255E6BA5}"/>
               </a:ext>
             </a:extLst>
           </p:cNvPr>
@@ -9874,8 +13086,166 @@
         </p:nvSpPr>
         <p:spPr>
           <a:xfrm>
-            <a:off x="7651040" y="1145183"/>
-            <a:ext cx="3723898" cy="553998"/>
+            <a:off x="595047" y="1465447"/>
+            <a:ext cx="3271256" cy="1569660"/>
+          </a:xfrm>
+          <a:prstGeom prst="rect">
+            <a:avLst/>
+          </a:prstGeom>
+          <a:noFill/>
+        </p:spPr>
+        <p:txBody>
+          <a:bodyPr wrap="square" rtlCol="0">
+            <a:spAutoFit/>
+          </a:bodyPr>
+          <a:lstStyle/>
+          <a:p>
+            <a:pPr algn="ctr"/>
+            <a:r>
+              <a:rPr lang="ru-RU" sz="3200" b="1" dirty="0">
+                <a:solidFill>
+                  <a:schemeClr val="bg1"/>
+                </a:solidFill>
+              </a:rPr>
+              <a:t>Искаженная или неполная информация</a:t>
+            </a:r>
+          </a:p>
+        </p:txBody>
+      </p:sp>
+      <p:sp>
+        <p:nvSpPr>
+          <p:cNvPr id="5" name="TextBox 4">
+            <a:extLst>
+              <a:ext uri="{FF2B5EF4-FFF2-40B4-BE49-F238E27FC236}">
+                <a16:creationId xmlns:a16="http://schemas.microsoft.com/office/drawing/2014/main" id="{66820C10-8894-ABFA-E722-BDE15EE6414C}"/>
+              </a:ext>
+            </a:extLst>
+          </p:cNvPr>
+          <p:cNvSpPr txBox="1"/>
+          <p:nvPr/>
+        </p:nvSpPr>
+        <p:spPr>
+          <a:xfrm>
+            <a:off x="3386793" y="3633530"/>
+            <a:ext cx="3466444" cy="1077218"/>
+          </a:xfrm>
+          <a:prstGeom prst="rect">
+            <a:avLst/>
+          </a:prstGeom>
+          <a:noFill/>
+        </p:spPr>
+        <p:txBody>
+          <a:bodyPr wrap="square" rtlCol="0">
+            <a:spAutoFit/>
+          </a:bodyPr>
+          <a:lstStyle/>
+          <a:p>
+            <a:pPr algn="ctr"/>
+            <a:r>
+              <a:rPr lang="ru-RU" sz="3200" b="1" dirty="0">
+                <a:solidFill>
+                  <a:schemeClr val="bg1"/>
+                </a:solidFill>
+              </a:rPr>
+              <a:t>Непрозрачное ценообразование</a:t>
+            </a:r>
+          </a:p>
+        </p:txBody>
+      </p:sp>
+      <p:pic>
+        <p:nvPicPr>
+          <p:cNvPr id="6" name="Рисунок 5" descr="Контракт со сплошной заливкой">
+            <a:extLst>
+              <a:ext uri="{FF2B5EF4-FFF2-40B4-BE49-F238E27FC236}">
+                <a16:creationId xmlns:a16="http://schemas.microsoft.com/office/drawing/2014/main" id="{FC45CC1E-FFBA-2C4D-02B5-8C981B847F15}"/>
+              </a:ext>
+            </a:extLst>
+          </p:cNvPr>
+          <p:cNvPicPr>
+            <a:picLocks noChangeAspect="1"/>
+          </p:cNvPicPr>
+          <p:nvPr/>
+        </p:nvPicPr>
+        <p:blipFill>
+          <a:blip r:embed="rId5">
+            <a:extLst>
+              <a:ext uri="{28A0092B-C50C-407E-A947-70E740481C1C}">
+                <a14:useLocalDpi xmlns:a14="http://schemas.microsoft.com/office/drawing/2010/main" val="0"/>
+              </a:ext>
+              <a:ext uri="{96DAC541-7B7A-43D3-8B79-37D633B846F1}">
+                <asvg:svgBlip xmlns:asvg="http://schemas.microsoft.com/office/drawing/2016/SVG/main" r:embed="rId6"/>
+              </a:ext>
+            </a:extLst>
+          </a:blip>
+          <a:stretch>
+            <a:fillRect/>
+          </a:stretch>
+        </p:blipFill>
+        <p:spPr>
+          <a:xfrm>
+            <a:off x="4609518" y="2577907"/>
+            <a:ext cx="914400" cy="914400"/>
+          </a:xfrm>
+          <a:prstGeom prst="rect">
+            <a:avLst/>
+          </a:prstGeom>
+        </p:spPr>
+      </p:pic>
+      <p:pic>
+        <p:nvPicPr>
+          <p:cNvPr id="15" name="Рисунок 14" descr="Открытая ладонь со сплошной заливкой">
+            <a:extLst>
+              <a:ext uri="{FF2B5EF4-FFF2-40B4-BE49-F238E27FC236}">
+                <a16:creationId xmlns:a16="http://schemas.microsoft.com/office/drawing/2014/main" id="{66D9BFE4-6752-5CCF-D1FE-D535AB2F1D5F}"/>
+              </a:ext>
+            </a:extLst>
+          </p:cNvPr>
+          <p:cNvPicPr>
+            <a:picLocks noChangeAspect="1"/>
+          </p:cNvPicPr>
+          <p:nvPr/>
+        </p:nvPicPr>
+        <p:blipFill>
+          <a:blip r:embed="rId7">
+            <a:extLst>
+              <a:ext uri="{28A0092B-C50C-407E-A947-70E740481C1C}">
+                <a14:useLocalDpi xmlns:a14="http://schemas.microsoft.com/office/drawing/2010/main" val="0"/>
+              </a:ext>
+              <a:ext uri="{96DAC541-7B7A-43D3-8B79-37D633B846F1}">
+                <asvg:svgBlip xmlns:asvg="http://schemas.microsoft.com/office/drawing/2016/SVG/main" r:embed="rId8"/>
+              </a:ext>
+            </a:extLst>
+          </a:blip>
+          <a:stretch>
+            <a:fillRect/>
+          </a:stretch>
+        </p:blipFill>
+        <p:spPr>
+          <a:xfrm>
+            <a:off x="7162798" y="882919"/>
+            <a:ext cx="1108710" cy="1108710"/>
+          </a:xfrm>
+          <a:prstGeom prst="rect">
+            <a:avLst/>
+          </a:prstGeom>
+        </p:spPr>
+      </p:pic>
+      <p:sp>
+        <p:nvSpPr>
+          <p:cNvPr id="21" name="TextBox 20">
+            <a:extLst>
+              <a:ext uri="{FF2B5EF4-FFF2-40B4-BE49-F238E27FC236}">
+                <a16:creationId xmlns:a16="http://schemas.microsoft.com/office/drawing/2014/main" id="{E2CF4303-8A8B-98C5-22D4-557EC34C8C7C}"/>
+              </a:ext>
+            </a:extLst>
+          </p:cNvPr>
+          <p:cNvSpPr txBox="1"/>
+          <p:nvPr/>
+        </p:nvSpPr>
+        <p:spPr>
+          <a:xfrm>
+            <a:off x="6214297" y="1776695"/>
+            <a:ext cx="3005713" cy="1015663"/>
           </a:xfrm>
           <a:prstGeom prst="rect">
             <a:avLst/>
@@ -9900,85 +13270,12 @@
           </a:p>
         </p:txBody>
       </p:sp>
-      <p:sp>
-        <p:nvSpPr>
-          <p:cNvPr id="22" name="TextBox 21">
-            <a:extLst>
-              <a:ext uri="{FF2B5EF4-FFF2-40B4-BE49-F238E27FC236}">
-                <a16:creationId xmlns:a16="http://schemas.microsoft.com/office/drawing/2014/main" id="{993B76AC-D374-B5A7-B52A-6522A2862313}"/>
-              </a:ext>
-            </a:extLst>
-          </p:cNvPr>
-          <p:cNvSpPr txBox="1"/>
-          <p:nvPr/>
-        </p:nvSpPr>
-        <p:spPr>
-          <a:xfrm>
-            <a:off x="7922803" y="1673924"/>
-            <a:ext cx="3271256" cy="1107996"/>
-          </a:xfrm>
-          <a:prstGeom prst="rect">
-            <a:avLst/>
-          </a:prstGeom>
-          <a:noFill/>
-        </p:spPr>
-        <p:txBody>
-          <a:bodyPr wrap="square" rtlCol="0">
-            <a:spAutoFit/>
-          </a:bodyPr>
-          <a:lstStyle/>
-          <a:p>
-            <a:r>
-              <a:rPr lang="en-US" sz="2200" dirty="0">
-                <a:solidFill>
-                  <a:schemeClr val="bg1"/>
-                </a:solidFill>
-              </a:rPr>
-              <a:t>“</a:t>
-            </a:r>
-            <a:r>
-              <a:rPr lang="ru-RU" sz="2200" dirty="0">
-                <a:solidFill>
-                  <a:schemeClr val="bg1"/>
-                </a:solidFill>
-              </a:rPr>
-              <a:t>Обязательное</a:t>
-            </a:r>
-            <a:r>
-              <a:rPr lang="en-US" sz="2200" dirty="0">
-                <a:solidFill>
-                  <a:schemeClr val="bg1"/>
-                </a:solidFill>
-              </a:rPr>
-              <a:t>”</a:t>
-            </a:r>
-            <a:r>
-              <a:rPr lang="ru-RU" sz="2200" dirty="0">
-                <a:solidFill>
-                  <a:schemeClr val="bg1"/>
-                </a:solidFill>
-              </a:rPr>
-              <a:t> страхование,</a:t>
-            </a:r>
-          </a:p>
-          <a:p>
-            <a:r>
-              <a:rPr lang="ru-RU" sz="2200" dirty="0">
-                <a:solidFill>
-                  <a:schemeClr val="bg1"/>
-                </a:solidFill>
-              </a:rPr>
-              <a:t>Доп. услуги</a:t>
-            </a:r>
-          </a:p>
-        </p:txBody>
-      </p:sp>
       <p:pic>
         <p:nvPicPr>
-          <p:cNvPr id="24" name="Рисунок 23" descr="Информация со сплошной заливкой">
-            <a:extLst>
-              <a:ext uri="{FF2B5EF4-FFF2-40B4-BE49-F238E27FC236}">
-                <a16:creationId xmlns:a16="http://schemas.microsoft.com/office/drawing/2014/main" id="{4E6BC4C5-4DBF-BD9B-7F34-CDF31C0605C9}"/>
+          <p:cNvPr id="25" name="Рисунок 24" descr="Мусор со сплошной заливкой">
+            <a:extLst>
+              <a:ext uri="{FF2B5EF4-FFF2-40B4-BE49-F238E27FC236}">
+                <a16:creationId xmlns:a16="http://schemas.microsoft.com/office/drawing/2014/main" id="{FF6741A0-3761-4E61-7273-8D71D91E090B}"/>
               </a:ext>
             </a:extLst>
           </p:cNvPr>
@@ -9988,13 +13285,13 @@
           <p:nvPr/>
         </p:nvPicPr>
         <p:blipFill>
-          <a:blip r:embed="rId4">
+          <a:blip r:embed="rId9">
             <a:extLst>
               <a:ext uri="{28A0092B-C50C-407E-A947-70E740481C1C}">
                 <a14:useLocalDpi xmlns:a14="http://schemas.microsoft.com/office/drawing/2010/main" val="0"/>
               </a:ext>
               <a:ext uri="{96DAC541-7B7A-43D3-8B79-37D633B846F1}">
-                <asvg:svgBlip xmlns:asvg="http://schemas.microsoft.com/office/drawing/2016/SVG/main" r:embed="rId5"/>
+                <asvg:svgBlip xmlns:asvg="http://schemas.microsoft.com/office/drawing/2016/SVG/main" r:embed="rId10"/>
               </a:ext>
             </a:extLst>
           </a:blip>
@@ -10004,7 +13301,7 @@
         </p:blipFill>
         <p:spPr>
           <a:xfrm>
-            <a:off x="1725125" y="284796"/>
+            <a:off x="9498329" y="3151238"/>
             <a:ext cx="914400" cy="914400"/>
           </a:xfrm>
           <a:prstGeom prst="rect">
@@ -10014,10 +13311,10 @@
       </p:pic>
       <p:sp>
         <p:nvSpPr>
-          <p:cNvPr id="25" name="TextBox 24">
-            <a:extLst>
-              <a:ext uri="{FF2B5EF4-FFF2-40B4-BE49-F238E27FC236}">
-                <a16:creationId xmlns:a16="http://schemas.microsoft.com/office/drawing/2014/main" id="{BC9ED9DA-96ED-E7BB-4057-701799EA65E8}"/>
+          <p:cNvPr id="27" name="TextBox 26">
+            <a:extLst>
+              <a:ext uri="{FF2B5EF4-FFF2-40B4-BE49-F238E27FC236}">
+                <a16:creationId xmlns:a16="http://schemas.microsoft.com/office/drawing/2014/main" id="{AE39C6F6-0043-CD3B-1DD9-4C9C1B297F1B}"/>
               </a:ext>
             </a:extLst>
           </p:cNvPr>
@@ -10026,8 +13323,8 @@
         </p:nvSpPr>
         <p:spPr>
           <a:xfrm>
-            <a:off x="546697" y="1176793"/>
-            <a:ext cx="3271256" cy="1569660"/>
+            <a:off x="8333053" y="4050253"/>
+            <a:ext cx="3271256" cy="2062103"/>
           </a:xfrm>
           <a:prstGeom prst="rect">
             <a:avLst/>
@@ -10047,283 +13344,7 @@
                   <a:schemeClr val="bg1"/>
                 </a:solidFill>
               </a:rPr>
-              <a:t>Искаженная или неполная информация</a:t>
-            </a:r>
-          </a:p>
-        </p:txBody>
-      </p:sp>
-      <p:pic>
-        <p:nvPicPr>
-          <p:cNvPr id="27" name="Рисунок 26" descr="Мусор со сплошной заливкой">
-            <a:extLst>
-              <a:ext uri="{FF2B5EF4-FFF2-40B4-BE49-F238E27FC236}">
-                <a16:creationId xmlns:a16="http://schemas.microsoft.com/office/drawing/2014/main" id="{950A028C-6B0F-4C26-7C0D-B96DF6A4D896}"/>
-              </a:ext>
-            </a:extLst>
-          </p:cNvPr>
-          <p:cNvPicPr>
-            <a:picLocks noChangeAspect="1"/>
-          </p:cNvPicPr>
-          <p:nvPr/>
-        </p:nvPicPr>
-        <p:blipFill>
-          <a:blip r:embed="rId6">
-            <a:extLst>
-              <a:ext uri="{28A0092B-C50C-407E-A947-70E740481C1C}">
-                <a14:useLocalDpi xmlns:a14="http://schemas.microsoft.com/office/drawing/2010/main" val="0"/>
-              </a:ext>
-              <a:ext uri="{96DAC541-7B7A-43D3-8B79-37D633B846F1}">
-                <asvg:svgBlip xmlns:asvg="http://schemas.microsoft.com/office/drawing/2016/SVG/main" r:embed="rId7"/>
-              </a:ext>
-            </a:extLst>
-          </a:blip>
-          <a:stretch>
-            <a:fillRect/>
-          </a:stretch>
-        </p:blipFill>
-        <p:spPr>
-          <a:xfrm>
-            <a:off x="2679530" y="3240577"/>
-            <a:ext cx="914400" cy="914400"/>
-          </a:xfrm>
-          <a:prstGeom prst="rect">
-            <a:avLst/>
-          </a:prstGeom>
-        </p:spPr>
-      </p:pic>
-      <p:sp>
-        <p:nvSpPr>
-          <p:cNvPr id="28" name="TextBox 27">
-            <a:extLst>
-              <a:ext uri="{FF2B5EF4-FFF2-40B4-BE49-F238E27FC236}">
-                <a16:creationId xmlns:a16="http://schemas.microsoft.com/office/drawing/2014/main" id="{0097CD96-9C92-8955-D053-D9D260219797}"/>
-              </a:ext>
-            </a:extLst>
-          </p:cNvPr>
-          <p:cNvSpPr txBox="1"/>
-          <p:nvPr/>
-        </p:nvSpPr>
-        <p:spPr>
-          <a:xfrm>
-            <a:off x="1439191" y="4247972"/>
-            <a:ext cx="3271256" cy="1569660"/>
-          </a:xfrm>
-          <a:prstGeom prst="rect">
-            <a:avLst/>
-          </a:prstGeom>
-          <a:noFill/>
-        </p:spPr>
-        <p:txBody>
-          <a:bodyPr wrap="square" rtlCol="0">
-            <a:spAutoFit/>
-          </a:bodyPr>
-          <a:lstStyle/>
-          <a:p>
-            <a:pPr algn="ctr"/>
-            <a:r>
-              <a:rPr lang="ru-RU" sz="3200" b="1" dirty="0">
-                <a:solidFill>
-                  <a:schemeClr val="bg1"/>
-                </a:solidFill>
-              </a:rPr>
-              <a:t>Продажа неподходящих продуктов</a:t>
-            </a:r>
-          </a:p>
-        </p:txBody>
-      </p:sp>
-      <p:pic>
-        <p:nvPicPr>
-          <p:cNvPr id="30" name="Рисунок 29" descr="Контракт со сплошной заливкой">
-            <a:extLst>
-              <a:ext uri="{FF2B5EF4-FFF2-40B4-BE49-F238E27FC236}">
-                <a16:creationId xmlns:a16="http://schemas.microsoft.com/office/drawing/2014/main" id="{8AF6C92C-86C9-9FC4-8F5E-770BEC22697A}"/>
-              </a:ext>
-            </a:extLst>
-          </p:cNvPr>
-          <p:cNvPicPr>
-            <a:picLocks noChangeAspect="1"/>
-          </p:cNvPicPr>
-          <p:nvPr/>
-        </p:nvPicPr>
-        <p:blipFill>
-          <a:blip r:embed="rId8">
-            <a:extLst>
-              <a:ext uri="{28A0092B-C50C-407E-A947-70E740481C1C}">
-                <a14:useLocalDpi xmlns:a14="http://schemas.microsoft.com/office/drawing/2010/main" val="0"/>
-              </a:ext>
-              <a:ext uri="{96DAC541-7B7A-43D3-8B79-37D633B846F1}">
-                <asvg:svgBlip xmlns:asvg="http://schemas.microsoft.com/office/drawing/2016/SVG/main" r:embed="rId9"/>
-              </a:ext>
-            </a:extLst>
-          </a:blip>
-          <a:stretch>
-            <a:fillRect/>
-          </a:stretch>
-        </p:blipFill>
-        <p:spPr>
-          <a:xfrm>
-            <a:off x="5637712" y="1496952"/>
-            <a:ext cx="914400" cy="914400"/>
-          </a:xfrm>
-          <a:prstGeom prst="rect">
-            <a:avLst/>
-          </a:prstGeom>
-        </p:spPr>
-      </p:pic>
-      <p:sp>
-        <p:nvSpPr>
-          <p:cNvPr id="31" name="TextBox 30">
-            <a:extLst>
-              <a:ext uri="{FF2B5EF4-FFF2-40B4-BE49-F238E27FC236}">
-                <a16:creationId xmlns:a16="http://schemas.microsoft.com/office/drawing/2014/main" id="{DF0ACE13-FEDD-D075-B389-C4FE887F6F1C}"/>
-              </a:ext>
-            </a:extLst>
-          </p:cNvPr>
-          <p:cNvSpPr txBox="1"/>
-          <p:nvPr/>
-        </p:nvSpPr>
-        <p:spPr>
-          <a:xfrm>
-            <a:off x="4425343" y="2322779"/>
-            <a:ext cx="3466444" cy="1077218"/>
-          </a:xfrm>
-          <a:prstGeom prst="rect">
-            <a:avLst/>
-          </a:prstGeom>
-          <a:noFill/>
-        </p:spPr>
-        <p:txBody>
-          <a:bodyPr wrap="square" rtlCol="0">
-            <a:spAutoFit/>
-          </a:bodyPr>
-          <a:lstStyle/>
-          <a:p>
-            <a:pPr algn="ctr"/>
-            <a:r>
-              <a:rPr lang="ru-RU" sz="3200" b="1" dirty="0">
-                <a:solidFill>
-                  <a:schemeClr val="bg1"/>
-                </a:solidFill>
-              </a:rPr>
-              <a:t>Непрозрачное ценообразование</a:t>
-            </a:r>
-          </a:p>
-        </p:txBody>
-      </p:sp>
-      <p:sp>
-        <p:nvSpPr>
-          <p:cNvPr id="32" name="TextBox 31">
-            <a:extLst>
-              <a:ext uri="{FF2B5EF4-FFF2-40B4-BE49-F238E27FC236}">
-                <a16:creationId xmlns:a16="http://schemas.microsoft.com/office/drawing/2014/main" id="{4D5EAA20-0515-B291-2599-026FF46406EF}"/>
-              </a:ext>
-            </a:extLst>
-          </p:cNvPr>
-          <p:cNvSpPr txBox="1"/>
-          <p:nvPr/>
-        </p:nvSpPr>
-        <p:spPr>
-          <a:xfrm>
-            <a:off x="4950935" y="3473544"/>
-            <a:ext cx="2525027" cy="430887"/>
-          </a:xfrm>
-          <a:prstGeom prst="rect">
-            <a:avLst/>
-          </a:prstGeom>
-          <a:noFill/>
-        </p:spPr>
-        <p:txBody>
-          <a:bodyPr wrap="square" rtlCol="0">
-            <a:spAutoFit/>
-          </a:bodyPr>
-          <a:lstStyle/>
-          <a:p>
-            <a:r>
-              <a:rPr lang="ru-RU" sz="2200" dirty="0">
-                <a:solidFill>
-                  <a:schemeClr val="bg1"/>
-                </a:solidFill>
-              </a:rPr>
-              <a:t>Двойные комиссии</a:t>
-            </a:r>
-          </a:p>
-        </p:txBody>
-      </p:sp>
-      <p:pic>
-        <p:nvPicPr>
-          <p:cNvPr id="34" name="Рисунок 33" descr="Передача со сплошной заливкой">
-            <a:extLst>
-              <a:ext uri="{FF2B5EF4-FFF2-40B4-BE49-F238E27FC236}">
-                <a16:creationId xmlns:a16="http://schemas.microsoft.com/office/drawing/2014/main" id="{ADA0EFDB-E967-08BC-5A03-F9ADA1A1B037}"/>
-              </a:ext>
-            </a:extLst>
-          </p:cNvPr>
-          <p:cNvPicPr>
-            <a:picLocks noChangeAspect="1"/>
-          </p:cNvPicPr>
-          <p:nvPr/>
-        </p:nvPicPr>
-        <p:blipFill>
-          <a:blip r:embed="rId10">
-            <a:extLst>
-              <a:ext uri="{28A0092B-C50C-407E-A947-70E740481C1C}">
-                <a14:useLocalDpi xmlns:a14="http://schemas.microsoft.com/office/drawing/2010/main" val="0"/>
-              </a:ext>
-              <a:ext uri="{96DAC541-7B7A-43D3-8B79-37D633B846F1}">
-                <asvg:svgBlip xmlns:asvg="http://schemas.microsoft.com/office/drawing/2016/SVG/main" r:embed="rId11"/>
-              </a:ext>
-            </a:extLst>
-          </a:blip>
-          <a:stretch>
-            <a:fillRect/>
-          </a:stretch>
-        </p:blipFill>
-        <p:spPr>
-          <a:xfrm>
-            <a:off x="9670944" y="3646459"/>
-            <a:ext cx="914400" cy="914400"/>
-          </a:xfrm>
-          <a:prstGeom prst="rect">
-            <a:avLst/>
-          </a:prstGeom>
-        </p:spPr>
-      </p:pic>
-      <p:sp>
-        <p:nvSpPr>
-          <p:cNvPr id="35" name="TextBox 34">
-            <a:extLst>
-              <a:ext uri="{FF2B5EF4-FFF2-40B4-BE49-F238E27FC236}">
-                <a16:creationId xmlns:a16="http://schemas.microsoft.com/office/drawing/2014/main" id="{7C028CCD-86B4-475F-CD6E-9073CC16D8A5}"/>
-              </a:ext>
-            </a:extLst>
-          </p:cNvPr>
-          <p:cNvSpPr txBox="1"/>
-          <p:nvPr/>
-        </p:nvSpPr>
-        <p:spPr>
-          <a:xfrm>
-            <a:off x="8394922" y="4399802"/>
-            <a:ext cx="3466444" cy="1077218"/>
-          </a:xfrm>
-          <a:prstGeom prst="rect">
-            <a:avLst/>
-          </a:prstGeom>
-          <a:noFill/>
-        </p:spPr>
-        <p:txBody>
-          <a:bodyPr wrap="square" rtlCol="0">
-            <a:spAutoFit/>
-          </a:bodyPr>
-          <a:lstStyle/>
-          <a:p>
-            <a:pPr algn="ctr"/>
-            <a:r>
-              <a:rPr lang="ru-RU" sz="3200" b="1" dirty="0">
-                <a:solidFill>
-                  <a:schemeClr val="bg1"/>
-                </a:solidFill>
-              </a:rPr>
-              <a:t>Подмена продукта</a:t>
+              <a:t>Продажа неподходящих продуктов, подмена</a:t>
             </a:r>
           </a:p>
         </p:txBody>
@@ -10331,7 +13352,7 @@
     </p:spTree>
     <p:extLst>
       <p:ext uri="{BB962C8B-B14F-4D97-AF65-F5344CB8AC3E}">
-        <p14:creationId xmlns:p14="http://schemas.microsoft.com/office/powerpoint/2010/main" val="1211046716"/>
+        <p14:creationId xmlns:p14="http://schemas.microsoft.com/office/powerpoint/2010/main" val="3964110632"/>
       </p:ext>
     </p:extLst>
   </p:cSld>

--- a/финансы_преза.pptx
+++ b/финансы_преза.pptx
@@ -10296,7 +10296,7 @@
         </p:nvSpPr>
         <p:spPr>
           <a:xfrm>
-            <a:off x="7802565" y="1841841"/>
+            <a:off x="7949966" y="2108217"/>
             <a:ext cx="4253341" cy="1015663"/>
           </a:xfrm>
           <a:prstGeom prst="rect">
@@ -10311,13 +10311,21 @@
           <a:lstStyle/>
           <a:p>
             <a:pPr algn="ctr"/>
+            <a:r>
+              <a:rPr lang="en-US" sz="6000" b="1" dirty="0">
+                <a:solidFill>
+                  <a:schemeClr val="bg1"/>
+                </a:solidFill>
+              </a:rPr>
+              <a:t>&gt;3</a:t>
+            </a:r>
             <a:r>
               <a:rPr lang="ru-RU" sz="6000" b="1" dirty="0">
                 <a:solidFill>
                   <a:schemeClr val="bg1"/>
                 </a:solidFill>
               </a:rPr>
-              <a:t>60 000 000</a:t>
+              <a:t>0 000 000</a:t>
             </a:r>
           </a:p>
         </p:txBody>
@@ -10336,7 +10344,7 @@
         </p:nvSpPr>
         <p:spPr>
           <a:xfrm>
-            <a:off x="8186712" y="2534049"/>
+            <a:off x="8089998" y="2818830"/>
             <a:ext cx="4024541" cy="461665"/>
           </a:xfrm>
           <a:prstGeom prst="rect">
@@ -10375,7 +10383,7 @@
         </p:nvSpPr>
         <p:spPr>
           <a:xfrm>
-            <a:off x="8184450" y="2984834"/>
+            <a:off x="8149085" y="3211288"/>
             <a:ext cx="3794606" cy="1015663"/>
           </a:xfrm>
           <a:prstGeom prst="rect">

--- a/финансы_преза.pptx
+++ b/финансы_преза.pptx
@@ -10432,7 +10432,7 @@
         </p:nvSpPr>
         <p:spPr>
           <a:xfrm>
-            <a:off x="167951" y="5681496"/>
+            <a:off x="81902" y="5935248"/>
             <a:ext cx="4727998" cy="830997"/>
           </a:xfrm>
           <a:prstGeom prst="rect">
@@ -10448,7 +10448,7 @@
           <a:p>
             <a:r>
               <a:rPr lang="ru-RU" sz="2400" dirty="0"/>
-              <a:t>* все суммы указаны в сегодняшних ценах</a:t>
+              <a:t>* все суммы указаны в реальных величинах</a:t>
             </a:r>
           </a:p>
         </p:txBody>
